--- a/JG_files/presentation/Network Analysis - MLE Capstone Presentation_v5jg.pptx
+++ b/JG_files/presentation/Network Analysis - MLE Capstone Presentation_v5jg.pptx
@@ -13,30 +13,30 @@
     <p:sldId id="259" r:id="rId4"/>
     <p:sldId id="260" r:id="rId5"/>
     <p:sldId id="267" r:id="rId6"/>
-    <p:sldId id="261" r:id="rId7"/>
-    <p:sldId id="273" r:id="rId8"/>
-    <p:sldId id="272" r:id="rId9"/>
-    <p:sldId id="275" r:id="rId10"/>
-    <p:sldId id="270" r:id="rId11"/>
-    <p:sldId id="287" r:id="rId12"/>
-    <p:sldId id="288" r:id="rId13"/>
-    <p:sldId id="268" r:id="rId14"/>
-    <p:sldId id="271" r:id="rId15"/>
-    <p:sldId id="276" r:id="rId16"/>
-    <p:sldId id="277" r:id="rId17"/>
-    <p:sldId id="280" r:id="rId18"/>
-    <p:sldId id="278" r:id="rId19"/>
-    <p:sldId id="283" r:id="rId20"/>
-    <p:sldId id="281" r:id="rId21"/>
-    <p:sldId id="282" r:id="rId22"/>
-    <p:sldId id="284" r:id="rId23"/>
-    <p:sldId id="262" r:id="rId24"/>
-    <p:sldId id="269" r:id="rId25"/>
-    <p:sldId id="264" r:id="rId26"/>
-    <p:sldId id="265" r:id="rId27"/>
-    <p:sldId id="266" r:id="rId28"/>
-    <p:sldId id="285" r:id="rId29"/>
-    <p:sldId id="274" r:id="rId30"/>
+    <p:sldId id="271" r:id="rId7"/>
+    <p:sldId id="270" r:id="rId8"/>
+    <p:sldId id="288" r:id="rId9"/>
+    <p:sldId id="287" r:id="rId10"/>
+    <p:sldId id="261" r:id="rId11"/>
+    <p:sldId id="275" r:id="rId12"/>
+    <p:sldId id="272" r:id="rId13"/>
+    <p:sldId id="273" r:id="rId14"/>
+    <p:sldId id="277" r:id="rId15"/>
+    <p:sldId id="280" r:id="rId16"/>
+    <p:sldId id="278" r:id="rId17"/>
+    <p:sldId id="283" r:id="rId18"/>
+    <p:sldId id="281" r:id="rId19"/>
+    <p:sldId id="282" r:id="rId20"/>
+    <p:sldId id="284" r:id="rId21"/>
+    <p:sldId id="276" r:id="rId22"/>
+    <p:sldId id="262" r:id="rId23"/>
+    <p:sldId id="269" r:id="rId24"/>
+    <p:sldId id="264" r:id="rId25"/>
+    <p:sldId id="265" r:id="rId26"/>
+    <p:sldId id="266" r:id="rId27"/>
+    <p:sldId id="285" r:id="rId28"/>
+    <p:sldId id="274" r:id="rId29"/>
+    <p:sldId id="268" r:id="rId30"/>
     <p:sldId id="263" r:id="rId31"/>
   </p:sldIdLst>
   <p:sldSz cx="9144000" cy="5143500" type="screen16x9"/>
@@ -1045,7 +1045,7 @@
   <p:cSld>
     <p:spTree>
       <p:nvGrpSpPr>
-        <p:cNvPr id="1" name="Shape 136"/>
+        <p:cNvPr id="1" name="Shape 123"/>
         <p:cNvGrpSpPr/>
         <p:nvPr/>
       </p:nvGrpSpPr>
@@ -1059,7 +1059,7 @@
       </p:grpSpPr>
       <p:sp>
         <p:nvSpPr>
-          <p:cNvPr id="137" name="Google Shape;137;g133c1f20611_0_26:notes"/>
+          <p:cNvPr id="124" name="Google Shape;124;g133c1f20611_0_15:notes"/>
           <p:cNvSpPr>
             <a:spLocks noGrp="1" noRot="1" noChangeAspect="1"/>
           </p:cNvSpPr>
@@ -1110,7 +1110,7 @@
       </p:sp>
       <p:sp>
         <p:nvSpPr>
-          <p:cNvPr id="138" name="Google Shape;138;g133c1f20611_0_26:notes"/>
+          <p:cNvPr id="125" name="Google Shape;125;g133c1f20611_0_15:notes"/>
           <p:cNvSpPr txBox="1">
             <a:spLocks noGrp="1"/>
           </p:cNvSpPr>
@@ -1150,16 +1150,11 @@
               <a:buSzPts val="1100"/>
               <a:buNone/>
             </a:pPr>
-            <a:endParaRPr/>
+            <a:endParaRPr dirty="0"/>
           </a:p>
         </p:txBody>
       </p:sp>
     </p:spTree>
-    <p:extLst>
-      <p:ext uri="{BB962C8B-B14F-4D97-AF65-F5344CB8AC3E}">
-        <p14:creationId xmlns:p14="http://schemas.microsoft.com/office/powerpoint/2010/main" val="335950923"/>
-      </p:ext>
-    </p:extLst>
   </p:cSld>
   <p:clrMapOvr>
     <a:masterClrMapping/>
@@ -1172,7 +1167,7 @@
   <p:cSld>
     <p:spTree>
       <p:nvGrpSpPr>
-        <p:cNvPr id="1" name="Shape 136"/>
+        <p:cNvPr id="1" name="Shape 123"/>
         <p:cNvGrpSpPr/>
         <p:nvPr/>
       </p:nvGrpSpPr>
@@ -1186,7 +1181,7 @@
       </p:grpSpPr>
       <p:sp>
         <p:nvSpPr>
-          <p:cNvPr id="137" name="Google Shape;137;g133c1f20611_0_26:notes"/>
+          <p:cNvPr id="124" name="Google Shape;124;g133c1f20611_0_15:notes"/>
           <p:cNvSpPr>
             <a:spLocks noGrp="1" noRot="1" noChangeAspect="1"/>
           </p:cNvSpPr>
@@ -1237,7 +1232,7 @@
       </p:sp>
       <p:sp>
         <p:nvSpPr>
-          <p:cNvPr id="138" name="Google Shape;138;g133c1f20611_0_26:notes"/>
+          <p:cNvPr id="125" name="Google Shape;125;g133c1f20611_0_15:notes"/>
           <p:cNvSpPr txBox="1">
             <a:spLocks noGrp="1"/>
           </p:cNvSpPr>
@@ -1284,7 +1279,7 @@
     </p:spTree>
     <p:extLst>
       <p:ext uri="{BB962C8B-B14F-4D97-AF65-F5344CB8AC3E}">
-        <p14:creationId xmlns:p14="http://schemas.microsoft.com/office/powerpoint/2010/main" val="1293582316"/>
+        <p14:creationId xmlns:p14="http://schemas.microsoft.com/office/powerpoint/2010/main" val="1714713730"/>
       </p:ext>
     </p:extLst>
   </p:cSld>
@@ -1299,7 +1294,7 @@
   <p:cSld>
     <p:spTree>
       <p:nvGrpSpPr>
-        <p:cNvPr id="1" name="Shape 136"/>
+        <p:cNvPr id="1" name="Shape 123"/>
         <p:cNvGrpSpPr/>
         <p:nvPr/>
       </p:nvGrpSpPr>
@@ -1313,7 +1308,7 @@
       </p:grpSpPr>
       <p:sp>
         <p:nvSpPr>
-          <p:cNvPr id="137" name="Google Shape;137;g133c1f20611_0_26:notes"/>
+          <p:cNvPr id="124" name="Google Shape;124;g133c1f20611_0_15:notes"/>
           <p:cNvSpPr>
             <a:spLocks noGrp="1" noRot="1" noChangeAspect="1"/>
           </p:cNvSpPr>
@@ -1364,7 +1359,7 @@
       </p:sp>
       <p:sp>
         <p:nvSpPr>
-          <p:cNvPr id="138" name="Google Shape;138;g133c1f20611_0_26:notes"/>
+          <p:cNvPr id="125" name="Google Shape;125;g133c1f20611_0_15:notes"/>
           <p:cNvSpPr txBox="1">
             <a:spLocks noGrp="1"/>
           </p:cNvSpPr>
@@ -1411,7 +1406,7 @@
     </p:spTree>
     <p:extLst>
       <p:ext uri="{BB962C8B-B14F-4D97-AF65-F5344CB8AC3E}">
-        <p14:creationId xmlns:p14="http://schemas.microsoft.com/office/powerpoint/2010/main" val="4281927"/>
+        <p14:creationId xmlns:p14="http://schemas.microsoft.com/office/powerpoint/2010/main" val="2694793689"/>
       </p:ext>
     </p:extLst>
   </p:cSld>
@@ -1426,7 +1421,7 @@
   <p:cSld>
     <p:spTree>
       <p:nvGrpSpPr>
-        <p:cNvPr id="1" name="Shape 136"/>
+        <p:cNvPr id="1" name="Shape 123"/>
         <p:cNvGrpSpPr/>
         <p:nvPr/>
       </p:nvGrpSpPr>
@@ -1440,7 +1435,7 @@
       </p:grpSpPr>
       <p:sp>
         <p:nvSpPr>
-          <p:cNvPr id="137" name="Google Shape;137;g133c1f20611_0_26:notes"/>
+          <p:cNvPr id="124" name="Google Shape;124;g133c1f20611_0_15:notes"/>
           <p:cNvSpPr>
             <a:spLocks noGrp="1" noRot="1" noChangeAspect="1"/>
           </p:cNvSpPr>
@@ -1491,7 +1486,7 @@
       </p:sp>
       <p:sp>
         <p:nvSpPr>
-          <p:cNvPr id="138" name="Google Shape;138;g133c1f20611_0_26:notes"/>
+          <p:cNvPr id="125" name="Google Shape;125;g133c1f20611_0_15:notes"/>
           <p:cNvSpPr txBox="1">
             <a:spLocks noGrp="1"/>
           </p:cNvSpPr>
@@ -1538,7 +1533,7 @@
     </p:spTree>
     <p:extLst>
       <p:ext uri="{BB962C8B-B14F-4D97-AF65-F5344CB8AC3E}">
-        <p14:creationId xmlns:p14="http://schemas.microsoft.com/office/powerpoint/2010/main" val="2064928601"/>
+        <p14:creationId xmlns:p14="http://schemas.microsoft.com/office/powerpoint/2010/main" val="3580114214"/>
       </p:ext>
     </p:extLst>
   </p:cSld>
@@ -1553,7 +1548,7 @@
   <p:cSld>
     <p:spTree>
       <p:nvGrpSpPr>
-        <p:cNvPr id="1" name="Shape 136"/>
+        <p:cNvPr id="1" name="Shape 117"/>
         <p:cNvGrpSpPr/>
         <p:nvPr/>
       </p:nvGrpSpPr>
@@ -1567,7 +1562,7 @@
       </p:grpSpPr>
       <p:sp>
         <p:nvSpPr>
-          <p:cNvPr id="137" name="Google Shape;137;g133c1f20611_0_26:notes"/>
+          <p:cNvPr id="118" name="Google Shape;118;g133c1f20611_0_10:notes"/>
           <p:cNvSpPr>
             <a:spLocks noGrp="1" noRot="1" noChangeAspect="1"/>
           </p:cNvSpPr>
@@ -1618,7 +1613,7 @@
       </p:sp>
       <p:sp>
         <p:nvSpPr>
-          <p:cNvPr id="138" name="Google Shape;138;g133c1f20611_0_26:notes"/>
+          <p:cNvPr id="119" name="Google Shape;119;g133c1f20611_0_10:notes"/>
           <p:cNvSpPr txBox="1">
             <a:spLocks noGrp="1"/>
           </p:cNvSpPr>
@@ -1658,6 +1653,26 @@
               <a:buSzPts val="1100"/>
               <a:buNone/>
             </a:pPr>
+            <a:r>
+              <a:rPr lang="en-US"/>
+              <a:t>Specify what </a:t>
+            </a:r>
+            <a:r>
+              <a:rPr lang="en-US" b="1"/>
+              <a:t>Success</a:t>
+            </a:r>
+            <a:r>
+              <a:rPr lang="en-US"/>
+              <a:t> looks like, and for what </a:t>
+            </a:r>
+            <a:r>
+              <a:rPr lang="en-US" b="1"/>
+              <a:t>Audience</a:t>
+            </a:r>
+            <a:r>
+              <a:rPr lang="en-US"/>
+              <a:t>.</a:t>
+            </a:r>
             <a:endParaRPr/>
           </a:p>
         </p:txBody>
@@ -1665,7 +1680,7 @@
     </p:spTree>
     <p:extLst>
       <p:ext uri="{BB962C8B-B14F-4D97-AF65-F5344CB8AC3E}">
-        <p14:creationId xmlns:p14="http://schemas.microsoft.com/office/powerpoint/2010/main" val="4005428505"/>
+        <p14:creationId xmlns:p14="http://schemas.microsoft.com/office/powerpoint/2010/main" val="352247447"/>
       </p:ext>
     </p:extLst>
   </p:cSld>
@@ -1812,7 +1827,7 @@
     </p:spTree>
     <p:extLst>
       <p:ext uri="{BB962C8B-B14F-4D97-AF65-F5344CB8AC3E}">
-        <p14:creationId xmlns:p14="http://schemas.microsoft.com/office/powerpoint/2010/main" val="2075184821"/>
+        <p14:creationId xmlns:p14="http://schemas.microsoft.com/office/powerpoint/2010/main" val="638625604"/>
       </p:ext>
     </p:extLst>
   </p:cSld>
@@ -1959,7 +1974,7 @@
     </p:spTree>
     <p:extLst>
       <p:ext uri="{BB962C8B-B14F-4D97-AF65-F5344CB8AC3E}">
-        <p14:creationId xmlns:p14="http://schemas.microsoft.com/office/powerpoint/2010/main" val="352247447"/>
+        <p14:creationId xmlns:p14="http://schemas.microsoft.com/office/powerpoint/2010/main" val="219618749"/>
       </p:ext>
     </p:extLst>
   </p:cSld>
@@ -2106,7 +2121,7 @@
     </p:spTree>
     <p:extLst>
       <p:ext uri="{BB962C8B-B14F-4D97-AF65-F5344CB8AC3E}">
-        <p14:creationId xmlns:p14="http://schemas.microsoft.com/office/powerpoint/2010/main" val="638625604"/>
+        <p14:creationId xmlns:p14="http://schemas.microsoft.com/office/powerpoint/2010/main" val="778705544"/>
       </p:ext>
     </p:extLst>
   </p:cSld>
@@ -2253,7 +2268,7 @@
     </p:spTree>
     <p:extLst>
       <p:ext uri="{BB962C8B-B14F-4D97-AF65-F5344CB8AC3E}">
-        <p14:creationId xmlns:p14="http://schemas.microsoft.com/office/powerpoint/2010/main" val="219618749"/>
+        <p14:creationId xmlns:p14="http://schemas.microsoft.com/office/powerpoint/2010/main" val="528919018"/>
       </p:ext>
     </p:extLst>
   </p:cSld>
@@ -2400,7 +2415,7 @@
     </p:spTree>
     <p:extLst>
       <p:ext uri="{BB962C8B-B14F-4D97-AF65-F5344CB8AC3E}">
-        <p14:creationId xmlns:p14="http://schemas.microsoft.com/office/powerpoint/2010/main" val="778705544"/>
+        <p14:creationId xmlns:p14="http://schemas.microsoft.com/office/powerpoint/2010/main" val="2109339161"/>
       </p:ext>
     </p:extLst>
   </p:cSld>
@@ -2669,7 +2684,7 @@
     </p:spTree>
     <p:extLst>
       <p:ext uri="{BB962C8B-B14F-4D97-AF65-F5344CB8AC3E}">
-        <p14:creationId xmlns:p14="http://schemas.microsoft.com/office/powerpoint/2010/main" val="528919018"/>
+        <p14:creationId xmlns:p14="http://schemas.microsoft.com/office/powerpoint/2010/main" val="2600120724"/>
       </p:ext>
     </p:extLst>
   </p:cSld>
@@ -2816,7 +2831,7 @@
     </p:spTree>
     <p:extLst>
       <p:ext uri="{BB962C8B-B14F-4D97-AF65-F5344CB8AC3E}">
-        <p14:creationId xmlns:p14="http://schemas.microsoft.com/office/powerpoint/2010/main" val="2109339161"/>
+        <p14:creationId xmlns:p14="http://schemas.microsoft.com/office/powerpoint/2010/main" val="2075184821"/>
       </p:ext>
     </p:extLst>
   </p:cSld>
@@ -2831,7 +2846,7 @@
   <p:cSld>
     <p:spTree>
       <p:nvGrpSpPr>
-        <p:cNvPr id="1" name="Shape 117"/>
+        <p:cNvPr id="1" name="Shape 129"/>
         <p:cNvGrpSpPr/>
         <p:nvPr/>
       </p:nvGrpSpPr>
@@ -2845,7 +2860,7 @@
       </p:grpSpPr>
       <p:sp>
         <p:nvSpPr>
-          <p:cNvPr id="118" name="Google Shape;118;g133c1f20611_0_10:notes"/>
+          <p:cNvPr id="130" name="Google Shape;130;g133c1f20611_0_20:notes"/>
           <p:cNvSpPr>
             <a:spLocks noGrp="1" noRot="1" noChangeAspect="1"/>
           </p:cNvSpPr>
@@ -2896,7 +2911,7 @@
       </p:sp>
       <p:sp>
         <p:nvSpPr>
-          <p:cNvPr id="119" name="Google Shape;119;g133c1f20611_0_10:notes"/>
+          <p:cNvPr id="131" name="Google Shape;131;g133c1f20611_0_20:notes"/>
           <p:cNvSpPr txBox="1">
             <a:spLocks noGrp="1"/>
           </p:cNvSpPr>
@@ -2936,36 +2951,11 @@
               <a:buSzPts val="1100"/>
               <a:buNone/>
             </a:pPr>
-            <a:r>
-              <a:rPr lang="en-US"/>
-              <a:t>Specify what </a:t>
-            </a:r>
-            <a:r>
-              <a:rPr lang="en-US" b="1"/>
-              <a:t>Success</a:t>
-            </a:r>
-            <a:r>
-              <a:rPr lang="en-US"/>
-              <a:t> looks like, and for what </a:t>
-            </a:r>
-            <a:r>
-              <a:rPr lang="en-US" b="1"/>
-              <a:t>Audience</a:t>
-            </a:r>
-            <a:r>
-              <a:rPr lang="en-US"/>
-              <a:t>.</a:t>
-            </a:r>
             <a:endParaRPr/>
           </a:p>
         </p:txBody>
       </p:sp>
     </p:spTree>
-    <p:extLst>
-      <p:ext uri="{BB962C8B-B14F-4D97-AF65-F5344CB8AC3E}">
-        <p14:creationId xmlns:p14="http://schemas.microsoft.com/office/powerpoint/2010/main" val="2600120724"/>
-      </p:ext>
-    </p:extLst>
   </p:cSld>
   <p:clrMapOvr>
     <a:masterClrMapping/>
@@ -3088,128 +3078,6 @@
         </p:txBody>
       </p:sp>
     </p:spTree>
-  </p:cSld>
-  <p:clrMapOvr>
-    <a:masterClrMapping/>
-  </p:clrMapOvr>
-</p:notes>
-</file>
-
-<file path=ppt/notesSlides/notesSlide24.xml><?xml version="1.0" encoding="utf-8"?>
-<p:notes xmlns:a="http://schemas.openxmlformats.org/drawingml/2006/main" xmlns:r="http://schemas.openxmlformats.org/officeDocument/2006/relationships" xmlns:p="http://schemas.openxmlformats.org/presentationml/2006/main" showMasterSp="0" showMasterPhAnim="0">
-  <p:cSld>
-    <p:spTree>
-      <p:nvGrpSpPr>
-        <p:cNvPr id="1" name="Shape 129"/>
-        <p:cNvGrpSpPr/>
-        <p:nvPr/>
-      </p:nvGrpSpPr>
-      <p:grpSpPr>
-        <a:xfrm>
-          <a:off x="0" y="0"/>
-          <a:ext cx="0" cy="0"/>
-          <a:chOff x="0" y="0"/>
-          <a:chExt cx="0" cy="0"/>
-        </a:xfrm>
-      </p:grpSpPr>
-      <p:sp>
-        <p:nvSpPr>
-          <p:cNvPr id="130" name="Google Shape;130;g133c1f20611_0_20:notes"/>
-          <p:cNvSpPr>
-            <a:spLocks noGrp="1" noRot="1" noChangeAspect="1"/>
-          </p:cNvSpPr>
-          <p:nvPr>
-            <p:ph type="sldImg" idx="2"/>
-          </p:nvPr>
-        </p:nvSpPr>
-        <p:spPr>
-          <a:xfrm>
-            <a:off x="381000" y="685800"/>
-            <a:ext cx="6096000" cy="3429000"/>
-          </a:xfrm>
-          <a:custGeom>
-            <a:avLst/>
-            <a:gdLst/>
-            <a:ahLst/>
-            <a:cxnLst/>
-            <a:rect l="l" t="t" r="r" b="b"/>
-            <a:pathLst>
-              <a:path w="120000" h="120000" extrusionOk="0">
-                <a:moveTo>
-                  <a:pt x="0" y="0"/>
-                </a:moveTo>
-                <a:lnTo>
-                  <a:pt x="120000" y="0"/>
-                </a:lnTo>
-                <a:lnTo>
-                  <a:pt x="120000" y="120000"/>
-                </a:lnTo>
-                <a:lnTo>
-                  <a:pt x="0" y="120000"/>
-                </a:lnTo>
-                <a:close/>
-              </a:path>
-            </a:pathLst>
-          </a:custGeom>
-          <a:noFill/>
-          <a:ln w="9525" cap="flat" cmpd="sng">
-            <a:solidFill>
-              <a:srgbClr val="000000"/>
-            </a:solidFill>
-            <a:prstDash val="solid"/>
-            <a:round/>
-            <a:headEnd type="none" w="sm" len="sm"/>
-            <a:tailEnd type="none" w="sm" len="sm"/>
-          </a:ln>
-        </p:spPr>
-      </p:sp>
-      <p:sp>
-        <p:nvSpPr>
-          <p:cNvPr id="131" name="Google Shape;131;g133c1f20611_0_20:notes"/>
-          <p:cNvSpPr txBox="1">
-            <a:spLocks noGrp="1"/>
-          </p:cNvSpPr>
-          <p:nvPr>
-            <p:ph type="body" idx="1"/>
-          </p:nvPr>
-        </p:nvSpPr>
-        <p:spPr>
-          <a:xfrm>
-            <a:off x="685800" y="4343400"/>
-            <a:ext cx="5486400" cy="4114800"/>
-          </a:xfrm>
-          <a:prstGeom prst="rect">
-            <a:avLst/>
-          </a:prstGeom>
-          <a:noFill/>
-          <a:ln>
-            <a:noFill/>
-          </a:ln>
-        </p:spPr>
-        <p:txBody>
-          <a:bodyPr spcFirstLastPara="1" wrap="square" lIns="91425" tIns="91425" rIns="91425" bIns="91425" anchor="t" anchorCtr="0">
-            <a:noAutofit/>
-          </a:bodyPr>
-          <a:lstStyle/>
-          <a:p>
-            <a:pPr marL="0" lvl="0" indent="0" algn="l" rtl="0">
-              <a:lnSpc>
-                <a:spcPct val="100000"/>
-              </a:lnSpc>
-              <a:spcBef>
-                <a:spcPts val="0"/>
-              </a:spcBef>
-              <a:spcAft>
-                <a:spcPts val="0"/>
-              </a:spcAft>
-              <a:buSzPts val="1100"/>
-              <a:buNone/>
-            </a:pPr>
-            <a:endParaRPr/>
-          </a:p>
-        </p:txBody>
-      </p:sp>
-    </p:spTree>
     <p:extLst>
       <p:ext uri="{BB962C8B-B14F-4D97-AF65-F5344CB8AC3E}">
         <p14:creationId xmlns:p14="http://schemas.microsoft.com/office/powerpoint/2010/main" val="182243608"/>
@@ -3222,7 +3090,7 @@
 </p:notes>
 </file>
 
-<file path=ppt/notesSlides/notesSlide25.xml><?xml version="1.0" encoding="utf-8"?>
+<file path=ppt/notesSlides/notesSlide24.xml><?xml version="1.0" encoding="utf-8"?>
 <p:notes xmlns:a="http://schemas.openxmlformats.org/drawingml/2006/main" xmlns:r="http://schemas.openxmlformats.org/officeDocument/2006/relationships" xmlns:p="http://schemas.openxmlformats.org/presentationml/2006/main" showMasterSp="0" showMasterPhAnim="0">
   <p:cSld>
     <p:spTree>
@@ -3384,7 +3252,7 @@
 </p:notes>
 </file>
 
-<file path=ppt/notesSlides/notesSlide26.xml><?xml version="1.0" encoding="utf-8"?>
+<file path=ppt/notesSlides/notesSlide25.xml><?xml version="1.0" encoding="utf-8"?>
 <p:notes xmlns:a="http://schemas.openxmlformats.org/drawingml/2006/main" xmlns:r="http://schemas.openxmlformats.org/officeDocument/2006/relationships" xmlns:p="http://schemas.openxmlformats.org/presentationml/2006/main" showMasterSp="0" showMasterPhAnim="0">
   <p:cSld>
     <p:spTree>
@@ -3506,7 +3374,7 @@
 </p:notes>
 </file>
 
-<file path=ppt/notesSlides/notesSlide27.xml><?xml version="1.0" encoding="utf-8"?>
+<file path=ppt/notesSlides/notesSlide26.xml><?xml version="1.0" encoding="utf-8"?>
 <p:notes xmlns:a="http://schemas.openxmlformats.org/drawingml/2006/main" xmlns:r="http://schemas.openxmlformats.org/officeDocument/2006/relationships" xmlns:p="http://schemas.openxmlformats.org/presentationml/2006/main" showMasterSp="0" showMasterPhAnim="0">
   <p:cSld>
     <p:spTree>
@@ -3628,7 +3496,7 @@
 </p:notes>
 </file>
 
-<file path=ppt/notesSlides/notesSlide28.xml><?xml version="1.0" encoding="utf-8"?>
+<file path=ppt/notesSlides/notesSlide27.xml><?xml version="1.0" encoding="utf-8"?>
 <p:notes xmlns:a="http://schemas.openxmlformats.org/drawingml/2006/main" xmlns:r="http://schemas.openxmlformats.org/officeDocument/2006/relationships" xmlns:p="http://schemas.openxmlformats.org/presentationml/2006/main" showMasterSp="0" showMasterPhAnim="0">
   <p:cSld>
     <p:spTree>
@@ -3746,6 +3614,133 @@
     <p:extLst>
       <p:ext uri="{BB962C8B-B14F-4D97-AF65-F5344CB8AC3E}">
         <p14:creationId xmlns:p14="http://schemas.microsoft.com/office/powerpoint/2010/main" val="3410242713"/>
+      </p:ext>
+    </p:extLst>
+  </p:cSld>
+  <p:clrMapOvr>
+    <a:masterClrMapping/>
+  </p:clrMapOvr>
+</p:notes>
+</file>
+
+<file path=ppt/notesSlides/notesSlide28.xml><?xml version="1.0" encoding="utf-8"?>
+<p:notes xmlns:a="http://schemas.openxmlformats.org/drawingml/2006/main" xmlns:r="http://schemas.openxmlformats.org/officeDocument/2006/relationships" xmlns:p="http://schemas.openxmlformats.org/presentationml/2006/main" showMasterSp="0" showMasterPhAnim="0">
+  <p:cSld>
+    <p:spTree>
+      <p:nvGrpSpPr>
+        <p:cNvPr id="1" name="Shape 136"/>
+        <p:cNvGrpSpPr/>
+        <p:nvPr/>
+      </p:nvGrpSpPr>
+      <p:grpSpPr>
+        <a:xfrm>
+          <a:off x="0" y="0"/>
+          <a:ext cx="0" cy="0"/>
+          <a:chOff x="0" y="0"/>
+          <a:chExt cx="0" cy="0"/>
+        </a:xfrm>
+      </p:grpSpPr>
+      <p:sp>
+        <p:nvSpPr>
+          <p:cNvPr id="137" name="Google Shape;137;g133c1f20611_0_26:notes"/>
+          <p:cNvSpPr>
+            <a:spLocks noGrp="1" noRot="1" noChangeAspect="1"/>
+          </p:cNvSpPr>
+          <p:nvPr>
+            <p:ph type="sldImg" idx="2"/>
+          </p:nvPr>
+        </p:nvSpPr>
+        <p:spPr>
+          <a:xfrm>
+            <a:off x="381000" y="685800"/>
+            <a:ext cx="6096000" cy="3429000"/>
+          </a:xfrm>
+          <a:custGeom>
+            <a:avLst/>
+            <a:gdLst/>
+            <a:ahLst/>
+            <a:cxnLst/>
+            <a:rect l="l" t="t" r="r" b="b"/>
+            <a:pathLst>
+              <a:path w="120000" h="120000" extrusionOk="0">
+                <a:moveTo>
+                  <a:pt x="0" y="0"/>
+                </a:moveTo>
+                <a:lnTo>
+                  <a:pt x="120000" y="0"/>
+                </a:lnTo>
+                <a:lnTo>
+                  <a:pt x="120000" y="120000"/>
+                </a:lnTo>
+                <a:lnTo>
+                  <a:pt x="0" y="120000"/>
+                </a:lnTo>
+                <a:close/>
+              </a:path>
+            </a:pathLst>
+          </a:custGeom>
+          <a:noFill/>
+          <a:ln w="9525" cap="flat" cmpd="sng">
+            <a:solidFill>
+              <a:srgbClr val="000000"/>
+            </a:solidFill>
+            <a:prstDash val="solid"/>
+            <a:round/>
+            <a:headEnd type="none" w="sm" len="sm"/>
+            <a:tailEnd type="none" w="sm" len="sm"/>
+          </a:ln>
+        </p:spPr>
+      </p:sp>
+      <p:sp>
+        <p:nvSpPr>
+          <p:cNvPr id="138" name="Google Shape;138;g133c1f20611_0_26:notes"/>
+          <p:cNvSpPr txBox="1">
+            <a:spLocks noGrp="1"/>
+          </p:cNvSpPr>
+          <p:nvPr>
+            <p:ph type="body" idx="1"/>
+          </p:nvPr>
+        </p:nvSpPr>
+        <p:spPr>
+          <a:xfrm>
+            <a:off x="685800" y="4343400"/>
+            <a:ext cx="5486400" cy="4114800"/>
+          </a:xfrm>
+          <a:prstGeom prst="rect">
+            <a:avLst/>
+          </a:prstGeom>
+          <a:noFill/>
+          <a:ln>
+            <a:noFill/>
+          </a:ln>
+        </p:spPr>
+        <p:txBody>
+          <a:bodyPr spcFirstLastPara="1" wrap="square" lIns="91425" tIns="91425" rIns="91425" bIns="91425" anchor="t" anchorCtr="0">
+            <a:noAutofit/>
+          </a:bodyPr>
+          <a:lstStyle/>
+          <a:p>
+            <a:pPr marL="0" lvl="0" indent="0" algn="l" rtl="0">
+              <a:lnSpc>
+                <a:spcPct val="100000"/>
+              </a:lnSpc>
+              <a:spcBef>
+                <a:spcPts val="0"/>
+              </a:spcBef>
+              <a:spcAft>
+                <a:spcPts val="0"/>
+              </a:spcAft>
+              <a:buSzPts val="1100"/>
+              <a:buNone/>
+            </a:pPr>
+            <a:endParaRPr/>
+          </a:p>
+        </p:txBody>
+      </p:sp>
+    </p:spTree>
+    <p:extLst>
+      <p:ext uri="{BB962C8B-B14F-4D97-AF65-F5344CB8AC3E}">
+        <p14:creationId xmlns:p14="http://schemas.microsoft.com/office/powerpoint/2010/main" val="2064928601"/>
       </p:ext>
     </p:extLst>
   </p:cSld>
@@ -4337,7 +4332,7 @@
   <p:cSld>
     <p:spTree>
       <p:nvGrpSpPr>
-        <p:cNvPr id="1" name="Shape 123"/>
+        <p:cNvPr id="1" name="Shape 136"/>
         <p:cNvGrpSpPr/>
         <p:nvPr/>
       </p:nvGrpSpPr>
@@ -4351,7 +4346,7 @@
       </p:grpSpPr>
       <p:sp>
         <p:nvSpPr>
-          <p:cNvPr id="124" name="Google Shape;124;g133c1f20611_0_15:notes"/>
+          <p:cNvPr id="137" name="Google Shape;137;g133c1f20611_0_26:notes"/>
           <p:cNvSpPr>
             <a:spLocks noGrp="1" noRot="1" noChangeAspect="1"/>
           </p:cNvSpPr>
@@ -4402,7 +4397,7 @@
       </p:sp>
       <p:sp>
         <p:nvSpPr>
-          <p:cNvPr id="125" name="Google Shape;125;g133c1f20611_0_15:notes"/>
+          <p:cNvPr id="138" name="Google Shape;138;g133c1f20611_0_26:notes"/>
           <p:cNvSpPr txBox="1">
             <a:spLocks noGrp="1"/>
           </p:cNvSpPr>
@@ -4442,11 +4437,16 @@
               <a:buSzPts val="1100"/>
               <a:buNone/>
             </a:pPr>
-            <a:endParaRPr dirty="0"/>
+            <a:endParaRPr/>
           </a:p>
         </p:txBody>
       </p:sp>
     </p:spTree>
+    <p:extLst>
+      <p:ext uri="{BB962C8B-B14F-4D97-AF65-F5344CB8AC3E}">
+        <p14:creationId xmlns:p14="http://schemas.microsoft.com/office/powerpoint/2010/main" val="4005428505"/>
+      </p:ext>
+    </p:extLst>
   </p:cSld>
   <p:clrMapOvr>
     <a:masterClrMapping/>
@@ -4459,7 +4459,7 @@
   <p:cSld>
     <p:spTree>
       <p:nvGrpSpPr>
-        <p:cNvPr id="1" name="Shape 123"/>
+        <p:cNvPr id="1" name="Shape 136"/>
         <p:cNvGrpSpPr/>
         <p:nvPr/>
       </p:nvGrpSpPr>
@@ -4473,7 +4473,7 @@
       </p:grpSpPr>
       <p:sp>
         <p:nvSpPr>
-          <p:cNvPr id="124" name="Google Shape;124;g133c1f20611_0_15:notes"/>
+          <p:cNvPr id="137" name="Google Shape;137;g133c1f20611_0_26:notes"/>
           <p:cNvSpPr>
             <a:spLocks noGrp="1" noRot="1" noChangeAspect="1"/>
           </p:cNvSpPr>
@@ -4524,7 +4524,7 @@
       </p:sp>
       <p:sp>
         <p:nvSpPr>
-          <p:cNvPr id="125" name="Google Shape;125;g133c1f20611_0_15:notes"/>
+          <p:cNvPr id="138" name="Google Shape;138;g133c1f20611_0_26:notes"/>
           <p:cNvSpPr txBox="1">
             <a:spLocks noGrp="1"/>
           </p:cNvSpPr>
@@ -4571,7 +4571,7 @@
     </p:spTree>
     <p:extLst>
       <p:ext uri="{BB962C8B-B14F-4D97-AF65-F5344CB8AC3E}">
-        <p14:creationId xmlns:p14="http://schemas.microsoft.com/office/powerpoint/2010/main" val="3580114214"/>
+        <p14:creationId xmlns:p14="http://schemas.microsoft.com/office/powerpoint/2010/main" val="335950923"/>
       </p:ext>
     </p:extLst>
   </p:cSld>
@@ -4586,7 +4586,7 @@
   <p:cSld>
     <p:spTree>
       <p:nvGrpSpPr>
-        <p:cNvPr id="1" name="Shape 123"/>
+        <p:cNvPr id="1" name="Shape 136"/>
         <p:cNvGrpSpPr/>
         <p:nvPr/>
       </p:nvGrpSpPr>
@@ -4600,7 +4600,7 @@
       </p:grpSpPr>
       <p:sp>
         <p:nvSpPr>
-          <p:cNvPr id="124" name="Google Shape;124;g133c1f20611_0_15:notes"/>
+          <p:cNvPr id="137" name="Google Shape;137;g133c1f20611_0_26:notes"/>
           <p:cNvSpPr>
             <a:spLocks noGrp="1" noRot="1" noChangeAspect="1"/>
           </p:cNvSpPr>
@@ -4651,7 +4651,7 @@
       </p:sp>
       <p:sp>
         <p:nvSpPr>
-          <p:cNvPr id="125" name="Google Shape;125;g133c1f20611_0_15:notes"/>
+          <p:cNvPr id="138" name="Google Shape;138;g133c1f20611_0_26:notes"/>
           <p:cNvSpPr txBox="1">
             <a:spLocks noGrp="1"/>
           </p:cNvSpPr>
@@ -4698,7 +4698,7 @@
     </p:spTree>
     <p:extLst>
       <p:ext uri="{BB962C8B-B14F-4D97-AF65-F5344CB8AC3E}">
-        <p14:creationId xmlns:p14="http://schemas.microsoft.com/office/powerpoint/2010/main" val="2694793689"/>
+        <p14:creationId xmlns:p14="http://schemas.microsoft.com/office/powerpoint/2010/main" val="4281927"/>
       </p:ext>
     </p:extLst>
   </p:cSld>
@@ -4713,7 +4713,7 @@
   <p:cSld>
     <p:spTree>
       <p:nvGrpSpPr>
-        <p:cNvPr id="1" name="Shape 123"/>
+        <p:cNvPr id="1" name="Shape 136"/>
         <p:cNvGrpSpPr/>
         <p:nvPr/>
       </p:nvGrpSpPr>
@@ -4727,7 +4727,7 @@
       </p:grpSpPr>
       <p:sp>
         <p:nvSpPr>
-          <p:cNvPr id="124" name="Google Shape;124;g133c1f20611_0_15:notes"/>
+          <p:cNvPr id="137" name="Google Shape;137;g133c1f20611_0_26:notes"/>
           <p:cNvSpPr>
             <a:spLocks noGrp="1" noRot="1" noChangeAspect="1"/>
           </p:cNvSpPr>
@@ -4778,7 +4778,7 @@
       </p:sp>
       <p:sp>
         <p:nvSpPr>
-          <p:cNvPr id="125" name="Google Shape;125;g133c1f20611_0_15:notes"/>
+          <p:cNvPr id="138" name="Google Shape;138;g133c1f20611_0_26:notes"/>
           <p:cNvSpPr txBox="1">
             <a:spLocks noGrp="1"/>
           </p:cNvSpPr>
@@ -4825,7 +4825,7 @@
     </p:spTree>
     <p:extLst>
       <p:ext uri="{BB962C8B-B14F-4D97-AF65-F5344CB8AC3E}">
-        <p14:creationId xmlns:p14="http://schemas.microsoft.com/office/powerpoint/2010/main" val="1714713730"/>
+        <p14:creationId xmlns:p14="http://schemas.microsoft.com/office/powerpoint/2010/main" val="1293582316"/>
       </p:ext>
     </p:extLst>
   </p:cSld>
@@ -10922,7 +10922,7 @@
   <p:cSld>
     <p:spTree>
       <p:nvGrpSpPr>
-        <p:cNvPr id="1" name="Shape 139"/>
+        <p:cNvPr id="1" name="Shape 126"/>
         <p:cNvGrpSpPr/>
         <p:nvPr/>
       </p:nvGrpSpPr>
@@ -10936,7 +10936,7 @@
       </p:grpSpPr>
       <p:sp>
         <p:nvSpPr>
-          <p:cNvPr id="140" name="Google Shape;140;g133c1f20611_0_26"/>
+          <p:cNvPr id="127" name="Google Shape;127;g133c1f20611_0_15"/>
           <p:cNvSpPr txBox="1">
             <a:spLocks noGrp="1"/>
           </p:cNvSpPr>
@@ -10945,6 +10945,10 @@
           </p:nvPr>
         </p:nvSpPr>
         <p:spPr>
+          <a:xfrm>
+            <a:off x="311700" y="445025"/>
+            <a:ext cx="8520600" cy="572700"/>
+          </a:xfrm>
           <a:prstGeom prst="rect">
             <a:avLst/>
           </a:prstGeom>
@@ -10965,7 +10969,7 @@
                   <a:srgbClr val="0070C0"/>
                 </a:solidFill>
               </a:rPr>
-              <a:t>MLE Stack (2 min)</a:t>
+              <a:t>Information about the Data [&amp; Model]</a:t>
             </a:r>
             <a:endParaRPr dirty="0">
               <a:solidFill>
@@ -10977,7 +10981,7 @@
       </p:sp>
       <p:sp>
         <p:nvSpPr>
-          <p:cNvPr id="141" name="Google Shape;141;g133c1f20611_0_26"/>
+          <p:cNvPr id="128" name="Google Shape;128;g133c1f20611_0_15"/>
           <p:cNvSpPr txBox="1">
             <a:spLocks noGrp="1"/>
           </p:cNvSpPr>
@@ -10986,6 +10990,10 @@
           </p:nvPr>
         </p:nvSpPr>
         <p:spPr>
+          <a:xfrm>
+            <a:off x="311700" y="1152475"/>
+            <a:ext cx="8520600" cy="3416400"/>
+          </a:xfrm>
           <a:prstGeom prst="rect">
             <a:avLst/>
           </a:prstGeom>
@@ -11000,141 +11008,263 @@
           </a:bodyPr>
           <a:lstStyle/>
           <a:p>
-            <a:pPr algn="l">
-              <a:buFont typeface="+mj-lt"/>
-              <a:buAutoNum type="arabicPeriod"/>
+            <a:pPr>
+              <a:buFont typeface="Wingdings" panose="05000000000000000000" pitchFamily="2" charset="2"/>
+              <a:buChar char="§"/>
             </a:pPr>
             <a:r>
-              <a:rPr lang="en-US" b="0" i="0" dirty="0">
+              <a:rPr lang="en-SG" sz="1400" dirty="0">
+                <a:solidFill>
+                  <a:schemeClr val="bg2"/>
+                </a:solidFill>
+                <a:latin typeface="Proxima Nova" panose="020B0604020202020204" charset="0"/>
+              </a:rPr>
+              <a:t>We expect to gain a deeper understanding of network traffic classification based on network traffic data and the use of ML models.</a:t>
+            </a:r>
+            <a:endParaRPr lang="en-US" sz="1400" dirty="0">
+              <a:solidFill>
+                <a:schemeClr val="bg2"/>
+              </a:solidFill>
+              <a:latin typeface="Proxima Nova" panose="020B0604020202020204" charset="0"/>
+            </a:endParaRPr>
+          </a:p>
+          <a:p>
+            <a:pPr>
+              <a:buFont typeface="Wingdings" panose="05000000000000000000" pitchFamily="2" charset="2"/>
+              <a:buChar char="§"/>
+            </a:pPr>
+            <a:r>
+              <a:rPr lang="en-SG" sz="1400" i="1" u="sng" dirty="0">
+                <a:solidFill>
+                  <a:schemeClr val="bg2"/>
+                </a:solidFill>
+                <a:effectLst/>
+                <a:latin typeface="Proxima Nova" panose="020B0604020202020204" charset="0"/>
+                <a:ea typeface="Arial" panose="020B0604020202020204" pitchFamily="34" charset="0"/>
+              </a:rPr>
+              <a:t>Our proposed dataset (UNR-IDD) is based on a custom application that collects and logs the available statistics captured periodically (every 5 sec – tumbling windows) from OpenFlow switches.</a:t>
+            </a:r>
+            <a:r>
+              <a:rPr lang="en-US" sz="1400" i="1" u="sng" dirty="0">
                 <a:solidFill>
                   <a:schemeClr val="bg2"/>
                 </a:solidFill>
                 <a:effectLst/>
                 <a:latin typeface="Proxima Nova" panose="020B0604020202020204" charset="0"/>
               </a:rPr>
-              <a:t>Reusable Code Structure for building ML Models</a:t>
-            </a:r>
-          </a:p>
-          <a:p>
-            <a:pPr algn="l">
-              <a:buFont typeface="+mj-lt"/>
-              <a:buAutoNum type="arabicPeriod"/>
+              <a:t> </a:t>
+            </a:r>
+            <a:r>
+              <a:rPr lang="en-SG" sz="1400" i="1" u="sng" dirty="0">
+                <a:solidFill>
+                  <a:schemeClr val="bg2"/>
+                </a:solidFill>
+                <a:latin typeface="Proxima Nova" panose="020B0604020202020204" charset="0"/>
+              </a:rPr>
+              <a:t>D</a:t>
+            </a:r>
+            <a:r>
+              <a:rPr lang="en-SG" sz="1400" i="1" u="sng" dirty="0">
+                <a:solidFill>
+                  <a:schemeClr val="bg2"/>
+                </a:solidFill>
+                <a:effectLst/>
+                <a:latin typeface="Proxima Nova" panose="020B0604020202020204" charset="0"/>
+                <a:ea typeface="Arial" panose="020B0604020202020204" pitchFamily="34" charset="0"/>
+              </a:rPr>
+              <a:t>elta port statistics are </a:t>
+            </a:r>
+            <a:r>
+              <a:rPr lang="en-SG" sz="1400" i="1" u="sng" dirty="0">
+                <a:solidFill>
+                  <a:schemeClr val="bg2"/>
+                </a:solidFill>
+                <a:latin typeface="Proxima Nova" panose="020B0604020202020204" charset="0"/>
+                <a:ea typeface="Arial" panose="020B0604020202020204" pitchFamily="34" charset="0"/>
+              </a:rPr>
+              <a:t>also</a:t>
+            </a:r>
+            <a:r>
+              <a:rPr lang="en-SG" sz="1400" i="1" u="sng" dirty="0">
+                <a:solidFill>
+                  <a:schemeClr val="bg2"/>
+                </a:solidFill>
+                <a:effectLst/>
+                <a:latin typeface="Proxima Nova" panose="020B0604020202020204" charset="0"/>
+                <a:ea typeface="Arial" panose="020B0604020202020204" pitchFamily="34" charset="0"/>
+              </a:rPr>
+              <a:t> computed</a:t>
+            </a:r>
+            <a:r>
+              <a:rPr lang="en-US" sz="1400" i="1" u="sng" dirty="0">
+                <a:solidFill>
+                  <a:schemeClr val="bg2"/>
+                </a:solidFill>
+                <a:latin typeface="Proxima Nova" panose="020B0604020202020204" charset="0"/>
+                <a:ea typeface="Arial" panose="020B0604020202020204" pitchFamily="34" charset="0"/>
+              </a:rPr>
+              <a:t>.</a:t>
+            </a:r>
+            <a:endParaRPr lang="en-US" sz="1400" i="1" u="sng" dirty="0">
+              <a:solidFill>
+                <a:schemeClr val="bg2"/>
+              </a:solidFill>
+              <a:latin typeface="Proxima Nova" panose="020B0604020202020204" charset="0"/>
+            </a:endParaRPr>
+          </a:p>
+          <a:p>
+            <a:pPr>
+              <a:buFont typeface="Wingdings" panose="05000000000000000000" pitchFamily="2" charset="2"/>
+              <a:buChar char="§"/>
             </a:pPr>
             <a:r>
-              <a:rPr lang="en-US" b="0" i="0" dirty="0">
+              <a:rPr lang="en-SG" sz="1400" dirty="0">
+                <a:solidFill>
+                  <a:schemeClr val="bg2"/>
+                </a:solidFill>
+                <a:effectLst/>
+                <a:latin typeface="Proxima Nova" panose="020B0604020202020204" charset="0"/>
+                <a:ea typeface="Arial" panose="020B0604020202020204" pitchFamily="34" charset="0"/>
+              </a:rPr>
+              <a:t>We expect that the use of a multi-label classification for network analysis</a:t>
+            </a:r>
+            <a:r>
+              <a:rPr lang="en-US" sz="1400" dirty="0">
+                <a:solidFill>
+                  <a:schemeClr val="bg2"/>
+                </a:solidFill>
+                <a:latin typeface="Proxima Nova" panose="020B0604020202020204" charset="0"/>
+                <a:ea typeface="Arial" panose="020B0604020202020204" pitchFamily="34" charset="0"/>
+              </a:rPr>
+              <a:t> </a:t>
+            </a:r>
+            <a:r>
+              <a:rPr lang="en-SG" sz="1400" dirty="0">
+                <a:solidFill>
+                  <a:schemeClr val="bg2"/>
+                </a:solidFill>
+                <a:effectLst/>
+                <a:latin typeface="Proxima Nova" panose="020B0604020202020204" charset="0"/>
+                <a:ea typeface="Arial" panose="020B0604020202020204" pitchFamily="34" charset="0"/>
+              </a:rPr>
+              <a:t>will provide a robust identification of network flow, giving (a Security Team) a better understanding of the type of port flow.</a:t>
+            </a:r>
+            <a:r>
+              <a:rPr lang="en-US" sz="1400" dirty="0">
                 <a:solidFill>
                   <a:schemeClr val="bg2"/>
                 </a:solidFill>
                 <a:effectLst/>
                 <a:latin typeface="Proxima Nova" panose="020B0604020202020204" charset="0"/>
               </a:rPr>
-              <a:t>Experiment Tracking with model Artifacts</a:t>
-            </a:r>
-          </a:p>
-          <a:p>
-            <a:pPr algn="l">
-              <a:buFont typeface="+mj-lt"/>
-              <a:buAutoNum type="arabicPeriod"/>
+              <a:t> </a:t>
+            </a:r>
+            <a:endParaRPr lang="en-US" sz="1400" dirty="0">
+              <a:solidFill>
+                <a:schemeClr val="bg2"/>
+              </a:solidFill>
+              <a:latin typeface="Proxima Nova" panose="020B0604020202020204" charset="0"/>
+            </a:endParaRPr>
+          </a:p>
+          <a:p>
+            <a:pPr>
+              <a:buFont typeface="Wingdings" panose="05000000000000000000" pitchFamily="2" charset="2"/>
+              <a:buChar char="§"/>
             </a:pPr>
             <a:r>
-              <a:rPr lang="en-US" b="0" i="0" dirty="0">
+              <a:rPr lang="en-SG" sz="1400" dirty="0">
                 <a:solidFill>
                   <a:schemeClr val="bg2"/>
                 </a:solidFill>
                 <a:effectLst/>
                 <a:latin typeface="Proxima Nova" panose="020B0604020202020204" charset="0"/>
+                <a:ea typeface="Arial" panose="020B0604020202020204" pitchFamily="34" charset="0"/>
               </a:rPr>
-              <a:t>Training of Models on Managed Remote instances</a:t>
-            </a:r>
-          </a:p>
-          <a:p>
-            <a:pPr algn="l">
-              <a:buFont typeface="+mj-lt"/>
-              <a:buAutoNum type="arabicPeriod"/>
+              <a:t>The model Network Intrusion Detection should be deployed to be hit from an API or some sort of streaming process/batch load as events are generated.</a:t>
+            </a:r>
+            <a:r>
+              <a:rPr lang="en-SG" sz="1400" dirty="0">
+                <a:solidFill>
+                  <a:schemeClr val="bg2"/>
+                </a:solidFill>
+                <a:latin typeface="Proxima Nova" panose="020B0604020202020204" charset="0"/>
+                <a:ea typeface="Arial" panose="020B0604020202020204" pitchFamily="34" charset="0"/>
+              </a:rPr>
+              <a:t> (Dashboard)</a:t>
+            </a:r>
+            <a:endParaRPr lang="en-US" sz="1400" dirty="0">
+              <a:solidFill>
+                <a:schemeClr val="bg2"/>
+              </a:solidFill>
+              <a:effectLst/>
+              <a:latin typeface="Proxima Nova" panose="020B0604020202020204" charset="0"/>
+            </a:endParaRPr>
+          </a:p>
+          <a:p>
+            <a:pPr>
+              <a:buFont typeface="Wingdings" panose="05000000000000000000" pitchFamily="2" charset="2"/>
+              <a:buChar char="§"/>
             </a:pPr>
             <a:r>
-              <a:rPr lang="en-US" b="0" i="0" dirty="0">
+              <a:rPr lang="en-US" sz="1400" dirty="0">
                 <a:solidFill>
                   <a:schemeClr val="bg2"/>
                 </a:solidFill>
-                <a:effectLst/>
                 <a:latin typeface="Proxima Nova" panose="020B0604020202020204" charset="0"/>
               </a:rPr>
-              <a:t>Version control of Trained models</a:t>
-            </a:r>
-          </a:p>
-          <a:p>
-            <a:pPr algn="l">
-              <a:buFont typeface="+mj-lt"/>
-              <a:buAutoNum type="arabicPeriod"/>
+              <a:t>Which model to use still to be determined, but many will be tested;</a:t>
+            </a:r>
+          </a:p>
+          <a:p>
+            <a:pPr>
+              <a:buFont typeface="Wingdings" panose="05000000000000000000" pitchFamily="2" charset="2"/>
+              <a:buChar char="§"/>
             </a:pPr>
-            <a:r>
-              <a:rPr lang="en-US" b="0" i="0" dirty="0">
-                <a:solidFill>
-                  <a:schemeClr val="bg2"/>
-                </a:solidFill>
-                <a:effectLst/>
-                <a:latin typeface="Proxima Nova" panose="020B0604020202020204" charset="0"/>
+            <a:endParaRPr lang="en-US" sz="1400" dirty="0">
+              <a:solidFill>
+                <a:schemeClr val="bg2"/>
+              </a:solidFill>
+              <a:latin typeface="Proxima Nova" panose="020B0604020202020204" charset="0"/>
+            </a:endParaRPr>
+          </a:p>
+          <a:p>
+            <a:pPr marL="107948" indent="0" algn="r">
+              <a:buNone/>
+            </a:pPr>
+            <a:r>
+              <a:rPr lang="en-US" sz="1050" dirty="0">
+                <a:hlinkClick r:id="rId3"/>
               </a:rPr>
-              <a:t>Git-based triggers to train and deploy models</a:t>
-            </a:r>
-          </a:p>
-          <a:p>
-            <a:pPr algn="l">
-              <a:buFont typeface="+mj-lt"/>
-              <a:buAutoNum type="arabicPeriod"/>
+              <a:t>Source: </a:t>
+            </a:r>
+            <a:r>
+              <a:rPr lang="en-US" sz="1050" dirty="0" err="1">
+                <a:hlinkClick r:id="rId3"/>
+              </a:rPr>
+              <a:t>Tapadhir</a:t>
+            </a:r>
+            <a:r>
+              <a:rPr lang="en-US" sz="1050" dirty="0">
+                <a:hlinkClick r:id="rId3"/>
+              </a:rPr>
+              <a:t> Das - UNR-IDD Dataset</a:t>
+            </a:r>
+            <a:endParaRPr lang="en-US" sz="1100" dirty="0">
+              <a:solidFill>
+                <a:schemeClr val="bg2"/>
+              </a:solidFill>
+              <a:latin typeface="Proxima Nova" panose="020B0604020202020204" charset="0"/>
+            </a:endParaRPr>
+          </a:p>
+          <a:p>
+            <a:pPr indent="0">
+              <a:buNone/>
             </a:pPr>
-            <a:r>
-              <a:rPr lang="en-US" b="0" i="0" dirty="0">
-                <a:solidFill>
-                  <a:schemeClr val="bg2"/>
-                </a:solidFill>
-                <a:effectLst/>
-                <a:latin typeface="Proxima Nova" panose="020B0604020202020204" charset="0"/>
-              </a:rPr>
-              <a:t>Deployment of Trained models on Managed Remote instances</a:t>
-            </a:r>
-          </a:p>
-          <a:p>
-            <a:pPr algn="l">
-              <a:buFont typeface="+mj-lt"/>
-              <a:buAutoNum type="arabicPeriod"/>
-            </a:pPr>
-            <a:r>
-              <a:rPr lang="en-US" b="0" i="0" dirty="0">
-                <a:solidFill>
-                  <a:schemeClr val="bg2"/>
-                </a:solidFill>
-                <a:effectLst/>
-                <a:latin typeface="Proxima Nova" panose="020B0604020202020204" charset="0"/>
-              </a:rPr>
-              <a:t>Monitoring and Logging of deployed models</a:t>
-            </a:r>
-          </a:p>
-          <a:p>
-            <a:pPr algn="l">
-              <a:buFont typeface="+mj-lt"/>
-              <a:buAutoNum type="arabicPeriod"/>
-            </a:pPr>
-            <a:r>
-              <a:rPr lang="en-US" b="0" i="0" dirty="0">
-                <a:solidFill>
-                  <a:schemeClr val="bg2"/>
-                </a:solidFill>
-                <a:effectLst/>
-                <a:latin typeface="Proxima Nova" panose="020B0604020202020204" charset="0"/>
-              </a:rPr>
-              <a:t>Integration of Deployed endpoints with API Gateway</a:t>
-            </a:r>
+            <a:endParaRPr dirty="0"/>
           </a:p>
         </p:txBody>
       </p:sp>
     </p:spTree>
-    <p:extLst>
-      <p:ext uri="{BB962C8B-B14F-4D97-AF65-F5344CB8AC3E}">
-        <p14:creationId xmlns:p14="http://schemas.microsoft.com/office/powerpoint/2010/main" val="754426728"/>
-      </p:ext>
-    </p:extLst>
   </p:cSld>
   <p:clrMapOvr>
     <a:masterClrMapping/>
@@ -11147,7 +11277,7 @@
   <p:cSld>
     <p:spTree>
       <p:nvGrpSpPr>
-        <p:cNvPr id="1" name="Shape 139"/>
+        <p:cNvPr id="1" name="Shape 126"/>
         <p:cNvGrpSpPr/>
         <p:nvPr/>
       </p:nvGrpSpPr>
@@ -11161,7 +11291,7 @@
       </p:grpSpPr>
       <p:sp>
         <p:nvSpPr>
-          <p:cNvPr id="140" name="Google Shape;140;g133c1f20611_0_26"/>
+          <p:cNvPr id="127" name="Google Shape;127;g133c1f20611_0_15"/>
           <p:cNvSpPr txBox="1">
             <a:spLocks noGrp="1"/>
           </p:cNvSpPr>
@@ -11170,6 +11300,10 @@
           </p:nvPr>
         </p:nvSpPr>
         <p:spPr>
+          <a:xfrm>
+            <a:off x="311700" y="445025"/>
+            <a:ext cx="8520600" cy="572700"/>
+          </a:xfrm>
           <a:prstGeom prst="rect">
             <a:avLst/>
           </a:prstGeom>
@@ -11189,8 +11323,27 @@
                 <a:solidFill>
                   <a:srgbClr val="0070C0"/>
                 </a:solidFill>
+                <a:latin typeface="Proxima Nova" panose="020B0604020202020204" charset="0"/>
               </a:rPr>
-              <a:t>MLE Stack</a:t>
+              <a:t>Information about the data (</a:t>
+            </a:r>
+            <a:r>
+              <a:rPr lang="en-US" i="0" dirty="0">
+                <a:solidFill>
+                  <a:srgbClr val="0070C0"/>
+                </a:solidFill>
+                <a:effectLst/>
+                <a:latin typeface="Proxima Nova" panose="020B0604020202020204" charset="0"/>
+              </a:rPr>
+              <a:t>Multi-class classification</a:t>
+            </a:r>
+            <a:r>
+              <a:rPr lang="en-US" dirty="0">
+                <a:solidFill>
+                  <a:srgbClr val="0070C0"/>
+                </a:solidFill>
+              </a:rPr>
+              <a:t>)</a:t>
             </a:r>
             <a:endParaRPr dirty="0">
               <a:solidFill>
@@ -11200,464 +11353,12 @@
           </a:p>
         </p:txBody>
       </p:sp>
-      <p:sp>
-        <p:nvSpPr>
-          <p:cNvPr id="6" name="Google Shape;122;g133c1f20611_0_10">
+      <p:pic>
+        <p:nvPicPr>
+          <p:cNvPr id="2" name="Picture 1">
             <a:extLst>
               <a:ext uri="{FF2B5EF4-FFF2-40B4-BE49-F238E27FC236}">
-                <a16:creationId xmlns:a16="http://schemas.microsoft.com/office/drawing/2014/main" id="{5741AE49-7225-0B2A-3BF8-CCCD9479A6A4}"/>
-              </a:ext>
-            </a:extLst>
-          </p:cNvPr>
-          <p:cNvSpPr txBox="1">
-            <a:spLocks/>
-          </p:cNvSpPr>
-          <p:nvPr/>
-        </p:nvSpPr>
-        <p:spPr>
-          <a:xfrm>
-            <a:off x="318600" y="1162050"/>
-            <a:ext cx="8520600" cy="3390900"/>
-          </a:xfrm>
-          <a:prstGeom prst="rect">
-            <a:avLst/>
-          </a:prstGeom>
-          <a:noFill/>
-          <a:ln>
-            <a:noFill/>
-          </a:ln>
-        </p:spPr>
-        <p:txBody>
-          <a:bodyPr spcFirstLastPara="1" wrap="square" lIns="91425" tIns="91425" rIns="91425" bIns="91425" anchor="t" anchorCtr="0">
-            <a:noAutofit/>
-          </a:bodyPr>
-          <a:lstStyle>
-            <a:defPPr marR="0" lvl="0" algn="l" rtl="0">
-              <a:lnSpc>
-                <a:spcPct val="100000"/>
-              </a:lnSpc>
-              <a:spcBef>
-                <a:spcPts val="0"/>
-              </a:spcBef>
-              <a:spcAft>
-                <a:spcPts val="0"/>
-              </a:spcAft>
-            </a:defPPr>
-            <a:lvl1pPr marL="457189" marR="0" lvl="0" indent="-349241" algn="l" rtl="0">
-              <a:lnSpc>
-                <a:spcPct val="115000"/>
-              </a:lnSpc>
-              <a:spcBef>
-                <a:spcPts val="0"/>
-              </a:spcBef>
-              <a:spcAft>
-                <a:spcPts val="0"/>
-              </a:spcAft>
-              <a:buClr>
-                <a:schemeClr val="dk2"/>
-              </a:buClr>
-              <a:buSzPts val="1900"/>
-              <a:buFont typeface="Proxima Nova"/>
-              <a:buChar char="●"/>
-              <a:defRPr sz="1900" b="0" i="0" u="none" strike="noStrike" cap="none">
-                <a:solidFill>
-                  <a:schemeClr val="dk2"/>
-                </a:solidFill>
-                <a:latin typeface="Proxima Nova"/>
-                <a:ea typeface="Proxima Nova"/>
-                <a:cs typeface="Proxima Nova"/>
-                <a:sym typeface="Proxima Nova"/>
-              </a:defRPr>
-            </a:lvl1pPr>
-            <a:lvl2pPr marL="914378" marR="0" lvl="1" indent="-317492" algn="l" rtl="0">
-              <a:lnSpc>
-                <a:spcPct val="115000"/>
-              </a:lnSpc>
-              <a:spcBef>
-                <a:spcPts val="1600"/>
-              </a:spcBef>
-              <a:spcAft>
-                <a:spcPts val="0"/>
-              </a:spcAft>
-              <a:buClr>
-                <a:schemeClr val="dk2"/>
-              </a:buClr>
-              <a:buSzPts val="1400"/>
-              <a:buFont typeface="Proxima Nova"/>
-              <a:buChar char="○"/>
-              <a:defRPr sz="1400" b="0" i="0" u="none" strike="noStrike" cap="none">
-                <a:solidFill>
-                  <a:schemeClr val="dk2"/>
-                </a:solidFill>
-                <a:latin typeface="Proxima Nova"/>
-                <a:ea typeface="Proxima Nova"/>
-                <a:cs typeface="Proxima Nova"/>
-                <a:sym typeface="Proxima Nova"/>
-              </a:defRPr>
-            </a:lvl2pPr>
-            <a:lvl3pPr marL="1371566" marR="0" lvl="2" indent="-317492" algn="l" rtl="0">
-              <a:lnSpc>
-                <a:spcPct val="115000"/>
-              </a:lnSpc>
-              <a:spcBef>
-                <a:spcPts val="1600"/>
-              </a:spcBef>
-              <a:spcAft>
-                <a:spcPts val="0"/>
-              </a:spcAft>
-              <a:buClr>
-                <a:schemeClr val="dk2"/>
-              </a:buClr>
-              <a:buSzPts val="1400"/>
-              <a:buFont typeface="Proxima Nova"/>
-              <a:buChar char="■"/>
-              <a:defRPr sz="1400" b="0" i="0" u="none" strike="noStrike" cap="none">
-                <a:solidFill>
-                  <a:schemeClr val="dk2"/>
-                </a:solidFill>
-                <a:latin typeface="Proxima Nova"/>
-                <a:ea typeface="Proxima Nova"/>
-                <a:cs typeface="Proxima Nova"/>
-                <a:sym typeface="Proxima Nova"/>
-              </a:defRPr>
-            </a:lvl3pPr>
-            <a:lvl4pPr marL="1828754" marR="0" lvl="3" indent="-317492" algn="l" rtl="0">
-              <a:lnSpc>
-                <a:spcPct val="115000"/>
-              </a:lnSpc>
-              <a:spcBef>
-                <a:spcPts val="1600"/>
-              </a:spcBef>
-              <a:spcAft>
-                <a:spcPts val="0"/>
-              </a:spcAft>
-              <a:buClr>
-                <a:schemeClr val="dk2"/>
-              </a:buClr>
-              <a:buSzPts val="1400"/>
-              <a:buFont typeface="Proxima Nova"/>
-              <a:buChar char="●"/>
-              <a:defRPr sz="1400" b="0" i="0" u="none" strike="noStrike" cap="none">
-                <a:solidFill>
-                  <a:schemeClr val="dk2"/>
-                </a:solidFill>
-                <a:latin typeface="Proxima Nova"/>
-                <a:ea typeface="Proxima Nova"/>
-                <a:cs typeface="Proxima Nova"/>
-                <a:sym typeface="Proxima Nova"/>
-              </a:defRPr>
-            </a:lvl4pPr>
-            <a:lvl5pPr marL="2285943" marR="0" lvl="4" indent="-317492" algn="l" rtl="0">
-              <a:lnSpc>
-                <a:spcPct val="115000"/>
-              </a:lnSpc>
-              <a:spcBef>
-                <a:spcPts val="1600"/>
-              </a:spcBef>
-              <a:spcAft>
-                <a:spcPts val="0"/>
-              </a:spcAft>
-              <a:buClr>
-                <a:schemeClr val="dk2"/>
-              </a:buClr>
-              <a:buSzPts val="1400"/>
-              <a:buFont typeface="Proxima Nova"/>
-              <a:buChar char="○"/>
-              <a:defRPr sz="1400" b="0" i="0" u="none" strike="noStrike" cap="none">
-                <a:solidFill>
-                  <a:schemeClr val="dk2"/>
-                </a:solidFill>
-                <a:latin typeface="Proxima Nova"/>
-                <a:ea typeface="Proxima Nova"/>
-                <a:cs typeface="Proxima Nova"/>
-                <a:sym typeface="Proxima Nova"/>
-              </a:defRPr>
-            </a:lvl5pPr>
-            <a:lvl6pPr marL="2743132" marR="0" lvl="5" indent="-317492" algn="l" rtl="0">
-              <a:lnSpc>
-                <a:spcPct val="115000"/>
-              </a:lnSpc>
-              <a:spcBef>
-                <a:spcPts val="1600"/>
-              </a:spcBef>
-              <a:spcAft>
-                <a:spcPts val="0"/>
-              </a:spcAft>
-              <a:buClr>
-                <a:schemeClr val="dk2"/>
-              </a:buClr>
-              <a:buSzPts val="1400"/>
-              <a:buFont typeface="Proxima Nova"/>
-              <a:buChar char="■"/>
-              <a:defRPr sz="1400" b="0" i="0" u="none" strike="noStrike" cap="none">
-                <a:solidFill>
-                  <a:schemeClr val="dk2"/>
-                </a:solidFill>
-                <a:latin typeface="Proxima Nova"/>
-                <a:ea typeface="Proxima Nova"/>
-                <a:cs typeface="Proxima Nova"/>
-                <a:sym typeface="Proxima Nova"/>
-              </a:defRPr>
-            </a:lvl6pPr>
-            <a:lvl7pPr marL="3200320" marR="0" lvl="6" indent="-317492" algn="l" rtl="0">
-              <a:lnSpc>
-                <a:spcPct val="115000"/>
-              </a:lnSpc>
-              <a:spcBef>
-                <a:spcPts val="1600"/>
-              </a:spcBef>
-              <a:spcAft>
-                <a:spcPts val="0"/>
-              </a:spcAft>
-              <a:buClr>
-                <a:schemeClr val="dk2"/>
-              </a:buClr>
-              <a:buSzPts val="1400"/>
-              <a:buFont typeface="Proxima Nova"/>
-              <a:buChar char="●"/>
-              <a:defRPr sz="1400" b="0" i="0" u="none" strike="noStrike" cap="none">
-                <a:solidFill>
-                  <a:schemeClr val="dk2"/>
-                </a:solidFill>
-                <a:latin typeface="Proxima Nova"/>
-                <a:ea typeface="Proxima Nova"/>
-                <a:cs typeface="Proxima Nova"/>
-                <a:sym typeface="Proxima Nova"/>
-              </a:defRPr>
-            </a:lvl7pPr>
-            <a:lvl8pPr marL="3657509" marR="0" lvl="7" indent="-317492" algn="l" rtl="0">
-              <a:lnSpc>
-                <a:spcPct val="115000"/>
-              </a:lnSpc>
-              <a:spcBef>
-                <a:spcPts val="1600"/>
-              </a:spcBef>
-              <a:spcAft>
-                <a:spcPts val="0"/>
-              </a:spcAft>
-              <a:buClr>
-                <a:schemeClr val="dk2"/>
-              </a:buClr>
-              <a:buSzPts val="1400"/>
-              <a:buFont typeface="Proxima Nova"/>
-              <a:buChar char="○"/>
-              <a:defRPr sz="1400" b="0" i="0" u="none" strike="noStrike" cap="none">
-                <a:solidFill>
-                  <a:schemeClr val="dk2"/>
-                </a:solidFill>
-                <a:latin typeface="Proxima Nova"/>
-                <a:ea typeface="Proxima Nova"/>
-                <a:cs typeface="Proxima Nova"/>
-                <a:sym typeface="Proxima Nova"/>
-              </a:defRPr>
-            </a:lvl8pPr>
-            <a:lvl9pPr marL="4114697" marR="0" lvl="8" indent="-317492" algn="l" rtl="0">
-              <a:lnSpc>
-                <a:spcPct val="115000"/>
-              </a:lnSpc>
-              <a:spcBef>
-                <a:spcPts val="1600"/>
-              </a:spcBef>
-              <a:spcAft>
-                <a:spcPts val="1600"/>
-              </a:spcAft>
-              <a:buClr>
-                <a:schemeClr val="dk2"/>
-              </a:buClr>
-              <a:buSzPts val="1400"/>
-              <a:buFont typeface="Proxima Nova"/>
-              <a:buChar char="■"/>
-              <a:defRPr sz="1400" b="0" i="0" u="none" strike="noStrike" cap="none">
-                <a:solidFill>
-                  <a:schemeClr val="dk2"/>
-                </a:solidFill>
-                <a:latin typeface="Proxima Nova"/>
-                <a:ea typeface="Proxima Nova"/>
-                <a:cs typeface="Proxima Nova"/>
-                <a:sym typeface="Proxima Nova"/>
-              </a:defRPr>
-            </a:lvl9pPr>
-          </a:lstStyle>
-          <a:p>
-            <a:pPr>
-              <a:buFont typeface="Wingdings" panose="05000000000000000000" pitchFamily="2" charset="2"/>
-              <a:buChar char="§"/>
-            </a:pPr>
-            <a:r>
-              <a:rPr lang="en-US" sz="1400" dirty="0">
-                <a:solidFill>
-                  <a:schemeClr val="bg2"/>
-                </a:solidFill>
-                <a:latin typeface="Proxima Nova" panose="020B0604020202020204" charset="0"/>
-              </a:rPr>
-              <a:t>Used Logistic Regression to run simple predictions for binary  and for multi class classification.</a:t>
-            </a:r>
-          </a:p>
-          <a:p>
-            <a:pPr>
-              <a:buFont typeface="Wingdings" panose="05000000000000000000" pitchFamily="2" charset="2"/>
-              <a:buChar char="§"/>
-            </a:pPr>
-            <a:endParaRPr lang="en-US" sz="1400" dirty="0">
-              <a:solidFill>
-                <a:schemeClr val="bg2"/>
-              </a:solidFill>
-              <a:latin typeface="Proxima Nova" panose="020B0604020202020204" charset="0"/>
-            </a:endParaRPr>
-          </a:p>
-          <a:p>
-            <a:pPr>
-              <a:buFont typeface="Wingdings" panose="05000000000000000000" pitchFamily="2" charset="2"/>
-              <a:buChar char="§"/>
-            </a:pPr>
-            <a:r>
-              <a:rPr lang="en-US" sz="1400" dirty="0">
-                <a:solidFill>
-                  <a:schemeClr val="bg2"/>
-                </a:solidFill>
-                <a:latin typeface="Proxima Nova" panose="020B0604020202020204" charset="0"/>
-              </a:rPr>
-              <a:t>Used TPOT to determine best classifier: a gradient boosting classifier (</a:t>
-            </a:r>
-            <a:r>
-              <a:rPr lang="en-US" sz="1400" dirty="0" err="1">
-                <a:solidFill>
-                  <a:schemeClr val="bg2"/>
-                </a:solidFill>
-                <a:latin typeface="Proxima Nova" panose="020B0604020202020204" charset="0"/>
-              </a:rPr>
-              <a:t>XGBClassifier</a:t>
-            </a:r>
-            <a:r>
-              <a:rPr lang="en-US" sz="1400" dirty="0">
-                <a:solidFill>
-                  <a:schemeClr val="bg2"/>
-                </a:solidFill>
-                <a:latin typeface="Proxima Nova" panose="020B0604020202020204" charset="0"/>
-              </a:rPr>
-              <a:t>).  </a:t>
-            </a:r>
-          </a:p>
-        </p:txBody>
-      </p:sp>
-    </p:spTree>
-    <p:extLst>
-      <p:ext uri="{BB962C8B-B14F-4D97-AF65-F5344CB8AC3E}">
-        <p14:creationId xmlns:p14="http://schemas.microsoft.com/office/powerpoint/2010/main" val="2690444582"/>
-      </p:ext>
-    </p:extLst>
-  </p:cSld>
-  <p:clrMapOvr>
-    <a:masterClrMapping/>
-  </p:clrMapOvr>
-</p:sld>
-</file>
-
-<file path=ppt/slides/slide12.xml><?xml version="1.0" encoding="utf-8"?>
-<p:sld xmlns:a="http://schemas.openxmlformats.org/drawingml/2006/main" xmlns:r="http://schemas.openxmlformats.org/officeDocument/2006/relationships" xmlns:p="http://schemas.openxmlformats.org/presentationml/2006/main">
-  <p:cSld>
-    <p:spTree>
-      <p:nvGrpSpPr>
-        <p:cNvPr id="1" name="Shape 139"/>
-        <p:cNvGrpSpPr/>
-        <p:nvPr/>
-      </p:nvGrpSpPr>
-      <p:grpSpPr>
-        <a:xfrm>
-          <a:off x="0" y="0"/>
-          <a:ext cx="0" cy="0"/>
-          <a:chOff x="0" y="0"/>
-          <a:chExt cx="0" cy="0"/>
-        </a:xfrm>
-      </p:grpSpPr>
-      <p:sp>
-        <p:nvSpPr>
-          <p:cNvPr id="140" name="Google Shape;140;g133c1f20611_0_26"/>
-          <p:cNvSpPr txBox="1">
-            <a:spLocks noGrp="1"/>
-          </p:cNvSpPr>
-          <p:nvPr>
-            <p:ph type="title"/>
-          </p:nvPr>
-        </p:nvSpPr>
-        <p:spPr>
-          <a:prstGeom prst="rect">
-            <a:avLst/>
-          </a:prstGeom>
-          <a:noFill/>
-          <a:ln>
-            <a:noFill/>
-          </a:ln>
-        </p:spPr>
-        <p:txBody>
-          <a:bodyPr spcFirstLastPara="1" wrap="square" lIns="91425" tIns="91425" rIns="91425" bIns="91425" anchor="t" anchorCtr="0">
-            <a:noAutofit/>
-          </a:bodyPr>
-          <a:lstStyle/>
-          <a:p>
-            <a:r>
-              <a:rPr lang="en-US" dirty="0">
-                <a:solidFill>
-                  <a:srgbClr val="0070C0"/>
-                </a:solidFill>
-              </a:rPr>
-              <a:t>MLE Stack</a:t>
-            </a:r>
-            <a:endParaRPr dirty="0">
-              <a:solidFill>
-                <a:srgbClr val="0070C0"/>
-              </a:solidFill>
-            </a:endParaRPr>
-          </a:p>
-        </p:txBody>
-      </p:sp>
-      <p:sp>
-        <p:nvSpPr>
-          <p:cNvPr id="141" name="Google Shape;141;g133c1f20611_0_26"/>
-          <p:cNvSpPr txBox="1">
-            <a:spLocks noGrp="1"/>
-          </p:cNvSpPr>
-          <p:nvPr>
-            <p:ph type="body" idx="1"/>
-          </p:nvPr>
-        </p:nvSpPr>
-        <p:spPr>
-          <a:prstGeom prst="rect">
-            <a:avLst/>
-          </a:prstGeom>
-          <a:noFill/>
-          <a:ln>
-            <a:noFill/>
-          </a:ln>
-        </p:spPr>
-        <p:txBody>
-          <a:bodyPr spcFirstLastPara="1" wrap="square" lIns="91425" tIns="91425" rIns="91425" bIns="91425" anchor="t" anchorCtr="0">
-            <a:noAutofit/>
-          </a:bodyPr>
-          <a:lstStyle/>
-          <a:p>
-            <a:pPr marL="107948" indent="0" algn="l">
-              <a:buNone/>
-            </a:pPr>
-            <a:r>
-              <a:rPr lang="en-US" b="0" i="0" dirty="0">
-                <a:solidFill>
-                  <a:schemeClr val="bg2"/>
-                </a:solidFill>
-                <a:effectLst/>
-                <a:latin typeface="Proxima Nova" panose="020B0604020202020204" charset="0"/>
-              </a:rPr>
-              <a:t>EDA performed on dataset</a:t>
-            </a:r>
-          </a:p>
-        </p:txBody>
-      </p:sp>
-      <p:pic>
-        <p:nvPicPr>
-          <p:cNvPr id="3" name="Picture 2">
-            <a:extLst>
-              <a:ext uri="{FF2B5EF4-FFF2-40B4-BE49-F238E27FC236}">
-                <a16:creationId xmlns:a16="http://schemas.microsoft.com/office/drawing/2014/main" id="{34F0C217-91CA-F583-F3FD-0162C11FD66E}"/>
+                <a16:creationId xmlns:a16="http://schemas.microsoft.com/office/drawing/2014/main" id="{3E276E5C-2A4B-47C8-301F-52FEB674359B}"/>
               </a:ext>
             </a:extLst>
           </p:cNvPr>
@@ -11674,38 +11375,8 @@
         </p:blipFill>
         <p:spPr>
           <a:xfrm>
-            <a:off x="311700" y="1656640"/>
-            <a:ext cx="4260300" cy="2700190"/>
-          </a:xfrm>
-          <a:prstGeom prst="rect">
-            <a:avLst/>
-          </a:prstGeom>
-        </p:spPr>
-      </p:pic>
-      <p:pic>
-        <p:nvPicPr>
-          <p:cNvPr id="5" name="Picture 4">
-            <a:extLst>
-              <a:ext uri="{FF2B5EF4-FFF2-40B4-BE49-F238E27FC236}">
-                <a16:creationId xmlns:a16="http://schemas.microsoft.com/office/drawing/2014/main" id="{E417F312-31B6-51E5-5BE5-296F816722F5}"/>
-              </a:ext>
-            </a:extLst>
-          </p:cNvPr>
-          <p:cNvPicPr>
-            <a:picLocks noChangeAspect="1"/>
-          </p:cNvPicPr>
-          <p:nvPr/>
-        </p:nvPicPr>
-        <p:blipFill>
-          <a:blip r:embed="rId4"/>
-          <a:stretch>
-            <a:fillRect/>
-          </a:stretch>
-        </p:blipFill>
-        <p:spPr>
-          <a:xfrm>
-            <a:off x="4964492" y="1932542"/>
-            <a:ext cx="3475315" cy="2525801"/>
+            <a:off x="685800" y="1415496"/>
+            <a:ext cx="7772400" cy="2794830"/>
           </a:xfrm>
           <a:prstGeom prst="rect">
             <a:avLst/>
@@ -11715,7 +11386,7 @@
     </p:spTree>
     <p:extLst>
       <p:ext uri="{BB962C8B-B14F-4D97-AF65-F5344CB8AC3E}">
-        <p14:creationId xmlns:p14="http://schemas.microsoft.com/office/powerpoint/2010/main" val="2105782506"/>
+        <p14:creationId xmlns:p14="http://schemas.microsoft.com/office/powerpoint/2010/main" val="890716241"/>
       </p:ext>
     </p:extLst>
   </p:cSld>
@@ -11725,12 +11396,12 @@
 </p:sld>
 </file>
 
-<file path=ppt/slides/slide13.xml><?xml version="1.0" encoding="utf-8"?>
+<file path=ppt/slides/slide12.xml><?xml version="1.0" encoding="utf-8"?>
 <p:sld xmlns:a="http://schemas.openxmlformats.org/drawingml/2006/main" xmlns:r="http://schemas.openxmlformats.org/officeDocument/2006/relationships" xmlns:p="http://schemas.openxmlformats.org/presentationml/2006/main">
   <p:cSld>
     <p:spTree>
       <p:nvGrpSpPr>
-        <p:cNvPr id="1" name="Shape 139"/>
+        <p:cNvPr id="1" name="Shape 126"/>
         <p:cNvGrpSpPr/>
         <p:nvPr/>
       </p:nvGrpSpPr>
@@ -11744,7 +11415,7 @@
       </p:grpSpPr>
       <p:sp>
         <p:nvSpPr>
-          <p:cNvPr id="140" name="Google Shape;140;g133c1f20611_0_26"/>
+          <p:cNvPr id="127" name="Google Shape;127;g133c1f20611_0_15"/>
           <p:cNvSpPr txBox="1">
             <a:spLocks noGrp="1"/>
           </p:cNvSpPr>
@@ -11753,6 +11424,10 @@
           </p:nvPr>
         </p:nvSpPr>
         <p:spPr>
+          <a:xfrm>
+            <a:off x="311700" y="445025"/>
+            <a:ext cx="8520600" cy="572700"/>
+          </a:xfrm>
           <a:prstGeom prst="rect">
             <a:avLst/>
           </a:prstGeom>
@@ -11773,7 +11448,7 @@
                   <a:srgbClr val="0070C0"/>
                 </a:solidFill>
               </a:rPr>
-              <a:t>MLE Stack (2 min)</a:t>
+              <a:t>Information about the data (network topology)</a:t>
             </a:r>
             <a:endParaRPr dirty="0">
               <a:solidFill>
@@ -11783,37 +11458,12 @@
           </a:p>
         </p:txBody>
       </p:sp>
-      <p:sp>
-        <p:nvSpPr>
-          <p:cNvPr id="3" name="Text Placeholder 2">
+      <p:pic>
+        <p:nvPicPr>
+          <p:cNvPr id="5122" name="Picture 2">
             <a:extLst>
               <a:ext uri="{FF2B5EF4-FFF2-40B4-BE49-F238E27FC236}">
-                <a16:creationId xmlns:a16="http://schemas.microsoft.com/office/drawing/2014/main" id="{2877AC06-BE06-AA65-B088-6F5AAF7CD6AC}"/>
-              </a:ext>
-            </a:extLst>
-          </p:cNvPr>
-          <p:cNvSpPr>
-            <a:spLocks noGrp="1"/>
-          </p:cNvSpPr>
-          <p:nvPr>
-            <p:ph type="body" idx="1"/>
-          </p:nvPr>
-        </p:nvSpPr>
-        <p:spPr/>
-        <p:txBody>
-          <a:bodyPr/>
-          <a:lstStyle/>
-          <a:p>
-            <a:endParaRPr lang="en-US"/>
-          </a:p>
-        </p:txBody>
-      </p:sp>
-      <p:pic>
-        <p:nvPicPr>
-          <p:cNvPr id="4098" name="Picture 2">
-            <a:extLst>
-              <a:ext uri="{FF2B5EF4-FFF2-40B4-BE49-F238E27FC236}">
-                <a16:creationId xmlns:a16="http://schemas.microsoft.com/office/drawing/2014/main" id="{46C34987-59C2-3B93-F1A2-E3A27840F128}"/>
+                <a16:creationId xmlns:a16="http://schemas.microsoft.com/office/drawing/2014/main" id="{BA7BE798-6563-6081-71A1-4641951346E6}"/>
               </a:ext>
             </a:extLst>
           </p:cNvPr>
@@ -11837,8 +11487,8 @@
         </p:blipFill>
         <p:spPr bwMode="auto">
           <a:xfrm>
-            <a:off x="1887545" y="1091684"/>
-            <a:ext cx="5368910" cy="2798171"/>
+            <a:off x="4163037" y="1490391"/>
+            <a:ext cx="3908560" cy="1997030"/>
           </a:xfrm>
           <a:prstGeom prst="rect">
             <a:avLst/>
@@ -11857,10 +11507,10 @@
       </p:pic>
       <p:sp>
         <p:nvSpPr>
-          <p:cNvPr id="2" name="TextBox 1">
+          <p:cNvPr id="3" name="TextBox 2">
             <a:extLst>
               <a:ext uri="{FF2B5EF4-FFF2-40B4-BE49-F238E27FC236}">
-                <a16:creationId xmlns:a16="http://schemas.microsoft.com/office/drawing/2014/main" id="{35A60C55-A65A-2986-E023-7868527CF040}"/>
+                <a16:creationId xmlns:a16="http://schemas.microsoft.com/office/drawing/2014/main" id="{66BA789B-66E6-70D4-0BC2-D404B442E573}"/>
               </a:ext>
             </a:extLst>
           </p:cNvPr>
@@ -11869,8 +11519,8 @@
         </p:nvSpPr>
         <p:spPr>
           <a:xfrm>
-            <a:off x="915956" y="4322118"/>
-            <a:ext cx="7082532" cy="230832"/>
+            <a:off x="5163671" y="4125775"/>
+            <a:ext cx="3668629" cy="261610"/>
           </a:xfrm>
           <a:prstGeom prst="rect">
             <a:avLst/>
@@ -11878,27 +11528,378 @@
           <a:noFill/>
         </p:spPr>
         <p:txBody>
-          <a:bodyPr wrap="square" rtlCol="0">
+          <a:bodyPr wrap="square">
             <a:spAutoFit/>
           </a:bodyPr>
           <a:lstStyle/>
           <a:p>
-            <a:pPr marL="107948" indent="0">
+            <a:pPr marL="107948" indent="0" algn="r">
               <a:buNone/>
             </a:pPr>
             <a:r>
-              <a:rPr lang="en-US" sz="900" dirty="0">
-                <a:latin typeface="Proxima Nova" panose="020B0604020202020204" charset="0"/>
+              <a:rPr lang="en-US" sz="1100" dirty="0">
+                <a:hlinkClick r:id="rId4"/>
               </a:rPr>
-              <a:t>Source: https://write.agrevolution.in/ds-pipeline-the-much-needed-data-science-infrastructure-design-part-1-the-concept-4ceb57944974</a:t>
-            </a:r>
+              <a:t>Source: </a:t>
+            </a:r>
+            <a:r>
+              <a:rPr lang="en-US" sz="1100" dirty="0" err="1">
+                <a:hlinkClick r:id="rId4"/>
+              </a:rPr>
+              <a:t>Tapadhir</a:t>
+            </a:r>
+            <a:r>
+              <a:rPr lang="en-US" sz="1100" dirty="0">
+                <a:hlinkClick r:id="rId4"/>
+              </a:rPr>
+              <a:t> Das - UNR-IDD Dataset</a:t>
+            </a:r>
+            <a:endParaRPr lang="en-US" sz="1100" dirty="0">
+              <a:solidFill>
+                <a:schemeClr val="bg2"/>
+              </a:solidFill>
+              <a:latin typeface="Proxima Nova" panose="020B0604020202020204" charset="0"/>
+            </a:endParaRPr>
+          </a:p>
+        </p:txBody>
+      </p:sp>
+      <p:sp>
+        <p:nvSpPr>
+          <p:cNvPr id="2" name="Google Shape;134;g133c1f20611_0_20">
+            <a:extLst>
+              <a:ext uri="{FF2B5EF4-FFF2-40B4-BE49-F238E27FC236}">
+                <a16:creationId xmlns:a16="http://schemas.microsoft.com/office/drawing/2014/main" id="{23BAC40A-278E-FF4E-B96E-660C27129B70}"/>
+              </a:ext>
+            </a:extLst>
+          </p:cNvPr>
+          <p:cNvSpPr txBox="1">
+            <a:spLocks noGrp="1"/>
+          </p:cNvSpPr>
+          <p:nvPr>
+            <p:ph type="body" idx="1"/>
+          </p:nvPr>
+        </p:nvSpPr>
+        <p:spPr>
+          <a:xfrm>
+            <a:off x="231018" y="1172645"/>
+            <a:ext cx="3749312" cy="3416400"/>
+          </a:xfrm>
+          <a:prstGeom prst="rect">
+            <a:avLst/>
+          </a:prstGeom>
+          <a:noFill/>
+          <a:ln>
+            <a:noFill/>
+          </a:ln>
+        </p:spPr>
+        <p:txBody>
+          <a:bodyPr spcFirstLastPara="1" wrap="square" lIns="91425" tIns="91425" rIns="91425" bIns="91425" anchor="t" anchorCtr="0">
+            <a:noAutofit/>
+          </a:bodyPr>
+          <a:lstStyle/>
+          <a:p>
+            <a:pPr>
+              <a:buFont typeface="Wingdings" panose="05000000000000000000" pitchFamily="2" charset="2"/>
+              <a:buChar char="§"/>
+            </a:pPr>
+            <a:r>
+              <a:rPr lang="en-US" sz="1200" b="0" i="0" dirty="0">
+                <a:solidFill>
+                  <a:schemeClr val="bg2"/>
+                </a:solidFill>
+                <a:effectLst/>
+                <a:latin typeface="Lato" panose="020F0502020204030203" pitchFamily="34" charset="0"/>
+              </a:rPr>
+              <a:t>Flow Simulation: </a:t>
+            </a:r>
+            <a:r>
+              <a:rPr lang="en-US" sz="1200" b="0" i="0" dirty="0" err="1">
+                <a:solidFill>
+                  <a:schemeClr val="bg2"/>
+                </a:solidFill>
+                <a:effectLst/>
+                <a:latin typeface="Lato" panose="020F0502020204030203" pitchFamily="34" charset="0"/>
+              </a:rPr>
+              <a:t>IPerf</a:t>
+            </a:r>
+            <a:r>
+              <a:rPr lang="en-US" sz="1200" b="0" i="0" dirty="0">
+                <a:solidFill>
+                  <a:schemeClr val="bg2"/>
+                </a:solidFill>
+                <a:effectLst/>
+                <a:latin typeface="Lato" panose="020F0502020204030203" pitchFamily="34" charset="0"/>
+              </a:rPr>
+              <a:t> is used to create TCP and UDP data streams simulating network flows in virtual and real networks using dummy payloads.</a:t>
+            </a:r>
+            <a:endParaRPr lang="en-US" sz="1400" dirty="0">
+              <a:solidFill>
+                <a:schemeClr val="bg2"/>
+              </a:solidFill>
+              <a:latin typeface="Proxima Nova" panose="020B0604020202020204" charset="0"/>
+            </a:endParaRPr>
+          </a:p>
+          <a:p>
+            <a:pPr>
+              <a:buFont typeface="Wingdings" panose="05000000000000000000" pitchFamily="2" charset="2"/>
+              <a:buChar char="§"/>
+            </a:pPr>
+            <a:endParaRPr lang="en-US" sz="1400" dirty="0">
+              <a:solidFill>
+                <a:schemeClr val="bg2"/>
+              </a:solidFill>
+              <a:latin typeface="Proxima Nova" panose="020B0604020202020204" charset="0"/>
+            </a:endParaRPr>
+          </a:p>
+          <a:p>
+            <a:pPr>
+              <a:buFont typeface="Wingdings" panose="05000000000000000000" pitchFamily="2" charset="2"/>
+              <a:buChar char="§"/>
+            </a:pPr>
+            <a:r>
+              <a:rPr lang="en-US" sz="1200" b="0" i="0" dirty="0">
+                <a:solidFill>
+                  <a:schemeClr val="bg2"/>
+                </a:solidFill>
+                <a:effectLst/>
+                <a:latin typeface="Lato" panose="020F0502020204030203" pitchFamily="34" charset="0"/>
+              </a:rPr>
+              <a:t>Data Collection: we create a custom application to collect and log the available statistics that are captured periodically (once in every 5 seconds) from OpenFlow (OF) switches. The statistics are collected through by means of </a:t>
+            </a:r>
+            <a:r>
+              <a:rPr lang="en-US" sz="1200" b="0" i="1" dirty="0" err="1">
+                <a:solidFill>
+                  <a:schemeClr val="bg2"/>
+                </a:solidFill>
+                <a:effectLst/>
+                <a:latin typeface="Lato" panose="020F0502020204030203" pitchFamily="34" charset="0"/>
+              </a:rPr>
+              <a:t>OFPPortStatsRequest</a:t>
+            </a:r>
+            <a:r>
+              <a:rPr lang="en-US" sz="1200" b="0" i="0" dirty="0">
+                <a:solidFill>
+                  <a:schemeClr val="bg2"/>
+                </a:solidFill>
+                <a:effectLst/>
+                <a:latin typeface="Lato" panose="020F0502020204030203" pitchFamily="34" charset="0"/>
+              </a:rPr>
+              <a:t> and </a:t>
+            </a:r>
+            <a:r>
+              <a:rPr lang="en-US" sz="1200" b="0" i="1" dirty="0" err="1">
+                <a:solidFill>
+                  <a:schemeClr val="bg2"/>
+                </a:solidFill>
+                <a:effectLst/>
+                <a:latin typeface="Lato" panose="020F0502020204030203" pitchFamily="34" charset="0"/>
+              </a:rPr>
+              <a:t>OFPPortStatsReply</a:t>
+            </a:r>
+            <a:r>
+              <a:rPr lang="en-US" sz="1200" b="0" i="1" dirty="0">
+                <a:solidFill>
+                  <a:schemeClr val="bg2"/>
+                </a:solidFill>
+                <a:effectLst/>
+                <a:latin typeface="Lato" panose="020F0502020204030203" pitchFamily="34" charset="0"/>
+              </a:rPr>
+              <a:t> </a:t>
+            </a:r>
+            <a:r>
+              <a:rPr lang="en-US" sz="1200" b="0" i="0" dirty="0">
+                <a:solidFill>
+                  <a:schemeClr val="bg2"/>
+                </a:solidFill>
+                <a:effectLst/>
+                <a:latin typeface="Lato" panose="020F0502020204030203" pitchFamily="34" charset="0"/>
+              </a:rPr>
+              <a:t>messages between controller and switches. </a:t>
+            </a:r>
+            <a:endParaRPr lang="en-US" sz="1400" dirty="0">
+              <a:solidFill>
+                <a:schemeClr val="bg2"/>
+              </a:solidFill>
+              <a:latin typeface="Proxima Nova" panose="020B0604020202020204" charset="0"/>
+            </a:endParaRPr>
+          </a:p>
+          <a:p>
+            <a:pPr>
+              <a:buFont typeface="Wingdings" panose="05000000000000000000" pitchFamily="2" charset="2"/>
+              <a:buChar char="§"/>
+            </a:pPr>
+            <a:endParaRPr lang="en-US" sz="1400" dirty="0">
+              <a:solidFill>
+                <a:schemeClr val="bg2"/>
+              </a:solidFill>
+              <a:latin typeface="Proxima Nova" panose="020B0604020202020204" charset="0"/>
+            </a:endParaRPr>
+          </a:p>
+          <a:p>
+            <a:pPr>
+              <a:buFont typeface="Wingdings" panose="05000000000000000000" pitchFamily="2" charset="2"/>
+              <a:buChar char="§"/>
+            </a:pPr>
+            <a:endParaRPr lang="en-US" sz="1400" dirty="0">
+              <a:solidFill>
+                <a:schemeClr val="bg2"/>
+              </a:solidFill>
+              <a:latin typeface="Proxima Nova" panose="020B0604020202020204" charset="0"/>
+            </a:endParaRPr>
+          </a:p>
+          <a:p>
+            <a:pPr marL="0" indent="0">
+              <a:buNone/>
+            </a:pPr>
+            <a:endParaRPr dirty="0"/>
+          </a:p>
+          <a:p>
+            <a:pPr marL="0" indent="0">
+              <a:buNone/>
+            </a:pPr>
+            <a:endParaRPr dirty="0"/>
           </a:p>
         </p:txBody>
       </p:sp>
     </p:spTree>
     <p:extLst>
       <p:ext uri="{BB962C8B-B14F-4D97-AF65-F5344CB8AC3E}">
-        <p14:creationId xmlns:p14="http://schemas.microsoft.com/office/powerpoint/2010/main" val="780567771"/>
+        <p14:creationId xmlns:p14="http://schemas.microsoft.com/office/powerpoint/2010/main" val="2554354471"/>
+      </p:ext>
+    </p:extLst>
+  </p:cSld>
+  <p:clrMapOvr>
+    <a:masterClrMapping/>
+  </p:clrMapOvr>
+</p:sld>
+</file>
+
+<file path=ppt/slides/slide13.xml><?xml version="1.0" encoding="utf-8"?>
+<p:sld xmlns:a="http://schemas.openxmlformats.org/drawingml/2006/main" xmlns:r="http://schemas.openxmlformats.org/officeDocument/2006/relationships" xmlns:p="http://schemas.openxmlformats.org/presentationml/2006/main">
+  <p:cSld>
+    <p:spTree>
+      <p:nvGrpSpPr>
+        <p:cNvPr id="1" name="Shape 126"/>
+        <p:cNvGrpSpPr/>
+        <p:nvPr/>
+      </p:nvGrpSpPr>
+      <p:grpSpPr>
+        <a:xfrm>
+          <a:off x="0" y="0"/>
+          <a:ext cx="0" cy="0"/>
+          <a:chOff x="0" y="0"/>
+          <a:chExt cx="0" cy="0"/>
+        </a:xfrm>
+      </p:grpSpPr>
+      <p:sp>
+        <p:nvSpPr>
+          <p:cNvPr id="127" name="Google Shape;127;g133c1f20611_0_15"/>
+          <p:cNvSpPr txBox="1">
+            <a:spLocks noGrp="1"/>
+          </p:cNvSpPr>
+          <p:nvPr>
+            <p:ph type="title"/>
+          </p:nvPr>
+        </p:nvSpPr>
+        <p:spPr>
+          <a:xfrm>
+            <a:off x="311700" y="445025"/>
+            <a:ext cx="8520600" cy="572700"/>
+          </a:xfrm>
+          <a:prstGeom prst="rect">
+            <a:avLst/>
+          </a:prstGeom>
+          <a:noFill/>
+          <a:ln>
+            <a:noFill/>
+          </a:ln>
+        </p:spPr>
+        <p:txBody>
+          <a:bodyPr spcFirstLastPara="1" wrap="square" lIns="91425" tIns="91425" rIns="91425" bIns="91425" anchor="t" anchorCtr="0">
+            <a:noAutofit/>
+          </a:bodyPr>
+          <a:lstStyle/>
+          <a:p>
+            <a:r>
+              <a:rPr lang="en-US" dirty="0">
+                <a:solidFill>
+                  <a:srgbClr val="0070C0"/>
+                </a:solidFill>
+              </a:rPr>
+              <a:t>Information about the data (network topology)</a:t>
+            </a:r>
+            <a:endParaRPr dirty="0">
+              <a:solidFill>
+                <a:srgbClr val="0070C0"/>
+              </a:solidFill>
+            </a:endParaRPr>
+          </a:p>
+        </p:txBody>
+      </p:sp>
+      <p:pic>
+        <p:nvPicPr>
+          <p:cNvPr id="6" name="Picture 5">
+            <a:extLst>
+              <a:ext uri="{FF2B5EF4-FFF2-40B4-BE49-F238E27FC236}">
+                <a16:creationId xmlns:a16="http://schemas.microsoft.com/office/drawing/2014/main" id="{7E8763D5-2712-55CC-04D0-EB57F416A99F}"/>
+              </a:ext>
+            </a:extLst>
+          </p:cNvPr>
+          <p:cNvPicPr>
+            <a:picLocks noChangeAspect="1"/>
+          </p:cNvPicPr>
+          <p:nvPr/>
+        </p:nvPicPr>
+        <p:blipFill>
+          <a:blip r:embed="rId3"/>
+          <a:stretch>
+            <a:fillRect/>
+          </a:stretch>
+        </p:blipFill>
+        <p:spPr>
+          <a:xfrm>
+            <a:off x="304800" y="1567358"/>
+            <a:ext cx="4246271" cy="2008783"/>
+          </a:xfrm>
+          <a:prstGeom prst="rect">
+            <a:avLst/>
+          </a:prstGeom>
+        </p:spPr>
+      </p:pic>
+      <p:pic>
+        <p:nvPicPr>
+          <p:cNvPr id="8" name="Picture 7">
+            <a:extLst>
+              <a:ext uri="{FF2B5EF4-FFF2-40B4-BE49-F238E27FC236}">
+                <a16:creationId xmlns:a16="http://schemas.microsoft.com/office/drawing/2014/main" id="{C467E22F-FCB1-47DD-9485-F5670AC871D5}"/>
+              </a:ext>
+            </a:extLst>
+          </p:cNvPr>
+          <p:cNvPicPr>
+            <a:picLocks noChangeAspect="1"/>
+          </p:cNvPicPr>
+          <p:nvPr/>
+        </p:nvPicPr>
+        <p:blipFill>
+          <a:blip r:embed="rId4"/>
+          <a:stretch>
+            <a:fillRect/>
+          </a:stretch>
+        </p:blipFill>
+        <p:spPr>
+          <a:xfrm>
+            <a:off x="4592931" y="1564183"/>
+            <a:ext cx="4246272" cy="2008783"/>
+          </a:xfrm>
+          <a:prstGeom prst="rect">
+            <a:avLst/>
+          </a:prstGeom>
+        </p:spPr>
+      </p:pic>
+    </p:spTree>
+    <p:extLst>
+      <p:ext uri="{BB962C8B-B14F-4D97-AF65-F5344CB8AC3E}">
+        <p14:creationId xmlns:p14="http://schemas.microsoft.com/office/powerpoint/2010/main" val="3323817032"/>
       </p:ext>
     </p:extLst>
   </p:cSld>
@@ -11913,7 +11914,7 @@
   <p:cSld>
     <p:spTree>
       <p:nvGrpSpPr>
-        <p:cNvPr id="1" name="Shape 139"/>
+        <p:cNvPr id="1" name="Shape 120"/>
         <p:cNvGrpSpPr/>
         <p:nvPr/>
       </p:nvGrpSpPr>
@@ -11927,7 +11928,7 @@
       </p:grpSpPr>
       <p:sp>
         <p:nvSpPr>
-          <p:cNvPr id="140" name="Google Shape;140;g133c1f20611_0_26"/>
+          <p:cNvPr id="121" name="Google Shape;121;g133c1f20611_0_10"/>
           <p:cNvSpPr txBox="1">
             <a:spLocks noGrp="1"/>
           </p:cNvSpPr>
@@ -11936,6 +11937,10 @@
           </p:nvPr>
         </p:nvSpPr>
         <p:spPr>
+          <a:xfrm>
+            <a:off x="311700" y="445025"/>
+            <a:ext cx="8520600" cy="572700"/>
+          </a:xfrm>
           <a:prstGeom prst="rect">
             <a:avLst/>
           </a:prstGeom>
@@ -11955,96 +11960,315 @@
                 <a:solidFill>
                   <a:srgbClr val="0070C0"/>
                 </a:solidFill>
+                <a:highlight>
+                  <a:srgbClr val="FFFF00"/>
+                </a:highlight>
               </a:rPr>
-              <a:t>MLE Stack (2 min)</a:t>
+              <a:t>Industry insights</a:t>
             </a:r>
             <a:endParaRPr dirty="0">
-              <a:solidFill>
-                <a:srgbClr val="0070C0"/>
-              </a:solidFill>
+              <a:highlight>
+                <a:srgbClr val="FFFF00"/>
+              </a:highlight>
             </a:endParaRPr>
           </a:p>
         </p:txBody>
       </p:sp>
       <p:sp>
         <p:nvSpPr>
-          <p:cNvPr id="2" name="Text Placeholder 1">
+          <p:cNvPr id="2" name="Google Shape;122;g133c1f20611_0_10">
             <a:extLst>
               <a:ext uri="{FF2B5EF4-FFF2-40B4-BE49-F238E27FC236}">
-                <a16:creationId xmlns:a16="http://schemas.microsoft.com/office/drawing/2014/main" id="{8961D4E6-44C6-6F1A-33F1-94B9FE7D930C}"/>
+                <a16:creationId xmlns:a16="http://schemas.microsoft.com/office/drawing/2014/main" id="{4AEB22DA-6A87-CEF7-24FA-D3259EF61131}"/>
               </a:ext>
             </a:extLst>
           </p:cNvPr>
-          <p:cNvSpPr>
+          <p:cNvSpPr txBox="1">
             <a:spLocks noGrp="1"/>
           </p:cNvSpPr>
           <p:nvPr>
             <p:ph type="body" idx="1"/>
           </p:nvPr>
         </p:nvSpPr>
-        <p:spPr/>
-        <p:txBody>
-          <a:bodyPr/>
-          <a:lstStyle/>
-          <a:p>
-            <a:r>
-              <a:rPr lang="en-US" dirty="0"/>
-              <a:t>Use pipelines</a:t>
-            </a:r>
-          </a:p>
-        </p:txBody>
-      </p:sp>
-      <p:pic>
-        <p:nvPicPr>
-          <p:cNvPr id="3074" name="Picture 2">
-            <a:extLst>
-              <a:ext uri="{FF2B5EF4-FFF2-40B4-BE49-F238E27FC236}">
-                <a16:creationId xmlns:a16="http://schemas.microsoft.com/office/drawing/2014/main" id="{3185C231-8DE5-BD90-B12B-11E9174A0E21}"/>
-              </a:ext>
-            </a:extLst>
-          </p:cNvPr>
-          <p:cNvPicPr>
-            <a:picLocks noChangeAspect="1" noChangeArrowheads="1"/>
-          </p:cNvPicPr>
-          <p:nvPr/>
-        </p:nvPicPr>
-        <p:blipFill>
-          <a:blip r:embed="rId3">
-            <a:extLst>
-              <a:ext uri="{28A0092B-C50C-407E-A947-70E740481C1C}">
-                <a14:useLocalDpi xmlns:a14="http://schemas.microsoft.com/office/drawing/2010/main" val="0"/>
-              </a:ext>
-            </a:extLst>
-          </a:blip>
-          <a:srcRect/>
-          <a:stretch>
-            <a:fillRect/>
-          </a:stretch>
-        </p:blipFill>
-        <p:spPr bwMode="auto">
+        <p:spPr>
           <a:xfrm>
-            <a:off x="1990164" y="1599694"/>
-            <a:ext cx="5163671" cy="2828365"/>
+            <a:off x="311700" y="1152475"/>
+            <a:ext cx="8520600" cy="3416400"/>
           </a:xfrm>
           <a:prstGeom prst="rect">
             <a:avLst/>
           </a:prstGeom>
           <a:noFill/>
-          <a:extLst>
-            <a:ext uri="{909E8E84-426E-40DD-AFC4-6F175D3DCCD1}">
-              <a14:hiddenFill xmlns:a14="http://schemas.microsoft.com/office/drawing/2010/main">
-                <a:solidFill>
-                  <a:srgbClr val="FFFFFF"/>
-                </a:solidFill>
-              </a14:hiddenFill>
-            </a:ext>
-          </a:extLst>
+          <a:ln>
+            <a:noFill/>
+          </a:ln>
         </p:spPr>
-      </p:pic>
+        <p:txBody>
+          <a:bodyPr spcFirstLastPara="1" wrap="square" lIns="91425" tIns="91425" rIns="91425" bIns="91425" anchor="t" anchorCtr="0">
+            <a:noAutofit/>
+          </a:bodyPr>
+          <a:lstStyle/>
+          <a:p>
+            <a:pPr>
+              <a:buFont typeface="Wingdings" panose="05000000000000000000" pitchFamily="2" charset="2"/>
+              <a:buChar char="§"/>
+            </a:pPr>
+            <a:endParaRPr lang="en-US" sz="1200" i="1" u="sng" dirty="0">
+              <a:solidFill>
+                <a:schemeClr val="bg2"/>
+              </a:solidFill>
+              <a:latin typeface="Proxima Nova" panose="020B0604020202020204" charset="0"/>
+            </a:endParaRPr>
+          </a:p>
+          <a:p>
+            <a:pPr>
+              <a:buFont typeface="Wingdings" panose="05000000000000000000" pitchFamily="2" charset="2"/>
+              <a:buChar char="§"/>
+            </a:pPr>
+            <a:r>
+              <a:rPr lang="en-US" sz="1600" b="1" i="0" u="none" strike="noStrike" dirty="0">
+                <a:solidFill>
+                  <a:schemeClr val="accent2"/>
+                </a:solidFill>
+                <a:effectLst/>
+                <a:latin typeface="NexusSerif"/>
+              </a:rPr>
+              <a:t>Deep Learning for Network Traffic Monitoring and Analysis (NTMA)</a:t>
+            </a:r>
+            <a:endParaRPr lang="en-US" sz="1200" i="1" u="sng" dirty="0">
+              <a:solidFill>
+                <a:schemeClr val="bg2"/>
+              </a:solidFill>
+              <a:latin typeface="Proxima Nova" panose="020B0604020202020204" charset="0"/>
+            </a:endParaRPr>
+          </a:p>
+          <a:p>
+            <a:pPr marL="107948" indent="0">
+              <a:buNone/>
+            </a:pPr>
+            <a:r>
+              <a:rPr lang="en-US" sz="900" i="1" dirty="0">
+                <a:solidFill>
+                  <a:schemeClr val="bg2"/>
+                </a:solidFill>
+                <a:latin typeface="Proxima Nova" panose="020B0604020202020204" charset="0"/>
+              </a:rPr>
+              <a:t>	https://www.sciencedirect.com/science/article/pii/S0140366421000426#b96</a:t>
+            </a:r>
+          </a:p>
+          <a:p>
+            <a:pPr marL="107948" indent="0">
+              <a:buNone/>
+            </a:pPr>
+            <a:endParaRPr lang="en-US" sz="1200" b="0" i="0" dirty="0">
+              <a:solidFill>
+                <a:srgbClr val="2E2E2E"/>
+              </a:solidFill>
+              <a:effectLst/>
+              <a:latin typeface="NexusSerif"/>
+            </a:endParaRPr>
+          </a:p>
+          <a:p>
+            <a:pPr>
+              <a:buFont typeface="Wingdings" panose="05000000000000000000" pitchFamily="2" charset="2"/>
+              <a:buChar char="§"/>
+            </a:pPr>
+            <a:r>
+              <a:rPr lang="en-US" sz="1400" b="1" i="1" dirty="0">
+                <a:solidFill>
+                  <a:srgbClr val="2E2E2E"/>
+                </a:solidFill>
+                <a:effectLst/>
+                <a:latin typeface="NexusSerif"/>
+              </a:rPr>
+              <a:t>The experiments revealed that DL models provides better accuracy (with 99.20%) than the classical ML models (with 95.22%).</a:t>
+            </a:r>
+          </a:p>
+          <a:p>
+            <a:pPr>
+              <a:buFont typeface="Wingdings" panose="05000000000000000000" pitchFamily="2" charset="2"/>
+              <a:buChar char="§"/>
+            </a:pPr>
+            <a:endParaRPr lang="en-US" sz="1200" dirty="0">
+              <a:solidFill>
+                <a:srgbClr val="2E2E2E"/>
+              </a:solidFill>
+              <a:latin typeface="NexusSerif"/>
+            </a:endParaRPr>
+          </a:p>
+          <a:p>
+            <a:pPr>
+              <a:buFont typeface="Wingdings" panose="05000000000000000000" pitchFamily="2" charset="2"/>
+              <a:buChar char="§"/>
+            </a:pPr>
+            <a:r>
+              <a:rPr lang="en-US" sz="1400" dirty="0">
+                <a:solidFill>
+                  <a:srgbClr val="2E2E2E"/>
+                </a:solidFill>
+                <a:latin typeface="NexusSerif"/>
+              </a:rPr>
+              <a:t>T</a:t>
+            </a:r>
+            <a:r>
+              <a:rPr lang="en-US" sz="1400" b="0" dirty="0">
+                <a:solidFill>
+                  <a:srgbClr val="2E2E2E"/>
+                </a:solidFill>
+                <a:effectLst/>
+                <a:latin typeface="NexusSerif"/>
+              </a:rPr>
+              <a:t>he authors claimed that in highly distributed networks, such as IoT systems, the traditional techniques such as classical ML techniques for NTMA purposes (e.g., attack detection) have less scalability. As a result, they proposed edge-based deep learning to deal with modern communication systems’ distributed and complex nature. The vast amount of data generated by IoT edge devices allow DL models to learn more useful than classical ML models.</a:t>
+            </a:r>
+          </a:p>
+          <a:p>
+            <a:pPr marL="107948" indent="0">
+              <a:buNone/>
+            </a:pPr>
+            <a:endParaRPr lang="en-US" sz="1200" b="0" i="0" dirty="0">
+              <a:solidFill>
+                <a:srgbClr val="2E2E2E"/>
+              </a:solidFill>
+              <a:effectLst/>
+              <a:latin typeface="NexusSerif"/>
+            </a:endParaRPr>
+          </a:p>
+          <a:p>
+            <a:pPr>
+              <a:buFont typeface="Wingdings" panose="05000000000000000000" pitchFamily="2" charset="2"/>
+              <a:buChar char="§"/>
+            </a:pPr>
+            <a:r>
+              <a:rPr lang="en-US" sz="1200" b="0" i="0" dirty="0">
+                <a:solidFill>
+                  <a:srgbClr val="2E2E2E"/>
+                </a:solidFill>
+                <a:effectLst/>
+                <a:latin typeface="NexusSerif"/>
+                <a:hlinkClick r:id="rId3"/>
+              </a:rPr>
+              <a:t>https://learn.microsoft.com/en-us/azure/</a:t>
+            </a:r>
+            <a:r>
+              <a:rPr lang="en-US" sz="1200" b="0" i="0" dirty="0">
+                <a:solidFill>
+                  <a:srgbClr val="2E2E2E"/>
+                </a:solidFill>
+                <a:effectLst/>
+                <a:latin typeface="NexusSerif"/>
+              </a:rPr>
+              <a:t>/</a:t>
+            </a:r>
+            <a:r>
+              <a:rPr lang="en-US" sz="1200" b="0" i="0" dirty="0" err="1">
+                <a:solidFill>
+                  <a:srgbClr val="2E2E2E"/>
+                </a:solidFill>
+                <a:effectLst/>
+                <a:latin typeface="NexusSerif"/>
+              </a:rPr>
+              <a:t>strea</a:t>
+            </a:r>
+            <a:r>
+              <a:rPr lang="en-US" sz="1200" dirty="0" err="1">
+                <a:solidFill>
+                  <a:srgbClr val="2E2E2E"/>
+                </a:solidFill>
+                <a:latin typeface="NexusSerif"/>
+                <a:hlinkClick r:id="rId3"/>
+              </a:rPr>
+              <a:t>iot</a:t>
+            </a:r>
+            <a:r>
+              <a:rPr lang="en-US" sz="1200" dirty="0">
+                <a:solidFill>
+                  <a:srgbClr val="2E2E2E"/>
+                </a:solidFill>
+                <a:latin typeface="NexusSerif"/>
+                <a:hlinkClick r:id="rId3"/>
+              </a:rPr>
+              <a:t>-hub/iot-hub-live-data-visualization-in-power-bi</a:t>
+            </a:r>
+            <a:endParaRPr lang="en-US" sz="1200" dirty="0">
+              <a:solidFill>
+                <a:srgbClr val="2E2E2E"/>
+              </a:solidFill>
+              <a:latin typeface="NexusSerif"/>
+            </a:endParaRPr>
+          </a:p>
+          <a:p>
+            <a:pPr>
+              <a:buFont typeface="Wingdings" panose="05000000000000000000" pitchFamily="2" charset="2"/>
+              <a:buChar char="§"/>
+            </a:pPr>
+            <a:r>
+              <a:rPr lang="en-US" sz="1200" dirty="0">
+                <a:solidFill>
+                  <a:srgbClr val="2E2E2E"/>
+                </a:solidFill>
+                <a:latin typeface="NexusSerif"/>
+              </a:rPr>
+              <a:t>https://</a:t>
+            </a:r>
+            <a:r>
+              <a:rPr lang="en-US" sz="1200" dirty="0" err="1">
+                <a:solidFill>
+                  <a:srgbClr val="2E2E2E"/>
+                </a:solidFill>
+                <a:latin typeface="NexusSerif"/>
+              </a:rPr>
+              <a:t>www.databricks.com</a:t>
+            </a:r>
+            <a:r>
+              <a:rPr lang="en-US" sz="1200" dirty="0">
+                <a:solidFill>
+                  <a:srgbClr val="2E2E2E"/>
+                </a:solidFill>
+                <a:latin typeface="NexusSerif"/>
+              </a:rPr>
+              <a:t>/blog/2022/05/05ming-windows-event-logs-into-the-cybersecurity-lakehouse</a:t>
+            </a:r>
+            <a:r>
+              <a:rPr lang="en-US" sz="1200" b="0" i="0" dirty="0">
+                <a:solidFill>
+                  <a:srgbClr val="2E2E2E"/>
+                </a:solidFill>
+                <a:effectLst/>
+                <a:latin typeface="NexusSerif"/>
+              </a:rPr>
+              <a:t>.html</a:t>
+            </a:r>
+          </a:p>
+          <a:p>
+            <a:pPr>
+              <a:buFont typeface="Wingdings" panose="05000000000000000000" pitchFamily="2" charset="2"/>
+              <a:buChar char="§"/>
+            </a:pPr>
+            <a:endParaRPr lang="en-US" sz="1200" u="sng" dirty="0">
+              <a:solidFill>
+                <a:srgbClr val="2E2E2E"/>
+              </a:solidFill>
+              <a:latin typeface="NexusSerif"/>
+            </a:endParaRPr>
+          </a:p>
+          <a:p>
+            <a:pPr>
+              <a:buFont typeface="Wingdings" panose="05000000000000000000" pitchFamily="2" charset="2"/>
+              <a:buChar char="§"/>
+            </a:pPr>
+            <a:endParaRPr lang="en-US" sz="1200" i="1" u="sng" dirty="0">
+              <a:solidFill>
+                <a:srgbClr val="2E2E2E"/>
+              </a:solidFill>
+              <a:latin typeface="NexusSerif"/>
+            </a:endParaRPr>
+          </a:p>
+        </p:txBody>
+      </p:sp>
     </p:spTree>
     <p:extLst>
       <p:ext uri="{BB962C8B-B14F-4D97-AF65-F5344CB8AC3E}">
-        <p14:creationId xmlns:p14="http://schemas.microsoft.com/office/powerpoint/2010/main" val="2600376790"/>
+        <p14:creationId xmlns:p14="http://schemas.microsoft.com/office/powerpoint/2010/main" val="1384140254"/>
       </p:ext>
     </p:extLst>
   </p:cSld>
@@ -12109,7 +12333,40 @@
                   <a:srgbClr val="FFFF00"/>
                 </a:highlight>
               </a:rPr>
-              <a:t>Industry insights</a:t>
+              <a:t>Exploration model – </a:t>
+            </a:r>
+            <a:r>
+              <a:rPr lang="en-US" dirty="0" err="1">
+                <a:solidFill>
+                  <a:srgbClr val="0070C0"/>
+                </a:solidFill>
+                <a:highlight>
+                  <a:srgbClr val="FFFF00"/>
+                </a:highlight>
+              </a:rPr>
+              <a:t>DeepInsight</a:t>
+            </a:r>
+            <a:r>
+              <a:rPr lang="en-US" dirty="0">
+                <a:solidFill>
+                  <a:srgbClr val="0070C0"/>
+                </a:solidFill>
+                <a:highlight>
+                  <a:srgbClr val="FFFF00"/>
+                </a:highlight>
+              </a:rPr>
+              <a:t> with </a:t>
+            </a:r>
+            <a:r>
+              <a:rPr lang="en-US" dirty="0" err="1">
+                <a:solidFill>
+                  <a:srgbClr val="0070C0"/>
+                </a:solidFill>
+                <a:highlight>
+                  <a:srgbClr val="FFFF00"/>
+                </a:highlight>
+              </a:rPr>
+              <a:t>Squeezenet</a:t>
             </a:r>
             <a:endParaRPr dirty="0">
               <a:highlight>
@@ -12119,40 +12376,170 @@
           </a:p>
         </p:txBody>
       </p:sp>
-      <p:pic>
-        <p:nvPicPr>
-          <p:cNvPr id="5" name="Picture 4">
+      <p:sp>
+        <p:nvSpPr>
+          <p:cNvPr id="3" name="Google Shape;122;g133c1f20611_0_10">
             <a:extLst>
               <a:ext uri="{FF2B5EF4-FFF2-40B4-BE49-F238E27FC236}">
-                <a16:creationId xmlns:a16="http://schemas.microsoft.com/office/drawing/2014/main" id="{5D892936-3F03-4E26-6152-8D236ADABB8B}"/>
+                <a16:creationId xmlns:a16="http://schemas.microsoft.com/office/drawing/2014/main" id="{9ADD59BB-447B-ACF2-C877-9C7F94F5E3C6}"/>
               </a:ext>
             </a:extLst>
           </p:cNvPr>
-          <p:cNvPicPr>
-            <a:picLocks noChangeAspect="1"/>
-          </p:cNvPicPr>
-          <p:nvPr/>
-        </p:nvPicPr>
-        <p:blipFill>
-          <a:blip r:embed="rId3"/>
-          <a:stretch>
-            <a:fillRect/>
-          </a:stretch>
-        </p:blipFill>
+          <p:cNvSpPr txBox="1">
+            <a:spLocks noGrp="1"/>
+          </p:cNvSpPr>
+          <p:nvPr>
+            <p:ph type="body" idx="1"/>
+          </p:nvPr>
+        </p:nvSpPr>
         <p:spPr>
           <a:xfrm>
-            <a:off x="1248266" y="1100898"/>
-            <a:ext cx="6647468" cy="3333258"/>
+            <a:off x="311700" y="1152475"/>
+            <a:ext cx="8520600" cy="3416400"/>
           </a:xfrm>
           <a:prstGeom prst="rect">
             <a:avLst/>
           </a:prstGeom>
+          <a:noFill/>
+          <a:ln>
+            <a:noFill/>
+          </a:ln>
         </p:spPr>
-      </p:pic>
+        <p:txBody>
+          <a:bodyPr spcFirstLastPara="1" wrap="square" lIns="91425" tIns="91425" rIns="91425" bIns="91425" anchor="t" anchorCtr="0">
+            <a:noAutofit/>
+          </a:bodyPr>
+          <a:lstStyle/>
+          <a:p>
+            <a:pPr>
+              <a:buFont typeface="Wingdings" panose="05000000000000000000" pitchFamily="2" charset="2"/>
+              <a:buChar char="§"/>
+            </a:pPr>
+            <a:r>
+              <a:rPr lang="en-US" sz="1400" b="0" i="1" u="sng" dirty="0" err="1">
+                <a:solidFill>
+                  <a:schemeClr val="tx1">
+                    <a:lumMod val="50000"/>
+                  </a:schemeClr>
+                </a:solidFill>
+                <a:effectLst/>
+                <a:latin typeface="Proxima Nova" panose="020B0604020202020204" charset="0"/>
+              </a:rPr>
+              <a:t>DeepInsight</a:t>
+            </a:r>
+            <a:r>
+              <a:rPr lang="en-US" sz="1400" b="0" i="0" dirty="0">
+                <a:solidFill>
+                  <a:schemeClr val="tx1">
+                    <a:lumMod val="50000"/>
+                  </a:schemeClr>
+                </a:solidFill>
+                <a:effectLst/>
+                <a:latin typeface="Proxima Nova" panose="020B0604020202020204" charset="0"/>
+              </a:rPr>
+              <a:t>:</a:t>
+            </a:r>
+          </a:p>
+          <a:p>
+            <a:pPr lvl="1">
+              <a:buFont typeface="Wingdings" panose="05000000000000000000" pitchFamily="2" charset="2"/>
+              <a:buChar char="§"/>
+            </a:pPr>
+            <a:r>
+              <a:rPr lang="en-US" b="0" i="0" dirty="0">
+                <a:solidFill>
+                  <a:schemeClr val="tx1">
+                    <a:lumMod val="50000"/>
+                  </a:schemeClr>
+                </a:solidFill>
+                <a:effectLst/>
+                <a:latin typeface="Proxima Nova" panose="020B0604020202020204" charset="0"/>
+              </a:rPr>
+              <a:t>A methodology to transform a non-image data to an image for convolution neural network architecture</a:t>
+            </a:r>
+          </a:p>
+          <a:p>
+            <a:pPr lvl="1">
+              <a:buFont typeface="Wingdings" panose="05000000000000000000" pitchFamily="2" charset="2"/>
+              <a:buChar char="§"/>
+            </a:pPr>
+            <a:r>
+              <a:rPr lang="en-US" b="0" i="0" dirty="0">
+                <a:solidFill>
+                  <a:schemeClr val="tx1">
+                    <a:lumMod val="50000"/>
+                  </a:schemeClr>
+                </a:solidFill>
+                <a:effectLst/>
+                <a:latin typeface="Proxima Nova" panose="020B0604020202020204" charset="0"/>
+                <a:hlinkClick r:id="rId3"/>
+              </a:rPr>
+              <a:t>https://www.nature.com/articles/s41598-019-47765-6</a:t>
+            </a:r>
+            <a:endParaRPr lang="en-US" b="0" i="0" dirty="0">
+              <a:solidFill>
+                <a:schemeClr val="tx1">
+                  <a:lumMod val="50000"/>
+                </a:schemeClr>
+              </a:solidFill>
+              <a:effectLst/>
+              <a:latin typeface="Proxima Nova" panose="020B0604020202020204" charset="0"/>
+            </a:endParaRPr>
+          </a:p>
+          <a:p>
+            <a:pPr lvl="1">
+              <a:buFont typeface="Wingdings" panose="05000000000000000000" pitchFamily="2" charset="2"/>
+              <a:buChar char="§"/>
+            </a:pPr>
+            <a:endParaRPr lang="en-US" sz="1400" u="sng" dirty="0">
+              <a:solidFill>
+                <a:schemeClr val="tx1">
+                  <a:lumMod val="50000"/>
+                </a:schemeClr>
+              </a:solidFill>
+              <a:latin typeface="Proxima Nova" panose="020B0604020202020204" charset="0"/>
+            </a:endParaRPr>
+          </a:p>
+          <a:p>
+            <a:pPr>
+              <a:buFont typeface="Wingdings" panose="05000000000000000000" pitchFamily="2" charset="2"/>
+              <a:buChar char="§"/>
+            </a:pPr>
+            <a:r>
+              <a:rPr lang="en-US" sz="1400" i="1" u="sng" dirty="0">
+                <a:solidFill>
+                  <a:schemeClr val="tx1">
+                    <a:lumMod val="50000"/>
+                  </a:schemeClr>
+                </a:solidFill>
+                <a:latin typeface="Proxima Nova" panose="020B0604020202020204" charset="0"/>
+              </a:rPr>
+              <a:t>Examples:</a:t>
+            </a:r>
+          </a:p>
+          <a:p>
+            <a:pPr lvl="1">
+              <a:buFont typeface="Wingdings" panose="05000000000000000000" pitchFamily="2" charset="2"/>
+              <a:buChar char="§"/>
+            </a:pPr>
+            <a:r>
+              <a:rPr lang="en-US" i="1" u="sng" dirty="0">
+                <a:solidFill>
+                  <a:schemeClr val="tx1">
+                    <a:lumMod val="50000"/>
+                  </a:schemeClr>
+                </a:solidFill>
+                <a:latin typeface="Proxima Nova" panose="020B0604020202020204" charset="0"/>
+              </a:rPr>
+              <a:t>https://github.com/alok-ai-lab/pyDeepInsight/blob/75ac7e62d5c10c35828b76bd547ec9e66960303c/examples/pytorch_squeezenet.ipynb</a:t>
+            </a:r>
+          </a:p>
+        </p:txBody>
+      </p:sp>
     </p:spTree>
     <p:extLst>
       <p:ext uri="{BB962C8B-B14F-4D97-AF65-F5344CB8AC3E}">
-        <p14:creationId xmlns:p14="http://schemas.microsoft.com/office/powerpoint/2010/main" val="3163860597"/>
+        <p14:creationId xmlns:p14="http://schemas.microsoft.com/office/powerpoint/2010/main" val="3996422250"/>
       </p:ext>
     </p:extLst>
   </p:cSld>
@@ -12209,7 +12596,7 @@
           <a:lstStyle/>
           <a:p>
             <a:r>
-              <a:rPr lang="en-US" dirty="0">
+              <a:rPr lang="en-US" dirty="0" err="1">
                 <a:solidFill>
                   <a:srgbClr val="0070C0"/>
                 </a:solidFill>
@@ -12217,7 +12604,18 @@
                   <a:srgbClr val="FFFF00"/>
                 </a:highlight>
               </a:rPr>
-              <a:t>Industry insights</a:t>
+              <a:t>DeepInsight</a:t>
+            </a:r>
+            <a:r>
+              <a:rPr lang="en-US" dirty="0">
+                <a:solidFill>
+                  <a:srgbClr val="0070C0"/>
+                </a:solidFill>
+                <a:highlight>
+                  <a:srgbClr val="FFFF00"/>
+                </a:highlight>
+              </a:rPr>
+              <a:t> pipeline</a:t>
             </a:r>
             <a:endParaRPr dirty="0">
               <a:highlight>
@@ -12267,82 +12665,41 @@
               <a:buChar char="§"/>
             </a:pPr>
             <a:r>
-              <a:rPr lang="en-US" sz="1200" i="1" u="sng" dirty="0">
-                <a:solidFill>
-                  <a:schemeClr val="bg2"/>
-                </a:solidFill>
-                <a:latin typeface="Proxima Nova" panose="020B0604020202020204" charset="0"/>
-              </a:rPr>
-              <a:t>https://www.sciencedirect.com/science/article/pii/S0140366421000426#b96</a:t>
-            </a:r>
-          </a:p>
-          <a:p>
-            <a:pPr marL="107948" indent="0">
-              <a:buNone/>
-            </a:pPr>
-            <a:endParaRPr lang="en-US" sz="1200" b="0" i="0" dirty="0">
-              <a:solidFill>
-                <a:srgbClr val="2E2E2E"/>
-              </a:solidFill>
-              <a:effectLst/>
-              <a:latin typeface="NexusSerif"/>
-            </a:endParaRPr>
+              <a:rPr lang="en-US" sz="1200" dirty="0"/>
+              <a:t>If the data dimensionality is extremely large and difficult to handle due to hardware limitations, then the dimensionality reduction technique (DRT) may be considered before applying </a:t>
+            </a:r>
+            <a:r>
+              <a:rPr lang="en-US" sz="1200" dirty="0" err="1"/>
+              <a:t>DeepInsight</a:t>
+            </a:r>
+            <a:r>
+              <a:rPr lang="en-US" sz="1200" dirty="0"/>
+              <a:t>.</a:t>
+            </a:r>
           </a:p>
           <a:p>
             <a:pPr>
               <a:buFont typeface="Wingdings" panose="05000000000000000000" pitchFamily="2" charset="2"/>
               <a:buChar char="§"/>
             </a:pPr>
-            <a:r>
-              <a:rPr lang="en-US" sz="1200" b="1" i="1" dirty="0">
-                <a:solidFill>
-                  <a:srgbClr val="2E2E2E"/>
-                </a:solidFill>
-                <a:effectLst/>
-                <a:latin typeface="NexusSerif"/>
-              </a:rPr>
-              <a:t>The experiments revealed that DL model provides better accuracy (with 99.20%) than the classical ML model (with 95.22%).</a:t>
-            </a:r>
+            <a:endParaRPr lang="en-US" sz="1200" dirty="0"/>
           </a:p>
           <a:p>
             <a:pPr>
               <a:buFont typeface="Wingdings" panose="05000000000000000000" pitchFamily="2" charset="2"/>
               <a:buChar char="§"/>
             </a:pPr>
-            <a:endParaRPr lang="en-US" sz="1200" dirty="0">
-              <a:solidFill>
-                <a:srgbClr val="2E2E2E"/>
-              </a:solidFill>
-              <a:latin typeface="NexusSerif"/>
-            </a:endParaRPr>
+            <a:r>
+              <a:rPr lang="en-US" sz="1200" dirty="0"/>
+              <a:t>The DRT can be either in the form of feature selection or feature extraction depending upon the nature of the problem.</a:t>
+            </a:r>
           </a:p>
           <a:p>
             <a:pPr>
               <a:buFont typeface="Wingdings" panose="05000000000000000000" pitchFamily="2" charset="2"/>
               <a:buChar char="§"/>
             </a:pPr>
-            <a:r>
-              <a:rPr lang="en-US" sz="1200" b="0" i="1" dirty="0">
-                <a:solidFill>
-                  <a:srgbClr val="2E2E2E"/>
-                </a:solidFill>
-                <a:effectLst/>
-                <a:latin typeface="NexusSerif"/>
-              </a:rPr>
-              <a:t>Furthermore, the authors claimed that in highly distributed networks, such as IoT systems, the traditional techniques such as classical ML techniques for NTMA purposes (e.g., attack detection) have less scalability. As a result, they proposed edge-based deep learning to deal with modern communication systems’ distributed and complex nature. The vast amount of data generated by IoT edge devices allow DL models to learn more useful than classical ML models.</a:t>
-            </a:r>
-          </a:p>
-          <a:p>
-            <a:pPr marL="107948" indent="0">
-              <a:buNone/>
-            </a:pPr>
-            <a:endParaRPr lang="en-US" sz="1200" b="0" i="0" dirty="0">
-              <a:solidFill>
-                <a:srgbClr val="2E2E2E"/>
-              </a:solidFill>
-              <a:effectLst/>
-              <a:latin typeface="NexusSerif"/>
-            </a:endParaRPr>
+            <a:endParaRPr lang="en-US" sz="1200" dirty="0"/>
           </a:p>
           <a:p>
             <a:pPr>
@@ -12350,62 +12707,32 @@
               <a:buChar char="§"/>
             </a:pPr>
             <a:r>
-              <a:rPr lang="en-US" sz="1200" b="0" i="0" dirty="0">
-                <a:solidFill>
-                  <a:srgbClr val="2E2E2E"/>
-                </a:solidFill>
-                <a:effectLst/>
-                <a:latin typeface="NexusSerif"/>
-                <a:hlinkClick r:id="rId3"/>
-              </a:rPr>
-              <a:t>https://learn.microsoft.com/en-us/azure/iot-hub/iot-hub-live-data-visualization-in-power-bi</a:t>
-            </a:r>
-            <a:endParaRPr lang="en-US" sz="1200" b="0" i="0" dirty="0">
-              <a:solidFill>
-                <a:srgbClr val="2E2E2E"/>
-              </a:solidFill>
-              <a:effectLst/>
-              <a:latin typeface="NexusSerif"/>
-            </a:endParaRPr>
+              <a:rPr lang="en-US" sz="1200" dirty="0"/>
+              <a:t>The application of DRT will provide a small feature set which will help in faster processing, however, can risk classification performance. On the other hand, if noisy or redundant features are removed then it could help to get higher processing speed as well as better accuracy. </a:t>
+            </a:r>
+            <a:r>
+              <a:rPr lang="en-US" sz="1200" b="1" i="1" dirty="0"/>
+              <a:t>Since the application of DRT is case dependent, we have described </a:t>
+            </a:r>
+            <a:r>
+              <a:rPr lang="en-US" sz="1200" b="1" i="1" dirty="0" err="1"/>
+              <a:t>DeepInsight</a:t>
+            </a:r>
+            <a:r>
+              <a:rPr lang="en-US" sz="1200" b="1" i="1" dirty="0"/>
+              <a:t> without applying DRT.</a:t>
+            </a:r>
           </a:p>
           <a:p>
             <a:pPr>
               <a:buFont typeface="Wingdings" panose="05000000000000000000" pitchFamily="2" charset="2"/>
               <a:buChar char="§"/>
             </a:pPr>
-            <a:r>
-              <a:rPr lang="en-US" sz="1200" b="0" i="0" dirty="0">
-                <a:solidFill>
-                  <a:srgbClr val="2E2E2E"/>
-                </a:solidFill>
-                <a:effectLst/>
-                <a:latin typeface="NexusSerif"/>
-              </a:rPr>
-              <a:t>https://www.databricks.com/blog/2022/05/05/streaming-windows-event-logs-into-the-cybersecurity-lakehouse.html</a:t>
-            </a:r>
-          </a:p>
-          <a:p>
-            <a:pPr>
-              <a:buFont typeface="Wingdings" panose="05000000000000000000" pitchFamily="2" charset="2"/>
-              <a:buChar char="§"/>
-            </a:pPr>
-            <a:endParaRPr lang="en-US" sz="1200" u="sng" dirty="0">
+            <a:endParaRPr lang="en-US" sz="1400" i="1" u="sng" dirty="0">
               <a:solidFill>
-                <a:srgbClr val="2E2E2E"/>
+                <a:schemeClr val="bg2"/>
               </a:solidFill>
-              <a:latin typeface="NexusSerif"/>
-            </a:endParaRPr>
-          </a:p>
-          <a:p>
-            <a:pPr>
-              <a:buFont typeface="Wingdings" panose="05000000000000000000" pitchFamily="2" charset="2"/>
-              <a:buChar char="§"/>
-            </a:pPr>
-            <a:endParaRPr lang="en-US" sz="1200" i="1" u="sng" dirty="0">
-              <a:solidFill>
-                <a:srgbClr val="2E2E2E"/>
-              </a:solidFill>
-              <a:latin typeface="NexusSerif"/>
+              <a:latin typeface="Proxima Nova" panose="020B0604020202020204" charset="0"/>
             </a:endParaRPr>
           </a:p>
         </p:txBody>
@@ -12413,7 +12740,7 @@
     </p:spTree>
     <p:extLst>
       <p:ext uri="{BB962C8B-B14F-4D97-AF65-F5344CB8AC3E}">
-        <p14:creationId xmlns:p14="http://schemas.microsoft.com/office/powerpoint/2010/main" val="1384140254"/>
+        <p14:creationId xmlns:p14="http://schemas.microsoft.com/office/powerpoint/2010/main" val="3210217016"/>
       </p:ext>
     </p:extLst>
   </p:cSld>
@@ -12470,17 +12797,6 @@
           <a:lstStyle/>
           <a:p>
             <a:r>
-              <a:rPr lang="en-US" dirty="0">
-                <a:solidFill>
-                  <a:srgbClr val="0070C0"/>
-                </a:solidFill>
-                <a:highlight>
-                  <a:srgbClr val="FFFF00"/>
-                </a:highlight>
-              </a:rPr>
-              <a:t>Exploration model – </a:t>
-            </a:r>
-            <a:r>
               <a:rPr lang="en-US" dirty="0" err="1">
                 <a:solidFill>
                   <a:srgbClr val="0070C0"/>
@@ -12500,18 +12816,7 @@
                   <a:srgbClr val="FFFF00"/>
                 </a:highlight>
               </a:rPr>
-              <a:t> with </a:t>
-            </a:r>
-            <a:r>
-              <a:rPr lang="en-US" dirty="0" err="1">
-                <a:solidFill>
-                  <a:srgbClr val="0070C0"/>
-                </a:solidFill>
-                <a:highlight>
-                  <a:srgbClr val="FFFF00"/>
-                </a:highlight>
-              </a:rPr>
-              <a:t>Squeezenet</a:t>
+              <a:t> pipeline</a:t>
             </a:r>
             <a:endParaRPr dirty="0">
               <a:highlight>
@@ -12523,10 +12828,10 @@
       </p:sp>
       <p:sp>
         <p:nvSpPr>
-          <p:cNvPr id="3" name="Google Shape;122;g133c1f20611_0_10">
+          <p:cNvPr id="2" name="Google Shape;122;g133c1f20611_0_10">
             <a:extLst>
               <a:ext uri="{FF2B5EF4-FFF2-40B4-BE49-F238E27FC236}">
-                <a16:creationId xmlns:a16="http://schemas.microsoft.com/office/drawing/2014/main" id="{9ADD59BB-447B-ACF2-C877-9C7F94F5E3C6}"/>
+                <a16:creationId xmlns:a16="http://schemas.microsoft.com/office/drawing/2014/main" id="{4AEB22DA-6A87-CEF7-24FA-D3259EF61131}"/>
               </a:ext>
             </a:extLst>
           </p:cNvPr>
@@ -12561,130 +12866,93 @@
               <a:buChar char="§"/>
             </a:pPr>
             <a:r>
-              <a:rPr lang="en-US" sz="1400" b="0" i="1" u="sng" dirty="0" err="1">
-                <a:solidFill>
-                  <a:schemeClr val="tx1">
-                    <a:lumMod val="50000"/>
-                  </a:schemeClr>
-                </a:solidFill>
-                <a:effectLst/>
+              <a:rPr lang="en-US" sz="1200" dirty="0">
                 <a:latin typeface="Proxima Nova" panose="020B0604020202020204" charset="0"/>
               </a:rPr>
-              <a:t>DeepInsight</a:t>
-            </a:r>
-            <a:r>
-              <a:rPr lang="en-US" sz="1400" b="0" i="0" dirty="0">
-                <a:solidFill>
-                  <a:schemeClr val="tx1">
-                    <a:lumMod val="50000"/>
-                  </a:schemeClr>
-                </a:solidFill>
-                <a:effectLst/>
-                <a:latin typeface="Proxima Nova" panose="020B0604020202020204" charset="0"/>
-              </a:rPr>
-              <a:t>:</a:t>
-            </a:r>
-          </a:p>
-          <a:p>
-            <a:pPr lvl="1">
-              <a:buFont typeface="Wingdings" panose="05000000000000000000" pitchFamily="2" charset="2"/>
-              <a:buChar char="§"/>
-            </a:pPr>
-            <a:r>
-              <a:rPr lang="en-US" b="0" i="0" dirty="0">
-                <a:solidFill>
-                  <a:schemeClr val="tx1">
-                    <a:lumMod val="50000"/>
-                  </a:schemeClr>
-                </a:solidFill>
-                <a:effectLst/>
-                <a:latin typeface="Proxima Nova" panose="020B0604020202020204" charset="0"/>
-              </a:rPr>
-              <a:t>A methodology to transform a non-image data to an image for convolution neural network architecture</a:t>
-            </a:r>
-          </a:p>
-          <a:p>
-            <a:pPr lvl="1">
-              <a:buFont typeface="Wingdings" panose="05000000000000000000" pitchFamily="2" charset="2"/>
-              <a:buChar char="§"/>
-            </a:pPr>
-            <a:r>
-              <a:rPr lang="en-US" b="0" i="0" dirty="0">
-                <a:solidFill>
-                  <a:schemeClr val="tx1">
-                    <a:lumMod val="50000"/>
-                  </a:schemeClr>
-                </a:solidFill>
-                <a:effectLst/>
-                <a:latin typeface="Proxima Nova" panose="020B0604020202020204" charset="0"/>
-                <a:hlinkClick r:id="rId3"/>
-              </a:rPr>
-              <a:t>https://www.nature.com/articles/s41598-019-47765-6</a:t>
-            </a:r>
-            <a:endParaRPr lang="en-US" b="0" i="0" dirty="0">
-              <a:solidFill>
-                <a:schemeClr val="tx1">
-                  <a:lumMod val="50000"/>
-                </a:schemeClr>
-              </a:solidFill>
-              <a:effectLst/>
-              <a:latin typeface="Proxima Nova" panose="020B0604020202020204" charset="0"/>
-            </a:endParaRPr>
-          </a:p>
-          <a:p>
-            <a:pPr lvl="1">
-              <a:buFont typeface="Wingdings" panose="05000000000000000000" pitchFamily="2" charset="2"/>
-              <a:buChar char="§"/>
-            </a:pPr>
-            <a:endParaRPr lang="en-US" sz="1400" u="sng" dirty="0">
-              <a:solidFill>
-                <a:schemeClr val="tx1">
-                  <a:lumMod val="50000"/>
-                </a:schemeClr>
-              </a:solidFill>
-              <a:latin typeface="Proxima Nova" panose="020B0604020202020204" charset="0"/>
-            </a:endParaRPr>
+              <a:t>The conversion from Cartesian coordinates to pixel frames is done by averaging some features as the image size has a pixel limitation.</a:t>
+            </a:r>
           </a:p>
           <a:p>
             <a:pPr>
               <a:buFont typeface="Wingdings" panose="05000000000000000000" pitchFamily="2" charset="2"/>
               <a:buChar char="§"/>
             </a:pPr>
-            <a:r>
-              <a:rPr lang="en-US" sz="1400" i="1" u="sng" dirty="0">
-                <a:solidFill>
-                  <a:schemeClr val="tx1">
-                    <a:lumMod val="50000"/>
-                  </a:schemeClr>
-                </a:solidFill>
+            <a:endParaRPr lang="en-US" sz="1200" dirty="0">
+              <a:latin typeface="Proxima Nova" panose="020B0604020202020204" charset="0"/>
+            </a:endParaRPr>
+          </a:p>
+          <a:p>
+            <a:pPr marL="107948" indent="0">
+              <a:buNone/>
+            </a:pPr>
+            <a:r>
+              <a:rPr lang="en-US" sz="1200" dirty="0">
                 <a:latin typeface="Proxima Nova" panose="020B0604020202020204" charset="0"/>
               </a:rPr>
-              <a:t>Examples:</a:t>
-            </a:r>
-          </a:p>
-          <a:p>
-            <a:pPr lvl="1">
-              <a:buFont typeface="Wingdings" panose="05000000000000000000" pitchFamily="2" charset="2"/>
-              <a:buChar char="§"/>
+              <a:t>Drawbacks and concerns: </a:t>
+            </a:r>
+          </a:p>
+          <a:p>
+            <a:pPr marL="107948" indent="0">
+              <a:buNone/>
             </a:pPr>
-            <a:r>
-              <a:rPr lang="en-US" i="1" u="sng" dirty="0">
-                <a:solidFill>
-                  <a:schemeClr val="tx1">
-                    <a:lumMod val="50000"/>
-                  </a:schemeClr>
-                </a:solidFill>
+            <a:endParaRPr lang="en-US" sz="1200" dirty="0">
+              <a:latin typeface="Proxima Nova" panose="020B0604020202020204" charset="0"/>
+            </a:endParaRPr>
+          </a:p>
+          <a:p>
+            <a:pPr marL="107948" indent="0">
+              <a:buNone/>
+            </a:pPr>
+            <a:r>
+              <a:rPr lang="en-US" sz="1200" dirty="0">
                 <a:latin typeface="Proxima Nova" panose="020B0604020202020204" charset="0"/>
               </a:rPr>
-              <a:t>https://github.com/alok-ai-lab/pyDeepInsight/blob/75ac7e62d5c10c35828b76bd547ec9e66960303c/examples/pytorch_squeezenet.ipynb</a:t>
-            </a:r>
+              <a:t>1) If the resolution of image or grid size is very small (compared to the number of features given), then many features overlap with each other, and image representation may not be very accurate. An appropriate resolution should be selected given the hardware capacity and the number of features required to process. Alternatively, dimensionality reduction may be applied a priori. </a:t>
+            </a:r>
+          </a:p>
+          <a:p>
+            <a:pPr marL="107948" indent="0">
+              <a:buNone/>
+            </a:pPr>
+            <a:endParaRPr lang="en-US" sz="1200" i="1" u="sng" dirty="0">
+              <a:solidFill>
+                <a:schemeClr val="bg2"/>
+              </a:solidFill>
+              <a:latin typeface="Proxima Nova" panose="020B0604020202020204" charset="0"/>
+            </a:endParaRPr>
+          </a:p>
+          <a:p>
+            <a:pPr marL="107948" indent="0">
+              <a:buNone/>
+            </a:pPr>
+            <a:r>
+              <a:rPr lang="en-US" sz="1200" dirty="0">
+                <a:solidFill>
+                  <a:schemeClr val="bg2"/>
+                </a:solidFill>
+                <a:latin typeface="Proxima Nova" panose="020B0604020202020204" charset="0"/>
+              </a:rPr>
+              <a:t>2) The authors acknowledge the fact that classical ML algorithms that employ experts- and manually-based methods for feature extraction are not appropriate for modern networks due to: (1) handheld devices’ massive deployment, such as smartphones and tablets, considerably increases mobile traffic volume, (2) the massive adoption of the encrypted network protocols, e.g., Transport Layer Security (TLS), reduces the effectiveness of DPI techniques based on ML algorithms, and (3) considering the ever-increasing development of mobile applications and the changing nature of mobile traffic, implementing up-to-date and accurate traffic classifiers through classical ML algorithms is challenging.</a:t>
+            </a:r>
+          </a:p>
+          <a:p>
+            <a:pPr marL="107948" indent="0">
+              <a:buNone/>
+            </a:pPr>
+            <a:endParaRPr lang="en-US" sz="1400" i="1" u="sng" dirty="0">
+              <a:solidFill>
+                <a:schemeClr val="bg2"/>
+              </a:solidFill>
+              <a:latin typeface="Proxima Nova" panose="020B0604020202020204" charset="0"/>
+            </a:endParaRPr>
           </a:p>
         </p:txBody>
       </p:sp>
     </p:spTree>
     <p:extLst>
       <p:ext uri="{BB962C8B-B14F-4D97-AF65-F5344CB8AC3E}">
-        <p14:creationId xmlns:p14="http://schemas.microsoft.com/office/powerpoint/2010/main" val="3996422250"/>
+        <p14:creationId xmlns:p14="http://schemas.microsoft.com/office/powerpoint/2010/main" val="2704675486"/>
       </p:ext>
     </p:extLst>
   </p:cSld>
@@ -12741,7 +13009,7 @@
           <a:lstStyle/>
           <a:p>
             <a:r>
-              <a:rPr lang="en-US" dirty="0" err="1">
+              <a:rPr lang="en-US" dirty="0">
                 <a:solidFill>
                   <a:srgbClr val="0070C0"/>
                 </a:solidFill>
@@ -12749,18 +13017,7 @@
                   <a:srgbClr val="FFFF00"/>
                 </a:highlight>
               </a:rPr>
-              <a:t>DeepInsight</a:t>
-            </a:r>
-            <a:r>
-              <a:rPr lang="en-US" dirty="0">
-                <a:solidFill>
-                  <a:srgbClr val="0070C0"/>
-                </a:solidFill>
-                <a:highlight>
-                  <a:srgbClr val="FFFF00"/>
-                </a:highlight>
-              </a:rPr>
-              <a:t> pipeline</a:t>
+              <a:t>Models</a:t>
             </a:r>
             <a:endParaRPr dirty="0">
               <a:highlight>
@@ -12810,24 +13067,22 @@
               <a:buChar char="§"/>
             </a:pPr>
             <a:r>
-              <a:rPr lang="en-US" sz="1200" dirty="0"/>
-              <a:t>If the data dimensionality is extremely large and </a:t>
-            </a:r>
-            <a:r>
-              <a:rPr lang="en-US" sz="1200" dirty="0" err="1"/>
-              <a:t>difcult</a:t>
-            </a:r>
-            <a:r>
-              <a:rPr lang="en-US" sz="1200" dirty="0"/>
-              <a:t> to handle due to hardware limitations, then the dimensionality reduction technique (DRT) may be considered before applying </a:t>
-            </a:r>
-            <a:r>
-              <a:rPr lang="en-US" sz="1200" dirty="0" err="1"/>
-              <a:t>DeepInsight</a:t>
-            </a:r>
-            <a:r>
-              <a:rPr lang="en-US" sz="1200" dirty="0"/>
-              <a:t>.</a:t>
+              <a:rPr lang="en-US" sz="1400" dirty="0" err="1">
+                <a:solidFill>
+                  <a:schemeClr val="bg2"/>
+                </a:solidFill>
+                <a:latin typeface="Proxima Nova" panose="020B0604020202020204" charset="0"/>
+              </a:rPr>
+              <a:t>Aceto</a:t>
+            </a:r>
+            <a:r>
+              <a:rPr lang="en-US" sz="1400" dirty="0">
+                <a:solidFill>
+                  <a:schemeClr val="bg2"/>
+                </a:solidFill>
+                <a:latin typeface="Proxima Nova" panose="020B0604020202020204" charset="0"/>
+              </a:rPr>
+              <a:t> et al. [x] studied DL-based models for mobile traffic classification. They reproduced several DL classifiers, e.g., MLP, LSTM, CNN, and SAE, from the traffic classification literature in order to make a comprehensive evaluation for showing the accuracy of these classifiers.</a:t>
             </a:r>
           </a:p>
           <a:p>
@@ -12835,65 +13090,34 @@
               <a:buFont typeface="Wingdings" panose="05000000000000000000" pitchFamily="2" charset="2"/>
               <a:buChar char="§"/>
             </a:pPr>
-            <a:endParaRPr lang="en-US" sz="1200" dirty="0"/>
-          </a:p>
-          <a:p>
-            <a:pPr>
-              <a:buFont typeface="Wingdings" panose="05000000000000000000" pitchFamily="2" charset="2"/>
-              <a:buChar char="§"/>
-            </a:pPr>
-            <a:r>
-              <a:rPr lang="en-US" sz="1200" dirty="0"/>
-              <a:t>The DRT can be either in the form of feature selection or feature extraction depending upon the nature of the problem.</a:t>
-            </a:r>
-          </a:p>
-          <a:p>
-            <a:pPr>
-              <a:buFont typeface="Wingdings" panose="05000000000000000000" pitchFamily="2" charset="2"/>
-              <a:buChar char="§"/>
-            </a:pPr>
-            <a:endParaRPr lang="en-US" sz="1200" dirty="0"/>
-          </a:p>
-          <a:p>
-            <a:pPr>
-              <a:buFont typeface="Wingdings" panose="05000000000000000000" pitchFamily="2" charset="2"/>
-              <a:buChar char="§"/>
-            </a:pPr>
-            <a:r>
-              <a:rPr lang="en-US" sz="1200" dirty="0"/>
-              <a:t>The application of DRT will provide a small feature set which will help in faster processing, however, can risk classification performance. On the other hand, if noisy or redundant features are removed then it could help to get higher processing speed as well as better accuracy. </a:t>
-            </a:r>
-            <a:r>
-              <a:rPr lang="en-US" sz="1200" b="1" i="1" dirty="0"/>
-              <a:t>Since the application of DRT is case dependent, we have described </a:t>
-            </a:r>
-            <a:r>
-              <a:rPr lang="en-US" sz="1200" b="1" i="1" dirty="0" err="1"/>
-              <a:t>DeepInsight</a:t>
-            </a:r>
-            <a:r>
-              <a:rPr lang="en-US" sz="1200" b="1" i="1" dirty="0"/>
-              <a:t> without applying DRT.</a:t>
-            </a:r>
-          </a:p>
-          <a:p>
-            <a:pPr>
-              <a:buFont typeface="Wingdings" panose="05000000000000000000" pitchFamily="2" charset="2"/>
-              <a:buChar char="§"/>
-            </a:pPr>
-            <a:endParaRPr lang="en-US" sz="1400" i="1" u="sng" dirty="0">
+            <a:endParaRPr lang="en-US" sz="1400" dirty="0">
               <a:solidFill>
                 <a:schemeClr val="bg2"/>
               </a:solidFill>
               <a:latin typeface="Proxima Nova" panose="020B0604020202020204" charset="0"/>
             </a:endParaRPr>
           </a:p>
+          <a:p>
+            <a:pPr>
+              <a:buFont typeface="Wingdings" panose="05000000000000000000" pitchFamily="2" charset="2"/>
+              <a:buChar char="§"/>
+            </a:pPr>
+            <a:r>
+              <a:rPr lang="en-US" sz="1400" dirty="0">
+                <a:solidFill>
+                  <a:schemeClr val="bg2"/>
+                </a:solidFill>
+                <a:latin typeface="Proxima Nova" panose="020B0604020202020204" charset="0"/>
+              </a:rPr>
+              <a:t>Among DL-based classifiers, the best performance is related to 1D-CNN with 76.37%/85.70% accuracy and the F-measure of 75.56%/78.78% on FB-FBM and Android dataset, respectively.</a:t>
+            </a:r>
+          </a:p>
         </p:txBody>
       </p:sp>
     </p:spTree>
     <p:extLst>
       <p:ext uri="{BB962C8B-B14F-4D97-AF65-F5344CB8AC3E}">
-        <p14:creationId xmlns:p14="http://schemas.microsoft.com/office/powerpoint/2010/main" val="3210217016"/>
+        <p14:creationId xmlns:p14="http://schemas.microsoft.com/office/powerpoint/2010/main" val="1351287979"/>
       </p:ext>
     </p:extLst>
   </p:cSld>
@@ -12950,7 +13174,7 @@
           <a:lstStyle/>
           <a:p>
             <a:r>
-              <a:rPr lang="en-US" dirty="0" err="1">
+              <a:rPr lang="en-US" dirty="0">
                 <a:solidFill>
                   <a:srgbClr val="0070C0"/>
                 </a:solidFill>
@@ -12958,18 +13182,7 @@
                   <a:srgbClr val="FFFF00"/>
                 </a:highlight>
               </a:rPr>
-              <a:t>DeepInsight</a:t>
-            </a:r>
-            <a:r>
-              <a:rPr lang="en-US" dirty="0">
-                <a:solidFill>
-                  <a:srgbClr val="0070C0"/>
-                </a:solidFill>
-                <a:highlight>
-                  <a:srgbClr val="FFFF00"/>
-                </a:highlight>
-              </a:rPr>
-              <a:t> pipeline</a:t>
+              <a:t>Models (industry)</a:t>
             </a:r>
             <a:endParaRPr dirty="0">
               <a:highlight>
@@ -13019,56 +13232,16 @@
               <a:buChar char="§"/>
             </a:pPr>
             <a:r>
-              <a:rPr lang="en-US" sz="1200" dirty="0">
+              <a:rPr lang="en-US" sz="1000" dirty="0">
+                <a:solidFill>
+                  <a:schemeClr val="bg2"/>
+                </a:solidFill>
                 <a:latin typeface="Proxima Nova" panose="020B0604020202020204" charset="0"/>
+                <a:hlinkClick r:id="rId3"/>
               </a:rPr>
-              <a:t>The conversion from Cartesian coordinates to pixel frames is done by averaging some features as the image size has a pixel limitation.</a:t>
-            </a:r>
-          </a:p>
-          <a:p>
-            <a:pPr>
-              <a:buFont typeface="Wingdings" panose="05000000000000000000" pitchFamily="2" charset="2"/>
-              <a:buChar char="§"/>
-            </a:pPr>
-            <a:endParaRPr lang="en-US" sz="1200" dirty="0">
-              <a:latin typeface="Proxima Nova" panose="020B0604020202020204" charset="0"/>
-            </a:endParaRPr>
-          </a:p>
-          <a:p>
-            <a:pPr marL="107948" indent="0">
-              <a:buNone/>
-            </a:pPr>
-            <a:r>
-              <a:rPr lang="en-US" sz="1200" dirty="0">
-                <a:latin typeface="Proxima Nova" panose="020B0604020202020204" charset="0"/>
-              </a:rPr>
-              <a:t>Drawbacks and concerns: </a:t>
-            </a:r>
-          </a:p>
-          <a:p>
-            <a:pPr marL="107948" indent="0">
-              <a:buNone/>
-            </a:pPr>
-            <a:endParaRPr lang="en-US" sz="1200" dirty="0">
-              <a:latin typeface="Proxima Nova" panose="020B0604020202020204" charset="0"/>
-            </a:endParaRPr>
-          </a:p>
-          <a:p>
-            <a:pPr marL="107948" indent="0">
-              <a:buNone/>
-            </a:pPr>
-            <a:r>
-              <a:rPr lang="en-US" sz="1200" dirty="0">
-                <a:latin typeface="Proxima Nova" panose="020B0604020202020204" charset="0"/>
-              </a:rPr>
-              <a:t>1) If the resolution of image or grid size is very small (compared to the number of features given), then many features overlap with each other, and image representation may not be very accurate. An appropriate resolution should be selected given the hardware capacity and the number of features required to process. Alternatively, dimensionality reduction may be applied a priori. </a:t>
-            </a:r>
-          </a:p>
-          <a:p>
-            <a:pPr marL="107948" indent="0">
-              <a:buNone/>
-            </a:pPr>
-            <a:endParaRPr lang="en-US" sz="1200" i="1" u="sng" dirty="0">
+              <a:t>https://www.nature.com/articles/s41598-019-47765-6</a:t>
+            </a:r>
+            <a:endParaRPr lang="en-US" sz="1000" dirty="0">
               <a:solidFill>
                 <a:schemeClr val="bg2"/>
               </a:solidFill>
@@ -13076,36 +13249,92 @@
             </a:endParaRPr>
           </a:p>
           <a:p>
-            <a:pPr marL="107948" indent="0">
-              <a:buNone/>
+            <a:pPr>
+              <a:buFont typeface="Wingdings" panose="05000000000000000000" pitchFamily="2" charset="2"/>
+              <a:buChar char="§"/>
             </a:pPr>
-            <a:r>
-              <a:rPr lang="en-US" sz="1200" dirty="0">
-                <a:solidFill>
-                  <a:schemeClr val="bg2"/>
-                </a:solidFill>
-                <a:latin typeface="Proxima Nova" panose="020B0604020202020204" charset="0"/>
-              </a:rPr>
-              <a:t>2) The authors acknowledge the fact that classical ML algorithms that employ experts- and manually-based methods for feature extraction are not appropriate for modern networks due to: (1) handheld devices’ massive deployment, such as smartphones and tablets, considerably increases mobile traffic volume, (2) the massive adoption of the encrypted network protocols, e.g., Transport Layer Security (TLS), reduces the effectiveness of DPI techniques based on ML algorithms, and (3) considering the ever-increasing development of mobile applications and the changing nature of mobile traffic, implementing up-to-date and accurate traffic classifiers through classical ML algorithms is challenging.</a:t>
-            </a:r>
-          </a:p>
-          <a:p>
-            <a:pPr marL="107948" indent="0">
-              <a:buNone/>
-            </a:pPr>
-            <a:endParaRPr lang="en-US" sz="1400" i="1" u="sng" dirty="0">
+            <a:endParaRPr lang="en-US" sz="1000" dirty="0">
               <a:solidFill>
                 <a:schemeClr val="bg2"/>
               </a:solidFill>
               <a:latin typeface="Proxima Nova" panose="020B0604020202020204" charset="0"/>
             </a:endParaRPr>
           </a:p>
+          <a:p>
+            <a:pPr>
+              <a:buFont typeface="Wingdings" panose="05000000000000000000" pitchFamily="2" charset="2"/>
+              <a:buChar char="§"/>
+            </a:pPr>
+            <a:r>
+              <a:rPr lang="en-US" sz="1000" dirty="0">
+                <a:solidFill>
+                  <a:schemeClr val="bg2"/>
+                </a:solidFill>
+                <a:latin typeface="Proxima Nova" panose="020B0604020202020204" charset="0"/>
+              </a:rPr>
+              <a:t>As mentioned, one of the main advantages of CNNs compared to conventional neural networks is the automatic detection of the important features and hierarchical feature extraction. A simple CNN model proposed in [93] for the categorization of encrypted traffic. This paper is one of the first works leveraging CNNs in the context of traffic classification, in which encrypted traffic is transformed into two-dimensional images, and then the images fed into the CNN model to be classified.</a:t>
+            </a:r>
+          </a:p>
+          <a:p>
+            <a:pPr marL="107948" indent="0">
+              <a:buNone/>
+            </a:pPr>
+            <a:endParaRPr lang="en-US" sz="1000" dirty="0">
+              <a:solidFill>
+                <a:schemeClr val="bg2"/>
+              </a:solidFill>
+              <a:latin typeface="Proxima Nova" panose="020B0604020202020204" charset="0"/>
+            </a:endParaRPr>
+          </a:p>
+          <a:p>
+            <a:pPr>
+              <a:buFont typeface="Wingdings" panose="05000000000000000000" pitchFamily="2" charset="2"/>
+              <a:buChar char="§"/>
+            </a:pPr>
+            <a:r>
+              <a:rPr lang="en-US" sz="1000" dirty="0">
+                <a:solidFill>
+                  <a:schemeClr val="bg2"/>
+                </a:solidFill>
+                <a:latin typeface="Proxima Nova" panose="020B0604020202020204" charset="0"/>
+              </a:rPr>
+              <a:t>The authors reported an accuracy of 1D-CNN 1%, 82%, 98%, and 86%, and 2D-CNN 1%, 80%, 97%, and 84% for four different experiments, respectively. The main advantages of the method presented in this work over the existing traffic classifiers, such as classical ML classifiers, include:</a:t>
+            </a:r>
+          </a:p>
+          <a:p>
+            <a:pPr marL="107948" indent="0">
+              <a:buNone/>
+            </a:pPr>
+            <a:r>
+              <a:rPr lang="en-US" sz="1000" dirty="0">
+                <a:solidFill>
+                  <a:schemeClr val="bg2"/>
+                </a:solidFill>
+                <a:latin typeface="Proxima Nova" panose="020B0604020202020204" charset="0"/>
+              </a:rPr>
+              <a:t>	 (1) integrating feature extraction/selection/classification phases into an end-to-end framework;</a:t>
+            </a:r>
+          </a:p>
+          <a:p>
+            <a:pPr marL="107948" indent="0">
+              <a:buNone/>
+            </a:pPr>
+            <a:r>
+              <a:rPr lang="en-US" sz="1000" dirty="0">
+                <a:solidFill>
+                  <a:schemeClr val="bg2"/>
+                </a:solidFill>
+                <a:latin typeface="Proxima Nova" panose="020B0604020202020204" charset="0"/>
+              </a:rPr>
+              <a:t>	(2) categorization of the encrypted network traffic which is a challenging task for the traditional classifiers</a:t>
+            </a:r>
+          </a:p>
         </p:txBody>
       </p:sp>
     </p:spTree>
     <p:extLst>
       <p:ext uri="{BB962C8B-B14F-4D97-AF65-F5344CB8AC3E}">
-        <p14:creationId xmlns:p14="http://schemas.microsoft.com/office/powerpoint/2010/main" val="2704675486"/>
+        <p14:creationId xmlns:p14="http://schemas.microsoft.com/office/powerpoint/2010/main" val="2325453369"/>
       </p:ext>
     </p:extLst>
   </p:cSld>
@@ -13431,7 +13660,7 @@
                   <a:srgbClr val="FFFF00"/>
                 </a:highlight>
               </a:rPr>
-              <a:t>Models</a:t>
+              <a:t>Models (industry)</a:t>
             </a:r>
             <a:endParaRPr dirty="0">
               <a:highlight>
@@ -13481,30 +13710,16 @@
               <a:buChar char="§"/>
             </a:pPr>
             <a:r>
-              <a:rPr lang="en-US" sz="1400" dirty="0" err="1">
+              <a:rPr lang="en-US" sz="1000" dirty="0">
                 <a:solidFill>
                   <a:schemeClr val="bg2"/>
                 </a:solidFill>
                 <a:latin typeface="Proxima Nova" panose="020B0604020202020204" charset="0"/>
+                <a:hlinkClick r:id="rId3"/>
               </a:rPr>
-              <a:t>Aceto</a:t>
-            </a:r>
-            <a:r>
-              <a:rPr lang="en-US" sz="1400" dirty="0">
-                <a:solidFill>
-                  <a:schemeClr val="bg2"/>
-                </a:solidFill>
-                <a:latin typeface="Proxima Nova" panose="020B0604020202020204" charset="0"/>
-              </a:rPr>
-              <a:t> et al. [x] studied DL-based models for mobile traffic classification. They reproduced several DL classifiers, e.g., MLP, LSTM, CNN, and SAE, from the traffic classification literature in order to make a comprehensive evaluation for showing the accuracy of these classifiers.</a:t>
-            </a:r>
-          </a:p>
-          <a:p>
-            <a:pPr>
-              <a:buFont typeface="Wingdings" panose="05000000000000000000" pitchFamily="2" charset="2"/>
-              <a:buChar char="§"/>
-            </a:pPr>
-            <a:endParaRPr lang="en-US" sz="1400" dirty="0">
+              <a:t>https://www.nature.com/articles/s41598-019-47765-6</a:t>
+            </a:r>
+            <a:endParaRPr lang="en-US" sz="1000" dirty="0">
               <a:solidFill>
                 <a:schemeClr val="bg2"/>
               </a:solidFill>
@@ -13516,14 +13731,53 @@
               <a:buFont typeface="Wingdings" panose="05000000000000000000" pitchFamily="2" charset="2"/>
               <a:buChar char="§"/>
             </a:pPr>
-            <a:r>
-              <a:rPr lang="en-US" sz="1400" dirty="0">
+            <a:endParaRPr lang="en-US" sz="1000" dirty="0">
+              <a:solidFill>
+                <a:schemeClr val="bg2"/>
+              </a:solidFill>
+              <a:latin typeface="Proxima Nova" panose="020B0604020202020204" charset="0"/>
+            </a:endParaRPr>
+          </a:p>
+          <a:p>
+            <a:pPr>
+              <a:buFont typeface="Wingdings" panose="05000000000000000000" pitchFamily="2" charset="2"/>
+              <a:buChar char="§"/>
+            </a:pPr>
+            <a:r>
+              <a:rPr lang="en-US" sz="1000" dirty="0">
                 <a:solidFill>
                   <a:schemeClr val="bg2"/>
                 </a:solidFill>
                 <a:latin typeface="Proxima Nova" panose="020B0604020202020204" charset="0"/>
               </a:rPr>
-              <a:t>Among DL-based classifiers, the best performance is related to 1D-CNN with 76.37%/85.70% accuracy and the F-measure of 75.56%/78.78% on FB-FBM and Android dataset, respectively.</a:t>
+              <a:t>In [94], the authors also adopted the CNN model for IP traffic classification. They converted sequences into images that fully represent the patterns of different applications, such as Facebook and Instagram. Then, the CNN model is employed to classify the images to different applications. Rezaei and Liu proposed a one-dimensional CNN-based semi-supervised approach to categorize five Google applications [95]. To reduce the need for large labeled traffic datasets, first, the model is pre-trained on a big unlabeled training test where the time series characteristics of a few samples of packets are considered as the input.</a:t>
+            </a:r>
+          </a:p>
+          <a:p>
+            <a:pPr>
+              <a:buFont typeface="Wingdings" panose="05000000000000000000" pitchFamily="2" charset="2"/>
+              <a:buChar char="§"/>
+            </a:pPr>
+            <a:endParaRPr lang="en-US" sz="1000" dirty="0">
+              <a:solidFill>
+                <a:schemeClr val="bg2"/>
+              </a:solidFill>
+              <a:latin typeface="Proxima Nova" panose="020B0604020202020204" charset="0"/>
+            </a:endParaRPr>
+          </a:p>
+          <a:p>
+            <a:pPr>
+              <a:buFont typeface="Wingdings" panose="05000000000000000000" pitchFamily="2" charset="2"/>
+              <a:buChar char="§"/>
+            </a:pPr>
+            <a:r>
+              <a:rPr lang="en-US" sz="1000" dirty="0">
+                <a:solidFill>
+                  <a:schemeClr val="bg2"/>
+                </a:solidFill>
+                <a:latin typeface="Proxima Nova" panose="020B0604020202020204" charset="0"/>
+              </a:rPr>
+              <a:t>The proposed method’s performance is evaluated with different sampling techniques (i.e., fixed step sampling, random sampling, and incremental sampling) on three different datasets, including the QUIC dataset, Unlabeled Waikato dataset, and Ariel dataset. The proposed pre-trained method achieved higher accuracy than its non-pre-trained counterpart, with 81.50%, 81.27%, and 80.76% on the QUIC dataset for the sampling techniques. As mentioned, the authors use a 1D-CNN as a classifier because they believe the using of new applications and network encryption techniques have considerably raised the complexity of the traffic classification tasks, mainly when one uses classical ML-based methods.</a:t>
             </a:r>
           </a:p>
         </p:txBody>
@@ -13531,7 +13785,7 @@
     </p:spTree>
     <p:extLst>
       <p:ext uri="{BB962C8B-B14F-4D97-AF65-F5344CB8AC3E}">
-        <p14:creationId xmlns:p14="http://schemas.microsoft.com/office/powerpoint/2010/main" val="1351287979"/>
+        <p14:creationId xmlns:p14="http://schemas.microsoft.com/office/powerpoint/2010/main" val="30448961"/>
       </p:ext>
     </p:extLst>
   </p:cSld>
@@ -13596,7 +13850,7 @@
                   <a:srgbClr val="FFFF00"/>
                 </a:highlight>
               </a:rPr>
-              <a:t>Models (industry)</a:t>
+              <a:t>Industry insights</a:t>
             </a:r>
             <a:endParaRPr dirty="0">
               <a:highlight>
@@ -13606,149 +13860,40 @@
           </a:p>
         </p:txBody>
       </p:sp>
-      <p:sp>
-        <p:nvSpPr>
-          <p:cNvPr id="2" name="Google Shape;122;g133c1f20611_0_10">
+      <p:pic>
+        <p:nvPicPr>
+          <p:cNvPr id="5" name="Picture 4">
             <a:extLst>
               <a:ext uri="{FF2B5EF4-FFF2-40B4-BE49-F238E27FC236}">
-                <a16:creationId xmlns:a16="http://schemas.microsoft.com/office/drawing/2014/main" id="{4AEB22DA-6A87-CEF7-24FA-D3259EF61131}"/>
+                <a16:creationId xmlns:a16="http://schemas.microsoft.com/office/drawing/2014/main" id="{5D892936-3F03-4E26-6152-8D236ADABB8B}"/>
               </a:ext>
             </a:extLst>
           </p:cNvPr>
-          <p:cNvSpPr txBox="1">
-            <a:spLocks noGrp="1"/>
-          </p:cNvSpPr>
-          <p:nvPr>
-            <p:ph type="body" idx="1"/>
-          </p:nvPr>
-        </p:nvSpPr>
+          <p:cNvPicPr>
+            <a:picLocks noChangeAspect="1"/>
+          </p:cNvPicPr>
+          <p:nvPr/>
+        </p:nvPicPr>
+        <p:blipFill>
+          <a:blip r:embed="rId3"/>
+          <a:stretch>
+            <a:fillRect/>
+          </a:stretch>
+        </p:blipFill>
         <p:spPr>
           <a:xfrm>
-            <a:off x="311700" y="1152475"/>
-            <a:ext cx="8520600" cy="3416400"/>
+            <a:off x="1248266" y="1100898"/>
+            <a:ext cx="6647468" cy="3333258"/>
           </a:xfrm>
           <a:prstGeom prst="rect">
             <a:avLst/>
           </a:prstGeom>
-          <a:noFill/>
-          <a:ln>
-            <a:noFill/>
-          </a:ln>
         </p:spPr>
-        <p:txBody>
-          <a:bodyPr spcFirstLastPara="1" wrap="square" lIns="91425" tIns="91425" rIns="91425" bIns="91425" anchor="t" anchorCtr="0">
-            <a:noAutofit/>
-          </a:bodyPr>
-          <a:lstStyle/>
-          <a:p>
-            <a:pPr>
-              <a:buFont typeface="Wingdings" panose="05000000000000000000" pitchFamily="2" charset="2"/>
-              <a:buChar char="§"/>
-            </a:pPr>
-            <a:r>
-              <a:rPr lang="en-US" sz="1000" dirty="0">
-                <a:solidFill>
-                  <a:schemeClr val="bg2"/>
-                </a:solidFill>
-                <a:latin typeface="Proxima Nova" panose="020B0604020202020204" charset="0"/>
-                <a:hlinkClick r:id="rId3"/>
-              </a:rPr>
-              <a:t>https://www.nature.com/articles/s41598-019-47765-6</a:t>
-            </a:r>
-            <a:endParaRPr lang="en-US" sz="1000" dirty="0">
-              <a:solidFill>
-                <a:schemeClr val="bg2"/>
-              </a:solidFill>
-              <a:latin typeface="Proxima Nova" panose="020B0604020202020204" charset="0"/>
-            </a:endParaRPr>
-          </a:p>
-          <a:p>
-            <a:pPr>
-              <a:buFont typeface="Wingdings" panose="05000000000000000000" pitchFamily="2" charset="2"/>
-              <a:buChar char="§"/>
-            </a:pPr>
-            <a:endParaRPr lang="en-US" sz="1000" dirty="0">
-              <a:solidFill>
-                <a:schemeClr val="bg2"/>
-              </a:solidFill>
-              <a:latin typeface="Proxima Nova" panose="020B0604020202020204" charset="0"/>
-            </a:endParaRPr>
-          </a:p>
-          <a:p>
-            <a:pPr>
-              <a:buFont typeface="Wingdings" panose="05000000000000000000" pitchFamily="2" charset="2"/>
-              <a:buChar char="§"/>
-            </a:pPr>
-            <a:r>
-              <a:rPr lang="en-US" sz="1000" dirty="0">
-                <a:solidFill>
-                  <a:schemeClr val="bg2"/>
-                </a:solidFill>
-                <a:latin typeface="Proxima Nova" panose="020B0604020202020204" charset="0"/>
-              </a:rPr>
-              <a:t>As mentioned, one of the main advantages of CNNs compared to conventional neural networks is the automatic detection of the important features and hierarchical feature extraction. A simple CNN model proposed in [93] for the categorization of encrypted traffic. This paper is one of the first works leveraging CNNs in the context of traffic classification, in which encrypted traffic is transformed into two-dimensional images, and then the images fed into the CNN model to be classified.</a:t>
-            </a:r>
-          </a:p>
-          <a:p>
-            <a:pPr marL="107948" indent="0">
-              <a:buNone/>
-            </a:pPr>
-            <a:endParaRPr lang="en-US" sz="1000" dirty="0">
-              <a:solidFill>
-                <a:schemeClr val="bg2"/>
-              </a:solidFill>
-              <a:latin typeface="Proxima Nova" panose="020B0604020202020204" charset="0"/>
-            </a:endParaRPr>
-          </a:p>
-          <a:p>
-            <a:pPr>
-              <a:buFont typeface="Wingdings" panose="05000000000000000000" pitchFamily="2" charset="2"/>
-              <a:buChar char="§"/>
-            </a:pPr>
-            <a:r>
-              <a:rPr lang="en-US" sz="1000" dirty="0">
-                <a:solidFill>
-                  <a:schemeClr val="bg2"/>
-                </a:solidFill>
-                <a:latin typeface="Proxima Nova" panose="020B0604020202020204" charset="0"/>
-              </a:rPr>
-              <a:t>The authors reported an accuracy of 1D-CNN 1%, 82%, 98%, and 86%, and 2D-CNN 1%, 80%, 97%, and 84% for four different experiments, respectively. The main advantages of the method presented in this work over the existing traffic classifiers, such as classical ML classifiers, include:</a:t>
-            </a:r>
-          </a:p>
-          <a:p>
-            <a:pPr marL="107948" indent="0">
-              <a:buNone/>
-            </a:pPr>
-            <a:r>
-              <a:rPr lang="en-US" sz="1000" dirty="0">
-                <a:solidFill>
-                  <a:schemeClr val="bg2"/>
-                </a:solidFill>
-                <a:latin typeface="Proxima Nova" panose="020B0604020202020204" charset="0"/>
-              </a:rPr>
-              <a:t>	 (1) integrating feature extraction/selection/classification phases into an end-to-end framework;</a:t>
-            </a:r>
-          </a:p>
-          <a:p>
-            <a:pPr marL="107948" indent="0">
-              <a:buNone/>
-            </a:pPr>
-            <a:r>
-              <a:rPr lang="en-US" sz="1000" dirty="0">
-                <a:solidFill>
-                  <a:schemeClr val="bg2"/>
-                </a:solidFill>
-                <a:latin typeface="Proxima Nova" panose="020B0604020202020204" charset="0"/>
-              </a:rPr>
-              <a:t>	(2) categorization of the encrypted network traffic which is a challenging task for the traditional classifiers</a:t>
-            </a:r>
-          </a:p>
-        </p:txBody>
-      </p:sp>
+      </p:pic>
     </p:spTree>
     <p:extLst>
       <p:ext uri="{BB962C8B-B14F-4D97-AF65-F5344CB8AC3E}">
-        <p14:creationId xmlns:p14="http://schemas.microsoft.com/office/powerpoint/2010/main" val="2325453369"/>
+        <p14:creationId xmlns:p14="http://schemas.microsoft.com/office/powerpoint/2010/main" val="3163860597"/>
       </p:ext>
     </p:extLst>
   </p:cSld>
@@ -13763,7 +13908,7 @@
   <p:cSld>
     <p:spTree>
       <p:nvGrpSpPr>
-        <p:cNvPr id="1" name="Shape 120"/>
+        <p:cNvPr id="1" name="Shape 132"/>
         <p:cNvGrpSpPr/>
         <p:nvPr/>
       </p:nvGrpSpPr>
@@ -13777,7 +13922,7 @@
       </p:grpSpPr>
       <p:sp>
         <p:nvSpPr>
-          <p:cNvPr id="121" name="Google Shape;121;g133c1f20611_0_10"/>
+          <p:cNvPr id="133" name="Google Shape;133;g133c1f20611_0_20"/>
           <p:cNvSpPr txBox="1">
             <a:spLocks noGrp="1"/>
           </p:cNvSpPr>
@@ -13809,40 +13954,34 @@
                 <a:solidFill>
                   <a:srgbClr val="0070C0"/>
                 </a:solidFill>
-                <a:highlight>
-                  <a:srgbClr val="FFFF00"/>
-                </a:highlight>
               </a:rPr>
-              <a:t>Models (industry)</a:t>
+              <a:t>Demo (2 min)</a:t>
             </a:r>
             <a:endParaRPr dirty="0">
-              <a:highlight>
-                <a:srgbClr val="FFFF00"/>
-              </a:highlight>
+              <a:solidFill>
+                <a:srgbClr val="0070C0"/>
+              </a:solidFill>
             </a:endParaRPr>
           </a:p>
         </p:txBody>
       </p:sp>
-      <p:sp>
-        <p:nvSpPr>
-          <p:cNvPr id="2" name="Google Shape;122;g133c1f20611_0_10">
-            <a:extLst>
-              <a:ext uri="{FF2B5EF4-FFF2-40B4-BE49-F238E27FC236}">
-                <a16:creationId xmlns:a16="http://schemas.microsoft.com/office/drawing/2014/main" id="{4AEB22DA-6A87-CEF7-24FA-D3259EF61131}"/>
-              </a:ext>
-            </a:extLst>
-          </p:cNvPr>
-          <p:cNvSpPr txBox="1">
-            <a:spLocks noGrp="1"/>
-          </p:cNvSpPr>
-          <p:nvPr>
-            <p:ph type="body" idx="1"/>
-          </p:nvPr>
-        </p:nvSpPr>
+      <p:pic>
+        <p:nvPicPr>
+          <p:cNvPr id="135" name="Google Shape;135;g133c1f20611_0_20"/>
+          <p:cNvPicPr preferRelativeResize="0"/>
+          <p:nvPr/>
+        </p:nvPicPr>
+        <p:blipFill rotWithShape="1">
+          <a:blip r:embed="rId3">
+            <a:alphaModFix/>
+          </a:blip>
+          <a:srcRect/>
+          <a:stretch/>
+        </p:blipFill>
         <p:spPr>
           <a:xfrm>
-            <a:off x="311700" y="1152475"/>
-            <a:ext cx="8520600" cy="3416400"/>
+            <a:off x="2863800" y="1017725"/>
+            <a:ext cx="3416400" cy="3416400"/>
           </a:xfrm>
           <a:prstGeom prst="rect">
             <a:avLst/>
@@ -13852,95 +13991,8 @@
             <a:noFill/>
           </a:ln>
         </p:spPr>
-        <p:txBody>
-          <a:bodyPr spcFirstLastPara="1" wrap="square" lIns="91425" tIns="91425" rIns="91425" bIns="91425" anchor="t" anchorCtr="0">
-            <a:noAutofit/>
-          </a:bodyPr>
-          <a:lstStyle/>
-          <a:p>
-            <a:pPr>
-              <a:buFont typeface="Wingdings" panose="05000000000000000000" pitchFamily="2" charset="2"/>
-              <a:buChar char="§"/>
-            </a:pPr>
-            <a:r>
-              <a:rPr lang="en-US" sz="1000" dirty="0">
-                <a:solidFill>
-                  <a:schemeClr val="bg2"/>
-                </a:solidFill>
-                <a:latin typeface="Proxima Nova" panose="020B0604020202020204" charset="0"/>
-                <a:hlinkClick r:id="rId3"/>
-              </a:rPr>
-              <a:t>https://www.nature.com/articles/s41598-019-47765-6</a:t>
-            </a:r>
-            <a:endParaRPr lang="en-US" sz="1000" dirty="0">
-              <a:solidFill>
-                <a:schemeClr val="bg2"/>
-              </a:solidFill>
-              <a:latin typeface="Proxima Nova" panose="020B0604020202020204" charset="0"/>
-            </a:endParaRPr>
-          </a:p>
-          <a:p>
-            <a:pPr>
-              <a:buFont typeface="Wingdings" panose="05000000000000000000" pitchFamily="2" charset="2"/>
-              <a:buChar char="§"/>
-            </a:pPr>
-            <a:endParaRPr lang="en-US" sz="1000" dirty="0">
-              <a:solidFill>
-                <a:schemeClr val="bg2"/>
-              </a:solidFill>
-              <a:latin typeface="Proxima Nova" panose="020B0604020202020204" charset="0"/>
-            </a:endParaRPr>
-          </a:p>
-          <a:p>
-            <a:pPr>
-              <a:buFont typeface="Wingdings" panose="05000000000000000000" pitchFamily="2" charset="2"/>
-              <a:buChar char="§"/>
-            </a:pPr>
-            <a:r>
-              <a:rPr lang="en-US" sz="1000" dirty="0">
-                <a:solidFill>
-                  <a:schemeClr val="bg2"/>
-                </a:solidFill>
-                <a:latin typeface="Proxima Nova" panose="020B0604020202020204" charset="0"/>
-              </a:rPr>
-              <a:t>In [94], the authors also adopted the CNN model for IP traffic classification. They converted sequences into images that fully represent the patterns of different applications, such as Facebook and Instagram. Then, the CNN model is employed to classify the images to different applications. Rezaei and Liu proposed a one-dimensional CNN-based semi-supervised approach to categorize five Google applications [95]. To reduce the need for large labeled traffic datasets, first, the model is pre-trained on a big unlabeled training test where the time series characteristics of a few samples of packets are considered as the input.</a:t>
-            </a:r>
-          </a:p>
-          <a:p>
-            <a:pPr>
-              <a:buFont typeface="Wingdings" panose="05000000000000000000" pitchFamily="2" charset="2"/>
-              <a:buChar char="§"/>
-            </a:pPr>
-            <a:endParaRPr lang="en-US" sz="1000" dirty="0">
-              <a:solidFill>
-                <a:schemeClr val="bg2"/>
-              </a:solidFill>
-              <a:latin typeface="Proxima Nova" panose="020B0604020202020204" charset="0"/>
-            </a:endParaRPr>
-          </a:p>
-          <a:p>
-            <a:pPr>
-              <a:buFont typeface="Wingdings" panose="05000000000000000000" pitchFamily="2" charset="2"/>
-              <a:buChar char="§"/>
-            </a:pPr>
-            <a:r>
-              <a:rPr lang="en-US" sz="1000" dirty="0">
-                <a:solidFill>
-                  <a:schemeClr val="bg2"/>
-                </a:solidFill>
-                <a:latin typeface="Proxima Nova" panose="020B0604020202020204" charset="0"/>
-              </a:rPr>
-              <a:t>The proposed method’s performance is evaluated with different sampling techniques (i.e., fixed step sampling, random sampling, and incremental sampling) on three different datasets, including the QUIC dataset, Unlabeled Waikato dataset, and Ariel dataset. The proposed pre-trained method achieved higher accuracy than its non-pre-trained counterpart, with 81.50%, 81.27%, and 80.76% on the QUIC dataset for the sampling techniques. As mentioned, the authors use a 1D-CNN as a classifier because they believe the using of new applications and network encryption techniques have considerably raised the complexity of the traffic classification tasks, mainly when one uses classical ML-based methods.</a:t>
-            </a:r>
-          </a:p>
-        </p:txBody>
-      </p:sp>
+      </p:pic>
     </p:spTree>
-    <p:extLst>
-      <p:ext uri="{BB962C8B-B14F-4D97-AF65-F5344CB8AC3E}">
-        <p14:creationId xmlns:p14="http://schemas.microsoft.com/office/powerpoint/2010/main" val="30448961"/>
-      </p:ext>
-    </p:extLst>
   </p:cSld>
   <p:clrMapOvr>
     <a:masterClrMapping/>
@@ -14000,103 +14052,6 @@
                   <a:srgbClr val="0070C0"/>
                 </a:solidFill>
               </a:rPr>
-              <a:t>Demo (2 min)</a:t>
-            </a:r>
-            <a:endParaRPr dirty="0">
-              <a:solidFill>
-                <a:srgbClr val="0070C0"/>
-              </a:solidFill>
-            </a:endParaRPr>
-          </a:p>
-        </p:txBody>
-      </p:sp>
-      <p:pic>
-        <p:nvPicPr>
-          <p:cNvPr id="135" name="Google Shape;135;g133c1f20611_0_20"/>
-          <p:cNvPicPr preferRelativeResize="0"/>
-          <p:nvPr/>
-        </p:nvPicPr>
-        <p:blipFill rotWithShape="1">
-          <a:blip r:embed="rId3">
-            <a:alphaModFix/>
-          </a:blip>
-          <a:srcRect/>
-          <a:stretch/>
-        </p:blipFill>
-        <p:spPr>
-          <a:xfrm>
-            <a:off x="2863800" y="1017725"/>
-            <a:ext cx="3416400" cy="3416400"/>
-          </a:xfrm>
-          <a:prstGeom prst="rect">
-            <a:avLst/>
-          </a:prstGeom>
-          <a:noFill/>
-          <a:ln>
-            <a:noFill/>
-          </a:ln>
-        </p:spPr>
-      </p:pic>
-    </p:spTree>
-  </p:cSld>
-  <p:clrMapOvr>
-    <a:masterClrMapping/>
-  </p:clrMapOvr>
-</p:sld>
-</file>
-
-<file path=ppt/slides/slide24.xml><?xml version="1.0" encoding="utf-8"?>
-<p:sld xmlns:a="http://schemas.openxmlformats.org/drawingml/2006/main" xmlns:r="http://schemas.openxmlformats.org/officeDocument/2006/relationships" xmlns:p="http://schemas.openxmlformats.org/presentationml/2006/main">
-  <p:cSld>
-    <p:spTree>
-      <p:nvGrpSpPr>
-        <p:cNvPr id="1" name="Shape 132"/>
-        <p:cNvGrpSpPr/>
-        <p:nvPr/>
-      </p:nvGrpSpPr>
-      <p:grpSpPr>
-        <a:xfrm>
-          <a:off x="0" y="0"/>
-          <a:ext cx="0" cy="0"/>
-          <a:chOff x="0" y="0"/>
-          <a:chExt cx="0" cy="0"/>
-        </a:xfrm>
-      </p:grpSpPr>
-      <p:sp>
-        <p:nvSpPr>
-          <p:cNvPr id="133" name="Google Shape;133;g133c1f20611_0_20"/>
-          <p:cNvSpPr txBox="1">
-            <a:spLocks noGrp="1"/>
-          </p:cNvSpPr>
-          <p:nvPr>
-            <p:ph type="title"/>
-          </p:nvPr>
-        </p:nvSpPr>
-        <p:spPr>
-          <a:xfrm>
-            <a:off x="311700" y="445025"/>
-            <a:ext cx="8520600" cy="572700"/>
-          </a:xfrm>
-          <a:prstGeom prst="rect">
-            <a:avLst/>
-          </a:prstGeom>
-          <a:noFill/>
-          <a:ln>
-            <a:noFill/>
-          </a:ln>
-        </p:spPr>
-        <p:txBody>
-          <a:bodyPr spcFirstLastPara="1" wrap="square" lIns="91425" tIns="91425" rIns="91425" bIns="91425" anchor="t" anchorCtr="0">
-            <a:noAutofit/>
-          </a:bodyPr>
-          <a:lstStyle/>
-          <a:p>
-            <a:r>
-              <a:rPr lang="en-US" dirty="0">
-                <a:solidFill>
-                  <a:srgbClr val="0070C0"/>
-                </a:solidFill>
-              </a:rPr>
               <a:t>Challenges</a:t>
             </a:r>
             <a:endParaRPr dirty="0">
@@ -14383,7 +14338,7 @@
 </p:sld>
 </file>
 
-<file path=ppt/slides/slide25.xml><?xml version="1.0" encoding="utf-8"?>
+<file path=ppt/slides/slide24.xml><?xml version="1.0" encoding="utf-8"?>
 <p:sld xmlns:a="http://schemas.openxmlformats.org/drawingml/2006/main" xmlns:r="http://schemas.openxmlformats.org/officeDocument/2006/relationships" xmlns:p="http://schemas.openxmlformats.org/presentationml/2006/main">
   <p:cSld>
     <p:spTree>
@@ -14542,7 +14497,7 @@
 </p:sld>
 </file>
 
-<file path=ppt/slides/slide26.xml><?xml version="1.0" encoding="utf-8"?>
+<file path=ppt/slides/slide25.xml><?xml version="1.0" encoding="utf-8"?>
 <p:sld xmlns:a="http://schemas.openxmlformats.org/drawingml/2006/main" xmlns:r="http://schemas.openxmlformats.org/officeDocument/2006/relationships" xmlns:p="http://schemas.openxmlformats.org/presentationml/2006/main">
   <p:cSld>
     <p:spTree>
@@ -14734,7 +14689,7 @@
 </p:sld>
 </file>
 
-<file path=ppt/slides/slide27.xml><?xml version="1.0" encoding="utf-8"?>
+<file path=ppt/slides/slide26.xml><?xml version="1.0" encoding="utf-8"?>
 <p:sld xmlns:a="http://schemas.openxmlformats.org/drawingml/2006/main" xmlns:r="http://schemas.openxmlformats.org/officeDocument/2006/relationships" xmlns:p="http://schemas.openxmlformats.org/presentationml/2006/main">
   <p:cSld>
     <p:spTree>
@@ -14796,7 +14751,7 @@
 </p:sld>
 </file>
 
-<file path=ppt/slides/slide28.xml><?xml version="1.0" encoding="utf-8"?>
+<file path=ppt/slides/slide27.xml><?xml version="1.0" encoding="utf-8"?>
 <p:sld xmlns:a="http://schemas.openxmlformats.org/drawingml/2006/main" xmlns:r="http://schemas.openxmlformats.org/officeDocument/2006/relationships" xmlns:p="http://schemas.openxmlformats.org/presentationml/2006/main">
   <p:cSld>
     <p:spTree>
@@ -14863,6 +14818,56 @@
           </a:p>
         </p:txBody>
       </p:sp>
+      <p:sp>
+        <p:nvSpPr>
+          <p:cNvPr id="4" name="&quot;No&quot; Symbol 3">
+            <a:extLst>
+              <a:ext uri="{FF2B5EF4-FFF2-40B4-BE49-F238E27FC236}">
+                <a16:creationId xmlns:a16="http://schemas.microsoft.com/office/drawing/2014/main" id="{4952EE89-5601-65B0-41C4-4EE8F2C48669}"/>
+              </a:ext>
+            </a:extLst>
+          </p:cNvPr>
+          <p:cNvSpPr/>
+          <p:nvPr/>
+        </p:nvSpPr>
+        <p:spPr>
+          <a:xfrm>
+            <a:off x="2270927" y="582804"/>
+            <a:ext cx="5215095" cy="3970146"/>
+          </a:xfrm>
+          <a:prstGeom prst="noSmoking">
+            <a:avLst/>
+          </a:prstGeom>
+        </p:spPr>
+        <p:style>
+          <a:lnRef idx="2">
+            <a:schemeClr val="accent1">
+              <a:shade val="50000"/>
+            </a:schemeClr>
+          </a:lnRef>
+          <a:fillRef idx="1">
+            <a:schemeClr val="accent1"/>
+          </a:fillRef>
+          <a:effectRef idx="0">
+            <a:schemeClr val="accent1"/>
+          </a:effectRef>
+          <a:fontRef idx="minor">
+            <a:schemeClr val="lt1"/>
+          </a:fontRef>
+        </p:style>
+        <p:txBody>
+          <a:bodyPr rtlCol="0" anchor="ctr"/>
+          <a:lstStyle/>
+          <a:p>
+            <a:pPr algn="ctr"/>
+            <a:endParaRPr lang="en-US">
+              <a:solidFill>
+                <a:schemeClr val="tx1"/>
+              </a:solidFill>
+            </a:endParaRPr>
+          </a:p>
+        </p:txBody>
+      </p:sp>
     </p:spTree>
     <p:extLst>
       <p:ext uri="{BB962C8B-B14F-4D97-AF65-F5344CB8AC3E}">
@@ -14876,7 +14881,7 @@
 </p:sld>
 </file>
 
-<file path=ppt/slides/slide29.xml><?xml version="1.0" encoding="utf-8"?>
+<file path=ppt/slides/slide28.xml><?xml version="1.0" encoding="utf-8"?>
 <p:sld xmlns:a="http://schemas.openxmlformats.org/drawingml/2006/main" xmlns:r="http://schemas.openxmlformats.org/officeDocument/2006/relationships" xmlns:p="http://schemas.openxmlformats.org/presentationml/2006/main">
   <p:cSld>
     <p:spTree>
@@ -16149,6 +16154,189 @@
 </p:sld>
 </file>
 
+<file path=ppt/slides/slide29.xml><?xml version="1.0" encoding="utf-8"?>
+<p:sld xmlns:a="http://schemas.openxmlformats.org/drawingml/2006/main" xmlns:r="http://schemas.openxmlformats.org/officeDocument/2006/relationships" xmlns:p="http://schemas.openxmlformats.org/presentationml/2006/main">
+  <p:cSld>
+    <p:spTree>
+      <p:nvGrpSpPr>
+        <p:cNvPr id="1" name="Shape 139"/>
+        <p:cNvGrpSpPr/>
+        <p:nvPr/>
+      </p:nvGrpSpPr>
+      <p:grpSpPr>
+        <a:xfrm>
+          <a:off x="0" y="0"/>
+          <a:ext cx="0" cy="0"/>
+          <a:chOff x="0" y="0"/>
+          <a:chExt cx="0" cy="0"/>
+        </a:xfrm>
+      </p:grpSpPr>
+      <p:sp>
+        <p:nvSpPr>
+          <p:cNvPr id="140" name="Google Shape;140;g133c1f20611_0_26"/>
+          <p:cNvSpPr txBox="1">
+            <a:spLocks noGrp="1"/>
+          </p:cNvSpPr>
+          <p:nvPr>
+            <p:ph type="title"/>
+          </p:nvPr>
+        </p:nvSpPr>
+        <p:spPr>
+          <a:prstGeom prst="rect">
+            <a:avLst/>
+          </a:prstGeom>
+          <a:noFill/>
+          <a:ln>
+            <a:noFill/>
+          </a:ln>
+        </p:spPr>
+        <p:txBody>
+          <a:bodyPr spcFirstLastPara="1" wrap="square" lIns="91425" tIns="91425" rIns="91425" bIns="91425" anchor="t" anchorCtr="0">
+            <a:noAutofit/>
+          </a:bodyPr>
+          <a:lstStyle/>
+          <a:p>
+            <a:r>
+              <a:rPr lang="en-US" dirty="0">
+                <a:solidFill>
+                  <a:srgbClr val="0070C0"/>
+                </a:solidFill>
+              </a:rPr>
+              <a:t>MLE Stack (2 min)</a:t>
+            </a:r>
+            <a:endParaRPr dirty="0">
+              <a:solidFill>
+                <a:srgbClr val="0070C0"/>
+              </a:solidFill>
+            </a:endParaRPr>
+          </a:p>
+        </p:txBody>
+      </p:sp>
+      <p:sp>
+        <p:nvSpPr>
+          <p:cNvPr id="3" name="Text Placeholder 2">
+            <a:extLst>
+              <a:ext uri="{FF2B5EF4-FFF2-40B4-BE49-F238E27FC236}">
+                <a16:creationId xmlns:a16="http://schemas.microsoft.com/office/drawing/2014/main" id="{2877AC06-BE06-AA65-B088-6F5AAF7CD6AC}"/>
+              </a:ext>
+            </a:extLst>
+          </p:cNvPr>
+          <p:cNvSpPr>
+            <a:spLocks noGrp="1"/>
+          </p:cNvSpPr>
+          <p:nvPr>
+            <p:ph type="body" idx="1"/>
+          </p:nvPr>
+        </p:nvSpPr>
+        <p:spPr/>
+        <p:txBody>
+          <a:bodyPr/>
+          <a:lstStyle/>
+          <a:p>
+            <a:endParaRPr lang="en-US"/>
+          </a:p>
+        </p:txBody>
+      </p:sp>
+      <p:pic>
+        <p:nvPicPr>
+          <p:cNvPr id="4098" name="Picture 2">
+            <a:extLst>
+              <a:ext uri="{FF2B5EF4-FFF2-40B4-BE49-F238E27FC236}">
+                <a16:creationId xmlns:a16="http://schemas.microsoft.com/office/drawing/2014/main" id="{46C34987-59C2-3B93-F1A2-E3A27840F128}"/>
+              </a:ext>
+            </a:extLst>
+          </p:cNvPr>
+          <p:cNvPicPr>
+            <a:picLocks noChangeAspect="1" noChangeArrowheads="1"/>
+          </p:cNvPicPr>
+          <p:nvPr/>
+        </p:nvPicPr>
+        <p:blipFill>
+          <a:blip r:embed="rId3">
+            <a:extLst>
+              <a:ext uri="{28A0092B-C50C-407E-A947-70E740481C1C}">
+                <a14:useLocalDpi xmlns:a14="http://schemas.microsoft.com/office/drawing/2010/main" val="0"/>
+              </a:ext>
+            </a:extLst>
+          </a:blip>
+          <a:srcRect/>
+          <a:stretch>
+            <a:fillRect/>
+          </a:stretch>
+        </p:blipFill>
+        <p:spPr bwMode="auto">
+          <a:xfrm>
+            <a:off x="1887545" y="1091684"/>
+            <a:ext cx="5368910" cy="2798171"/>
+          </a:xfrm>
+          <a:prstGeom prst="rect">
+            <a:avLst/>
+          </a:prstGeom>
+          <a:noFill/>
+          <a:extLst>
+            <a:ext uri="{909E8E84-426E-40DD-AFC4-6F175D3DCCD1}">
+              <a14:hiddenFill xmlns:a14="http://schemas.microsoft.com/office/drawing/2010/main">
+                <a:solidFill>
+                  <a:srgbClr val="FFFFFF"/>
+                </a:solidFill>
+              </a14:hiddenFill>
+            </a:ext>
+          </a:extLst>
+        </p:spPr>
+      </p:pic>
+      <p:sp>
+        <p:nvSpPr>
+          <p:cNvPr id="2" name="TextBox 1">
+            <a:extLst>
+              <a:ext uri="{FF2B5EF4-FFF2-40B4-BE49-F238E27FC236}">
+                <a16:creationId xmlns:a16="http://schemas.microsoft.com/office/drawing/2014/main" id="{35A60C55-A65A-2986-E023-7868527CF040}"/>
+              </a:ext>
+            </a:extLst>
+          </p:cNvPr>
+          <p:cNvSpPr txBox="1"/>
+          <p:nvPr/>
+        </p:nvSpPr>
+        <p:spPr>
+          <a:xfrm>
+            <a:off x="915956" y="4322118"/>
+            <a:ext cx="7082532" cy="230832"/>
+          </a:xfrm>
+          <a:prstGeom prst="rect">
+            <a:avLst/>
+          </a:prstGeom>
+          <a:noFill/>
+        </p:spPr>
+        <p:txBody>
+          <a:bodyPr wrap="square" rtlCol="0">
+            <a:spAutoFit/>
+          </a:bodyPr>
+          <a:lstStyle/>
+          <a:p>
+            <a:pPr marL="107948" indent="0">
+              <a:buNone/>
+            </a:pPr>
+            <a:r>
+              <a:rPr lang="en-US" sz="900" dirty="0">
+                <a:latin typeface="Proxima Nova" panose="020B0604020202020204" charset="0"/>
+              </a:rPr>
+              <a:t>Source: https://write.agrevolution.in/ds-pipeline-the-much-needed-data-science-infrastructure-design-part-1-the-concept-4ceb57944974</a:t>
+            </a:r>
+          </a:p>
+        </p:txBody>
+      </p:sp>
+    </p:spTree>
+    <p:extLst>
+      <p:ext uri="{BB962C8B-B14F-4D97-AF65-F5344CB8AC3E}">
+        <p14:creationId xmlns:p14="http://schemas.microsoft.com/office/powerpoint/2010/main" val="780567771"/>
+      </p:ext>
+    </p:extLst>
+  </p:cSld>
+  <p:clrMapOvr>
+    <a:masterClrMapping/>
+  </p:clrMapOvr>
+</p:sld>
+</file>
+
 <file path=ppt/slides/slide3.xml><?xml version="1.0" encoding="utf-8"?>
 <p:sld xmlns:a="http://schemas.openxmlformats.org/drawingml/2006/main" xmlns:r="http://schemas.openxmlformats.org/officeDocument/2006/relationships" xmlns:p="http://schemas.openxmlformats.org/presentationml/2006/main">
   <p:cSld>
@@ -16721,8 +16909,52 @@
                 <a:latin typeface="Proxima Nova" panose="020B0604020202020204" charset="0"/>
                 <a:ea typeface="Arial" panose="020B0604020202020204" pitchFamily="34" charset="0"/>
               </a:rPr>
-              <a:t> ML-based Network Intrusion Detection (NID) system that can provide rapid identification of potential intrusions.</a:t>
-            </a:r>
+              <a:t> ML-based Network Intrusion Detection (NID) system that can provide rapid identification of potential intrusions.  </a:t>
+            </a:r>
+          </a:p>
+          <a:p>
+            <a:pPr>
+              <a:buFont typeface="Wingdings" panose="05000000000000000000" pitchFamily="2" charset="2"/>
+              <a:buChar char="§"/>
+            </a:pPr>
+            <a:endParaRPr lang="en-SG" sz="1400" dirty="0">
+              <a:solidFill>
+                <a:schemeClr val="bg2"/>
+              </a:solidFill>
+              <a:latin typeface="Proxima Nova" panose="020B0604020202020204" charset="0"/>
+              <a:ea typeface="Arial" panose="020B0604020202020204" pitchFamily="34" charset="0"/>
+            </a:endParaRPr>
+          </a:p>
+          <a:p>
+            <a:pPr>
+              <a:buFont typeface="Wingdings" panose="05000000000000000000" pitchFamily="2" charset="2"/>
+              <a:buChar char="§"/>
+            </a:pPr>
+            <a:r>
+              <a:rPr lang="en-SG" sz="1400" dirty="0">
+                <a:solidFill>
+                  <a:schemeClr val="bg2"/>
+                </a:solidFill>
+                <a:effectLst/>
+                <a:latin typeface="Proxima Nova" panose="020B0604020202020204" charset="0"/>
+                <a:ea typeface="Arial" panose="020B0604020202020204" pitchFamily="34" charset="0"/>
+              </a:rPr>
+              <a:t>We also plan to test a DL-based (CNN) solution to see if we get better results [define results].</a:t>
+            </a:r>
+          </a:p>
+          <a:p>
+            <a:pPr>
+              <a:buFont typeface="Wingdings" panose="05000000000000000000" pitchFamily="2" charset="2"/>
+              <a:buChar char="§"/>
+            </a:pPr>
+            <a:endParaRPr lang="en-SG" sz="1400" dirty="0">
+              <a:solidFill>
+                <a:schemeClr val="bg2"/>
+              </a:solidFill>
+              <a:effectLst/>
+              <a:latin typeface="Proxima Nova" panose="020B0604020202020204" charset="0"/>
+              <a:ea typeface="Arial" panose="020B0604020202020204" pitchFamily="34" charset="0"/>
+            </a:endParaRPr>
           </a:p>
           <a:p>
             <a:pPr>
@@ -16983,7 +17215,7 @@
   <p:cSld>
     <p:spTree>
       <p:nvGrpSpPr>
-        <p:cNvPr id="1" name="Shape 126"/>
+        <p:cNvPr id="1" name="Shape 139"/>
         <p:cNvGrpSpPr/>
         <p:nvPr/>
       </p:nvGrpSpPr>
@@ -16997,7 +17229,7 @@
       </p:grpSpPr>
       <p:sp>
         <p:nvSpPr>
-          <p:cNvPr id="127" name="Google Shape;127;g133c1f20611_0_15"/>
+          <p:cNvPr id="140" name="Google Shape;140;g133c1f20611_0_26"/>
           <p:cNvSpPr txBox="1">
             <a:spLocks noGrp="1"/>
           </p:cNvSpPr>
@@ -17006,10 +17238,6 @@
           </p:nvPr>
         </p:nvSpPr>
         <p:spPr>
-          <a:xfrm>
-            <a:off x="311700" y="445025"/>
-            <a:ext cx="8520600" cy="572700"/>
-          </a:xfrm>
           <a:prstGeom prst="rect">
             <a:avLst/>
           </a:prstGeom>
@@ -17030,7 +17258,7 @@
                   <a:srgbClr val="0070C0"/>
                 </a:solidFill>
               </a:rPr>
-              <a:t>Information about the Data [&amp; Model]</a:t>
+              <a:t>MLE Stack</a:t>
             </a:r>
             <a:endParaRPr dirty="0">
               <a:solidFill>
@@ -17042,500 +17270,38 @@
       </p:sp>
       <p:sp>
         <p:nvSpPr>
-          <p:cNvPr id="128" name="Google Shape;128;g133c1f20611_0_15"/>
-          <p:cNvSpPr txBox="1">
+          <p:cNvPr id="2" name="Text Placeholder 1">
+            <a:extLst>
+              <a:ext uri="{FF2B5EF4-FFF2-40B4-BE49-F238E27FC236}">
+                <a16:creationId xmlns:a16="http://schemas.microsoft.com/office/drawing/2014/main" id="{8961D4E6-44C6-6F1A-33F1-94B9FE7D930C}"/>
+              </a:ext>
+            </a:extLst>
+          </p:cNvPr>
+          <p:cNvSpPr>
             <a:spLocks noGrp="1"/>
           </p:cNvSpPr>
           <p:nvPr>
             <p:ph type="body" idx="1"/>
           </p:nvPr>
         </p:nvSpPr>
-        <p:spPr>
-          <a:xfrm>
-            <a:off x="311700" y="1152475"/>
-            <a:ext cx="8520600" cy="3416400"/>
-          </a:xfrm>
-          <a:prstGeom prst="rect">
-            <a:avLst/>
-          </a:prstGeom>
-          <a:noFill/>
-          <a:ln>
-            <a:noFill/>
-          </a:ln>
-        </p:spPr>
+        <p:spPr/>
         <p:txBody>
-          <a:bodyPr spcFirstLastPara="1" wrap="square" lIns="91425" tIns="91425" rIns="91425" bIns="91425" anchor="t" anchorCtr="0">
-            <a:noAutofit/>
-          </a:bodyPr>
+          <a:bodyPr/>
           <a:lstStyle/>
           <a:p>
-            <a:pPr>
-              <a:buFont typeface="Wingdings" panose="05000000000000000000" pitchFamily="2" charset="2"/>
-              <a:buChar char="§"/>
-            </a:pPr>
-            <a:r>
-              <a:rPr lang="en-SG" sz="1400" dirty="0">
-                <a:solidFill>
-                  <a:schemeClr val="bg2"/>
-                </a:solidFill>
-                <a:latin typeface="Proxima Nova" panose="020B0604020202020204" charset="0"/>
-              </a:rPr>
-              <a:t>We expect to gain a deeper understanding of network traffic classification based on network traffic data and the use of ML models.</a:t>
-            </a:r>
-            <a:endParaRPr lang="en-US" sz="1400" dirty="0">
-              <a:solidFill>
-                <a:schemeClr val="bg2"/>
-              </a:solidFill>
-              <a:latin typeface="Proxima Nova" panose="020B0604020202020204" charset="0"/>
-            </a:endParaRPr>
-          </a:p>
-          <a:p>
-            <a:pPr>
-              <a:buFont typeface="Wingdings" panose="05000000000000000000" pitchFamily="2" charset="2"/>
-              <a:buChar char="§"/>
-            </a:pPr>
-            <a:r>
-              <a:rPr lang="en-SG" sz="1400" i="1" u="sng" dirty="0">
-                <a:solidFill>
-                  <a:schemeClr val="bg2"/>
-                </a:solidFill>
-                <a:effectLst/>
-                <a:latin typeface="Proxima Nova" panose="020B0604020202020204" charset="0"/>
-                <a:ea typeface="Arial" panose="020B0604020202020204" pitchFamily="34" charset="0"/>
-              </a:rPr>
-              <a:t>Our proposed dataset (UNR-IDD) is based on a custom application that collects and logs the available statistics captured periodically (every 5 sec – tumbling windows) from OpenFlow switches.</a:t>
-            </a:r>
-            <a:r>
-              <a:rPr lang="en-US" sz="1400" i="1" u="sng" dirty="0">
-                <a:solidFill>
-                  <a:schemeClr val="bg2"/>
-                </a:solidFill>
-                <a:effectLst/>
-                <a:latin typeface="Proxima Nova" panose="020B0604020202020204" charset="0"/>
-              </a:rPr>
-              <a:t> </a:t>
-            </a:r>
-            <a:r>
-              <a:rPr lang="en-SG" sz="1400" i="1" u="sng" dirty="0">
-                <a:solidFill>
-                  <a:schemeClr val="bg2"/>
-                </a:solidFill>
-                <a:latin typeface="Proxima Nova" panose="020B0604020202020204" charset="0"/>
-              </a:rPr>
-              <a:t>D</a:t>
-            </a:r>
-            <a:r>
-              <a:rPr lang="en-SG" sz="1400" i="1" u="sng" dirty="0">
-                <a:solidFill>
-                  <a:schemeClr val="bg2"/>
-                </a:solidFill>
-                <a:effectLst/>
-                <a:latin typeface="Proxima Nova" panose="020B0604020202020204" charset="0"/>
-                <a:ea typeface="Arial" panose="020B0604020202020204" pitchFamily="34" charset="0"/>
-              </a:rPr>
-              <a:t>elta port statistics are </a:t>
-            </a:r>
-            <a:r>
-              <a:rPr lang="en-SG" sz="1400" i="1" u="sng" dirty="0">
-                <a:solidFill>
-                  <a:schemeClr val="bg2"/>
-                </a:solidFill>
-                <a:latin typeface="Proxima Nova" panose="020B0604020202020204" charset="0"/>
-                <a:ea typeface="Arial" panose="020B0604020202020204" pitchFamily="34" charset="0"/>
-              </a:rPr>
-              <a:t>also</a:t>
-            </a:r>
-            <a:r>
-              <a:rPr lang="en-SG" sz="1400" i="1" u="sng" dirty="0">
-                <a:solidFill>
-                  <a:schemeClr val="bg2"/>
-                </a:solidFill>
-                <a:effectLst/>
-                <a:latin typeface="Proxima Nova" panose="020B0604020202020204" charset="0"/>
-                <a:ea typeface="Arial" panose="020B0604020202020204" pitchFamily="34" charset="0"/>
-              </a:rPr>
-              <a:t> computed</a:t>
-            </a:r>
-            <a:r>
-              <a:rPr lang="en-US" sz="1400" i="1" u="sng" dirty="0">
-                <a:solidFill>
-                  <a:schemeClr val="bg2"/>
-                </a:solidFill>
-                <a:latin typeface="Proxima Nova" panose="020B0604020202020204" charset="0"/>
-                <a:ea typeface="Arial" panose="020B0604020202020204" pitchFamily="34" charset="0"/>
-              </a:rPr>
-              <a:t>.</a:t>
-            </a:r>
-            <a:endParaRPr lang="en-US" sz="1400" i="1" u="sng" dirty="0">
-              <a:solidFill>
-                <a:schemeClr val="bg2"/>
-              </a:solidFill>
-              <a:latin typeface="Proxima Nova" panose="020B0604020202020204" charset="0"/>
-            </a:endParaRPr>
-          </a:p>
-          <a:p>
-            <a:pPr>
-              <a:buFont typeface="Wingdings" panose="05000000000000000000" pitchFamily="2" charset="2"/>
-              <a:buChar char="§"/>
-            </a:pPr>
-            <a:r>
-              <a:rPr lang="en-SG" sz="1400" dirty="0">
-                <a:solidFill>
-                  <a:schemeClr val="bg2"/>
-                </a:solidFill>
-                <a:effectLst/>
-                <a:latin typeface="Proxima Nova" panose="020B0604020202020204" charset="0"/>
-                <a:ea typeface="Arial" panose="020B0604020202020204" pitchFamily="34" charset="0"/>
-              </a:rPr>
-              <a:t>We expect that the use of a multi-label classification for network analysis</a:t>
-            </a:r>
-            <a:r>
-              <a:rPr lang="en-US" sz="1400" dirty="0">
-                <a:solidFill>
-                  <a:schemeClr val="bg2"/>
-                </a:solidFill>
-                <a:latin typeface="Proxima Nova" panose="020B0604020202020204" charset="0"/>
-                <a:ea typeface="Arial" panose="020B0604020202020204" pitchFamily="34" charset="0"/>
-              </a:rPr>
-              <a:t> </a:t>
-            </a:r>
-            <a:r>
-              <a:rPr lang="en-SG" sz="1400" dirty="0">
-                <a:solidFill>
-                  <a:schemeClr val="bg2"/>
-                </a:solidFill>
-                <a:effectLst/>
-                <a:latin typeface="Proxima Nova" panose="020B0604020202020204" charset="0"/>
-                <a:ea typeface="Arial" panose="020B0604020202020204" pitchFamily="34" charset="0"/>
-              </a:rPr>
-              <a:t>will provide a robust identification of network flow, giving (a Security Team) a better understanding of the type of port flow.</a:t>
-            </a:r>
-            <a:r>
-              <a:rPr lang="en-US" sz="1400" dirty="0">
-                <a:solidFill>
-                  <a:schemeClr val="bg2"/>
-                </a:solidFill>
-                <a:effectLst/>
-                <a:latin typeface="Proxima Nova" panose="020B0604020202020204" charset="0"/>
-              </a:rPr>
-              <a:t> </a:t>
-            </a:r>
-            <a:endParaRPr lang="en-US" sz="1400" dirty="0">
-              <a:solidFill>
-                <a:schemeClr val="bg2"/>
-              </a:solidFill>
-              <a:latin typeface="Proxima Nova" panose="020B0604020202020204" charset="0"/>
-            </a:endParaRPr>
-          </a:p>
-          <a:p>
-            <a:pPr>
-              <a:buFont typeface="Wingdings" panose="05000000000000000000" pitchFamily="2" charset="2"/>
-              <a:buChar char="§"/>
-            </a:pPr>
-            <a:r>
-              <a:rPr lang="en-SG" sz="1400" dirty="0">
-                <a:solidFill>
-                  <a:schemeClr val="bg2"/>
-                </a:solidFill>
-                <a:effectLst/>
-                <a:latin typeface="Proxima Nova" panose="020B0604020202020204" charset="0"/>
-                <a:ea typeface="Arial" panose="020B0604020202020204" pitchFamily="34" charset="0"/>
-              </a:rPr>
-              <a:t>The model Network Intrusion Detection should be deployed to be hit from an API or some sort of streaming process/batch load as events are generated.</a:t>
-            </a:r>
-            <a:r>
-              <a:rPr lang="en-SG" sz="1400" dirty="0">
-                <a:solidFill>
-                  <a:schemeClr val="bg2"/>
-                </a:solidFill>
-                <a:latin typeface="Proxima Nova" panose="020B0604020202020204" charset="0"/>
-                <a:ea typeface="Arial" panose="020B0604020202020204" pitchFamily="34" charset="0"/>
-              </a:rPr>
-              <a:t> (Dashboard)</a:t>
-            </a:r>
-            <a:endParaRPr lang="en-US" sz="1400" dirty="0">
-              <a:solidFill>
-                <a:schemeClr val="bg2"/>
-              </a:solidFill>
-              <a:effectLst/>
-              <a:latin typeface="Proxima Nova" panose="020B0604020202020204" charset="0"/>
-            </a:endParaRPr>
-          </a:p>
-          <a:p>
-            <a:pPr>
-              <a:buFont typeface="Wingdings" panose="05000000000000000000" pitchFamily="2" charset="2"/>
-              <a:buChar char="§"/>
-            </a:pPr>
-            <a:r>
-              <a:rPr lang="en-US" sz="1400" dirty="0">
-                <a:solidFill>
-                  <a:schemeClr val="bg2"/>
-                </a:solidFill>
-                <a:latin typeface="Proxima Nova" panose="020B0604020202020204" charset="0"/>
-              </a:rPr>
-              <a:t>Which model to use still to be determined, but many will be tested;</a:t>
-            </a:r>
-          </a:p>
-          <a:p>
-            <a:pPr>
-              <a:buFont typeface="Wingdings" panose="05000000000000000000" pitchFamily="2" charset="2"/>
-              <a:buChar char="§"/>
-            </a:pPr>
-            <a:endParaRPr lang="en-US" sz="1400" dirty="0">
-              <a:solidFill>
-                <a:schemeClr val="bg2"/>
-              </a:solidFill>
-              <a:latin typeface="Proxima Nova" panose="020B0604020202020204" charset="0"/>
-            </a:endParaRPr>
-          </a:p>
-          <a:p>
-            <a:pPr marL="107948" indent="0" algn="r">
-              <a:buNone/>
-            </a:pPr>
-            <a:r>
-              <a:rPr lang="en-US" sz="1050" dirty="0">
-                <a:hlinkClick r:id="rId3"/>
-              </a:rPr>
-              <a:t>Source: </a:t>
-            </a:r>
-            <a:r>
-              <a:rPr lang="en-US" sz="1050" dirty="0" err="1">
-                <a:hlinkClick r:id="rId3"/>
-              </a:rPr>
-              <a:t>Tapadhir</a:t>
-            </a:r>
-            <a:r>
-              <a:rPr lang="en-US" sz="1050" dirty="0">
-                <a:hlinkClick r:id="rId3"/>
-              </a:rPr>
-              <a:t> Das - UNR-IDD Dataset</a:t>
-            </a:r>
-            <a:endParaRPr lang="en-US" sz="1100" dirty="0">
-              <a:solidFill>
-                <a:schemeClr val="bg2"/>
-              </a:solidFill>
-              <a:latin typeface="Proxima Nova" panose="020B0604020202020204" charset="0"/>
-            </a:endParaRPr>
-          </a:p>
-          <a:p>
-            <a:pPr indent="0">
-              <a:buNone/>
-            </a:pPr>
-            <a:endParaRPr dirty="0"/>
-          </a:p>
-        </p:txBody>
-      </p:sp>
-    </p:spTree>
-  </p:cSld>
-  <p:clrMapOvr>
-    <a:masterClrMapping/>
-  </p:clrMapOvr>
-</p:sld>
-</file>
-
-<file path=ppt/slides/slide7.xml><?xml version="1.0" encoding="utf-8"?>
-<p:sld xmlns:a="http://schemas.openxmlformats.org/drawingml/2006/main" xmlns:r="http://schemas.openxmlformats.org/officeDocument/2006/relationships" xmlns:p="http://schemas.openxmlformats.org/presentationml/2006/main">
-  <p:cSld>
-    <p:spTree>
-      <p:nvGrpSpPr>
-        <p:cNvPr id="1" name="Shape 126"/>
-        <p:cNvGrpSpPr/>
-        <p:nvPr/>
-      </p:nvGrpSpPr>
-      <p:grpSpPr>
-        <a:xfrm>
-          <a:off x="0" y="0"/>
-          <a:ext cx="0" cy="0"/>
-          <a:chOff x="0" y="0"/>
-          <a:chExt cx="0" cy="0"/>
-        </a:xfrm>
-      </p:grpSpPr>
-      <p:sp>
-        <p:nvSpPr>
-          <p:cNvPr id="127" name="Google Shape;127;g133c1f20611_0_15"/>
-          <p:cNvSpPr txBox="1">
-            <a:spLocks noGrp="1"/>
-          </p:cNvSpPr>
-          <p:nvPr>
-            <p:ph type="title"/>
-          </p:nvPr>
-        </p:nvSpPr>
-        <p:spPr>
-          <a:xfrm>
-            <a:off x="311700" y="445025"/>
-            <a:ext cx="8520600" cy="572700"/>
-          </a:xfrm>
-          <a:prstGeom prst="rect">
-            <a:avLst/>
-          </a:prstGeom>
-          <a:noFill/>
-          <a:ln>
-            <a:noFill/>
-          </a:ln>
-        </p:spPr>
-        <p:txBody>
-          <a:bodyPr spcFirstLastPara="1" wrap="square" lIns="91425" tIns="91425" rIns="91425" bIns="91425" anchor="t" anchorCtr="0">
-            <a:noAutofit/>
-          </a:bodyPr>
-          <a:lstStyle/>
-          <a:p>
-            <a:r>
-              <a:rPr lang="en-US" dirty="0">
-                <a:solidFill>
-                  <a:srgbClr val="0070C0"/>
-                </a:solidFill>
-              </a:rPr>
-              <a:t>Information about the data (network topology)</a:t>
-            </a:r>
-            <a:endParaRPr dirty="0">
-              <a:solidFill>
-                <a:srgbClr val="0070C0"/>
-              </a:solidFill>
-            </a:endParaRPr>
+            <a:r>
+              <a:rPr lang="en-US" dirty="0"/>
+              <a:t>Use pipelines</a:t>
+            </a:r>
           </a:p>
         </p:txBody>
       </p:sp>
       <p:pic>
         <p:nvPicPr>
-          <p:cNvPr id="6" name="Picture 5">
+          <p:cNvPr id="3074" name="Picture 2">
             <a:extLst>
               <a:ext uri="{FF2B5EF4-FFF2-40B4-BE49-F238E27FC236}">
-                <a16:creationId xmlns:a16="http://schemas.microsoft.com/office/drawing/2014/main" id="{7E8763D5-2712-55CC-04D0-EB57F416A99F}"/>
-              </a:ext>
-            </a:extLst>
-          </p:cNvPr>
-          <p:cNvPicPr>
-            <a:picLocks noChangeAspect="1"/>
-          </p:cNvPicPr>
-          <p:nvPr/>
-        </p:nvPicPr>
-        <p:blipFill>
-          <a:blip r:embed="rId3"/>
-          <a:stretch>
-            <a:fillRect/>
-          </a:stretch>
-        </p:blipFill>
-        <p:spPr>
-          <a:xfrm>
-            <a:off x="304800" y="1567358"/>
-            <a:ext cx="4246271" cy="2008783"/>
-          </a:xfrm>
-          <a:prstGeom prst="rect">
-            <a:avLst/>
-          </a:prstGeom>
-        </p:spPr>
-      </p:pic>
-      <p:pic>
-        <p:nvPicPr>
-          <p:cNvPr id="8" name="Picture 7">
-            <a:extLst>
-              <a:ext uri="{FF2B5EF4-FFF2-40B4-BE49-F238E27FC236}">
-                <a16:creationId xmlns:a16="http://schemas.microsoft.com/office/drawing/2014/main" id="{C467E22F-FCB1-47DD-9485-F5670AC871D5}"/>
-              </a:ext>
-            </a:extLst>
-          </p:cNvPr>
-          <p:cNvPicPr>
-            <a:picLocks noChangeAspect="1"/>
-          </p:cNvPicPr>
-          <p:nvPr/>
-        </p:nvPicPr>
-        <p:blipFill>
-          <a:blip r:embed="rId4"/>
-          <a:stretch>
-            <a:fillRect/>
-          </a:stretch>
-        </p:blipFill>
-        <p:spPr>
-          <a:xfrm>
-            <a:off x="4592931" y="1564183"/>
-            <a:ext cx="4246272" cy="2008783"/>
-          </a:xfrm>
-          <a:prstGeom prst="rect">
-            <a:avLst/>
-          </a:prstGeom>
-        </p:spPr>
-      </p:pic>
-    </p:spTree>
-    <p:extLst>
-      <p:ext uri="{BB962C8B-B14F-4D97-AF65-F5344CB8AC3E}">
-        <p14:creationId xmlns:p14="http://schemas.microsoft.com/office/powerpoint/2010/main" val="3323817032"/>
-      </p:ext>
-    </p:extLst>
-  </p:cSld>
-  <p:clrMapOvr>
-    <a:masterClrMapping/>
-  </p:clrMapOvr>
-</p:sld>
-</file>
-
-<file path=ppt/slides/slide8.xml><?xml version="1.0" encoding="utf-8"?>
-<p:sld xmlns:a="http://schemas.openxmlformats.org/drawingml/2006/main" xmlns:r="http://schemas.openxmlformats.org/officeDocument/2006/relationships" xmlns:p="http://schemas.openxmlformats.org/presentationml/2006/main">
-  <p:cSld>
-    <p:spTree>
-      <p:nvGrpSpPr>
-        <p:cNvPr id="1" name="Shape 126"/>
-        <p:cNvGrpSpPr/>
-        <p:nvPr/>
-      </p:nvGrpSpPr>
-      <p:grpSpPr>
-        <a:xfrm>
-          <a:off x="0" y="0"/>
-          <a:ext cx="0" cy="0"/>
-          <a:chOff x="0" y="0"/>
-          <a:chExt cx="0" cy="0"/>
-        </a:xfrm>
-      </p:grpSpPr>
-      <p:sp>
-        <p:nvSpPr>
-          <p:cNvPr id="127" name="Google Shape;127;g133c1f20611_0_15"/>
-          <p:cNvSpPr txBox="1">
-            <a:spLocks noGrp="1"/>
-          </p:cNvSpPr>
-          <p:nvPr>
-            <p:ph type="title"/>
-          </p:nvPr>
-        </p:nvSpPr>
-        <p:spPr>
-          <a:xfrm>
-            <a:off x="311700" y="445025"/>
-            <a:ext cx="8520600" cy="572700"/>
-          </a:xfrm>
-          <a:prstGeom prst="rect">
-            <a:avLst/>
-          </a:prstGeom>
-          <a:noFill/>
-          <a:ln>
-            <a:noFill/>
-          </a:ln>
-        </p:spPr>
-        <p:txBody>
-          <a:bodyPr spcFirstLastPara="1" wrap="square" lIns="91425" tIns="91425" rIns="91425" bIns="91425" anchor="t" anchorCtr="0">
-            <a:noAutofit/>
-          </a:bodyPr>
-          <a:lstStyle/>
-          <a:p>
-            <a:r>
-              <a:rPr lang="en-US" dirty="0">
-                <a:solidFill>
-                  <a:srgbClr val="0070C0"/>
-                </a:solidFill>
-              </a:rPr>
-              <a:t>Information about the data (network topology)</a:t>
-            </a:r>
-            <a:endParaRPr dirty="0">
-              <a:solidFill>
-                <a:srgbClr val="0070C0"/>
-              </a:solidFill>
-            </a:endParaRPr>
-          </a:p>
-        </p:txBody>
-      </p:sp>
-      <p:pic>
-        <p:nvPicPr>
-          <p:cNvPr id="5122" name="Picture 2">
-            <a:extLst>
-              <a:ext uri="{FF2B5EF4-FFF2-40B4-BE49-F238E27FC236}">
-                <a16:creationId xmlns:a16="http://schemas.microsoft.com/office/drawing/2014/main" id="{BA7BE798-6563-6081-71A1-4641951346E6}"/>
+                <a16:creationId xmlns:a16="http://schemas.microsoft.com/office/drawing/2014/main" id="{3185C231-8DE5-BD90-B12B-11E9174A0E21}"/>
               </a:ext>
             </a:extLst>
           </p:cNvPr>
@@ -17559,8 +17325,8 @@
         </p:blipFill>
         <p:spPr bwMode="auto">
           <a:xfrm>
-            <a:off x="4163037" y="1490391"/>
-            <a:ext cx="3908560" cy="1997030"/>
+            <a:off x="1990164" y="1599694"/>
+            <a:ext cx="5163671" cy="2828365"/>
           </a:xfrm>
           <a:prstGeom prst="rect">
             <a:avLst/>
@@ -17577,85 +17343,47 @@
           </a:extLst>
         </p:spPr>
       </p:pic>
+    </p:spTree>
+    <p:extLst>
+      <p:ext uri="{BB962C8B-B14F-4D97-AF65-F5344CB8AC3E}">
+        <p14:creationId xmlns:p14="http://schemas.microsoft.com/office/powerpoint/2010/main" val="2600376790"/>
+      </p:ext>
+    </p:extLst>
+  </p:cSld>
+  <p:clrMapOvr>
+    <a:masterClrMapping/>
+  </p:clrMapOvr>
+</p:sld>
+</file>
+
+<file path=ppt/slides/slide7.xml><?xml version="1.0" encoding="utf-8"?>
+<p:sld xmlns:a="http://schemas.openxmlformats.org/drawingml/2006/main" xmlns:r="http://schemas.openxmlformats.org/officeDocument/2006/relationships" xmlns:p="http://schemas.openxmlformats.org/presentationml/2006/main">
+  <p:cSld>
+    <p:spTree>
+      <p:nvGrpSpPr>
+        <p:cNvPr id="1" name="Shape 139"/>
+        <p:cNvGrpSpPr/>
+        <p:nvPr/>
+      </p:nvGrpSpPr>
+      <p:grpSpPr>
+        <a:xfrm>
+          <a:off x="0" y="0"/>
+          <a:ext cx="0" cy="0"/>
+          <a:chOff x="0" y="0"/>
+          <a:chExt cx="0" cy="0"/>
+        </a:xfrm>
+      </p:grpSpPr>
       <p:sp>
         <p:nvSpPr>
-          <p:cNvPr id="3" name="TextBox 2">
-            <a:extLst>
-              <a:ext uri="{FF2B5EF4-FFF2-40B4-BE49-F238E27FC236}">
-                <a16:creationId xmlns:a16="http://schemas.microsoft.com/office/drawing/2014/main" id="{66BA789B-66E6-70D4-0BC2-D404B442E573}"/>
-              </a:ext>
-            </a:extLst>
-          </p:cNvPr>
-          <p:cNvSpPr txBox="1"/>
-          <p:nvPr/>
-        </p:nvSpPr>
-        <p:spPr>
-          <a:xfrm>
-            <a:off x="5163671" y="4125775"/>
-            <a:ext cx="3668629" cy="261610"/>
-          </a:xfrm>
-          <a:prstGeom prst="rect">
-            <a:avLst/>
-          </a:prstGeom>
-          <a:noFill/>
-        </p:spPr>
-        <p:txBody>
-          <a:bodyPr wrap="square">
-            <a:spAutoFit/>
-          </a:bodyPr>
-          <a:lstStyle/>
-          <a:p>
-            <a:pPr marL="107948" indent="0" algn="r">
-              <a:buNone/>
-            </a:pPr>
-            <a:r>
-              <a:rPr lang="en-US" sz="1100" dirty="0">
-                <a:hlinkClick r:id="rId4"/>
-              </a:rPr>
-              <a:t>Source: </a:t>
-            </a:r>
-            <a:r>
-              <a:rPr lang="en-US" sz="1100" dirty="0" err="1">
-                <a:hlinkClick r:id="rId4"/>
-              </a:rPr>
-              <a:t>Tapadhir</a:t>
-            </a:r>
-            <a:r>
-              <a:rPr lang="en-US" sz="1100" dirty="0">
-                <a:hlinkClick r:id="rId4"/>
-              </a:rPr>
-              <a:t> Das - UNR-IDD Dataset</a:t>
-            </a:r>
-            <a:endParaRPr lang="en-US" sz="1100" dirty="0">
-              <a:solidFill>
-                <a:schemeClr val="bg2"/>
-              </a:solidFill>
-              <a:latin typeface="Proxima Nova" panose="020B0604020202020204" charset="0"/>
-            </a:endParaRPr>
-          </a:p>
-        </p:txBody>
-      </p:sp>
-      <p:sp>
-        <p:nvSpPr>
-          <p:cNvPr id="2" name="Google Shape;134;g133c1f20611_0_20">
-            <a:extLst>
-              <a:ext uri="{FF2B5EF4-FFF2-40B4-BE49-F238E27FC236}">
-                <a16:creationId xmlns:a16="http://schemas.microsoft.com/office/drawing/2014/main" id="{23BAC40A-278E-FF4E-B96E-660C27129B70}"/>
-              </a:ext>
-            </a:extLst>
-          </p:cNvPr>
+          <p:cNvPr id="140" name="Google Shape;140;g133c1f20611_0_26"/>
           <p:cNvSpPr txBox="1">
             <a:spLocks noGrp="1"/>
           </p:cNvSpPr>
           <p:nvPr>
-            <p:ph type="body" idx="1"/>
+            <p:ph type="title"/>
           </p:nvPr>
         </p:nvSpPr>
         <p:spPr>
-          <a:xfrm>
-            <a:off x="231018" y="1172645"/>
-            <a:ext cx="3749312" cy="3416400"/>
-          </a:xfrm>
           <a:prstGeom prst="rect">
             <a:avLst/>
           </a:prstGeom>
@@ -17670,173 +17398,180 @@
           </a:bodyPr>
           <a:lstStyle/>
           <a:p>
-            <a:pPr>
-              <a:buFont typeface="Wingdings" panose="05000000000000000000" pitchFamily="2" charset="2"/>
-              <a:buChar char="§"/>
+            <a:r>
+              <a:rPr lang="en-US" dirty="0">
+                <a:solidFill>
+                  <a:srgbClr val="0070C0"/>
+                </a:solidFill>
+              </a:rPr>
+              <a:t>MLE Stack (initial proposal)</a:t>
+            </a:r>
+            <a:endParaRPr dirty="0">
+              <a:solidFill>
+                <a:srgbClr val="0070C0"/>
+              </a:solidFill>
+            </a:endParaRPr>
+          </a:p>
+        </p:txBody>
+      </p:sp>
+      <p:sp>
+        <p:nvSpPr>
+          <p:cNvPr id="141" name="Google Shape;141;g133c1f20611_0_26"/>
+          <p:cNvSpPr txBox="1">
+            <a:spLocks noGrp="1"/>
+          </p:cNvSpPr>
+          <p:nvPr>
+            <p:ph type="body" idx="1"/>
+          </p:nvPr>
+        </p:nvSpPr>
+        <p:spPr>
+          <a:prstGeom prst="rect">
+            <a:avLst/>
+          </a:prstGeom>
+          <a:noFill/>
+          <a:ln>
+            <a:noFill/>
+          </a:ln>
+        </p:spPr>
+        <p:txBody>
+          <a:bodyPr spcFirstLastPara="1" wrap="square" lIns="91425" tIns="91425" rIns="91425" bIns="91425" anchor="t" anchorCtr="0">
+            <a:noAutofit/>
+          </a:bodyPr>
+          <a:lstStyle/>
+          <a:p>
+            <a:pPr algn="l">
+              <a:buFont typeface="+mj-lt"/>
+              <a:buAutoNum type="arabicPeriod"/>
             </a:pPr>
             <a:r>
-              <a:rPr lang="en-US" sz="1200" b="0" i="0" dirty="0">
+              <a:rPr lang="en-US" b="0" i="0" dirty="0">
                 <a:solidFill>
                   <a:schemeClr val="bg2"/>
                 </a:solidFill>
                 <a:effectLst/>
-                <a:latin typeface="Lato" panose="020F0502020204030203" pitchFamily="34" charset="0"/>
+                <a:latin typeface="Proxima Nova" panose="020B0604020202020204" charset="0"/>
               </a:rPr>
-              <a:t>Flow Simulation: </a:t>
-            </a:r>
-            <a:r>
-              <a:rPr lang="en-US" sz="1200" b="0" i="0" dirty="0" err="1">
+              <a:t>Reusable Code Structure for building ML Models</a:t>
+            </a:r>
+          </a:p>
+          <a:p>
+            <a:pPr algn="l">
+              <a:buFont typeface="+mj-lt"/>
+              <a:buAutoNum type="arabicPeriod"/>
+            </a:pPr>
+            <a:r>
+              <a:rPr lang="en-US" b="0" i="0" dirty="0">
                 <a:solidFill>
                   <a:schemeClr val="bg2"/>
                 </a:solidFill>
                 <a:effectLst/>
-                <a:latin typeface="Lato" panose="020F0502020204030203" pitchFamily="34" charset="0"/>
+                <a:latin typeface="Proxima Nova" panose="020B0604020202020204" charset="0"/>
               </a:rPr>
-              <a:t>IPerf</a:t>
-            </a:r>
-            <a:r>
-              <a:rPr lang="en-US" sz="1200" b="0" i="0" dirty="0">
+              <a:t>Experiment Tracking with model Artifacts</a:t>
+            </a:r>
+          </a:p>
+          <a:p>
+            <a:pPr algn="l">
+              <a:buFont typeface="+mj-lt"/>
+              <a:buAutoNum type="arabicPeriod"/>
+            </a:pPr>
+            <a:r>
+              <a:rPr lang="en-US" b="0" i="0" dirty="0">
                 <a:solidFill>
                   <a:schemeClr val="bg2"/>
                 </a:solidFill>
                 <a:effectLst/>
-                <a:latin typeface="Lato" panose="020F0502020204030203" pitchFamily="34" charset="0"/>
+                <a:latin typeface="Proxima Nova" panose="020B0604020202020204" charset="0"/>
               </a:rPr>
-              <a:t> is used to create TCP and UDP data streams simulating network flows in virtual and real networks using dummy payloads.</a:t>
-            </a:r>
-            <a:endParaRPr lang="en-US" sz="1400" dirty="0">
-              <a:solidFill>
-                <a:schemeClr val="bg2"/>
-              </a:solidFill>
-              <a:latin typeface="Proxima Nova" panose="020B0604020202020204" charset="0"/>
-            </a:endParaRPr>
-          </a:p>
-          <a:p>
-            <a:pPr>
-              <a:buFont typeface="Wingdings" panose="05000000000000000000" pitchFamily="2" charset="2"/>
-              <a:buChar char="§"/>
+              <a:t>Training of Models on Managed Remote instances</a:t>
+            </a:r>
+          </a:p>
+          <a:p>
+            <a:pPr algn="l">
+              <a:buFont typeface="+mj-lt"/>
+              <a:buAutoNum type="arabicPeriod"/>
             </a:pPr>
-            <a:endParaRPr lang="en-US" sz="1400" dirty="0">
-              <a:solidFill>
-                <a:schemeClr val="bg2"/>
-              </a:solidFill>
-              <a:latin typeface="Proxima Nova" panose="020B0604020202020204" charset="0"/>
-            </a:endParaRPr>
-          </a:p>
-          <a:p>
-            <a:pPr>
-              <a:buFont typeface="Wingdings" panose="05000000000000000000" pitchFamily="2" charset="2"/>
-              <a:buChar char="§"/>
+            <a:r>
+              <a:rPr lang="en-US" b="0" i="0" dirty="0">
+                <a:solidFill>
+                  <a:schemeClr val="bg2"/>
+                </a:solidFill>
+                <a:effectLst/>
+                <a:latin typeface="Proxima Nova" panose="020B0604020202020204" charset="0"/>
+              </a:rPr>
+              <a:t>Version control of Trained models</a:t>
+            </a:r>
+          </a:p>
+          <a:p>
+            <a:pPr algn="l">
+              <a:buFont typeface="+mj-lt"/>
+              <a:buAutoNum type="arabicPeriod"/>
             </a:pPr>
             <a:r>
-              <a:rPr lang="en-US" sz="1200" b="0" i="0" dirty="0">
+              <a:rPr lang="en-US" b="0" i="0" dirty="0">
                 <a:solidFill>
                   <a:schemeClr val="bg2"/>
                 </a:solidFill>
                 <a:effectLst/>
-                <a:latin typeface="Lato" panose="020F0502020204030203" pitchFamily="34" charset="0"/>
+                <a:latin typeface="Proxima Nova" panose="020B0604020202020204" charset="0"/>
               </a:rPr>
-              <a:t>Data Collection: we create a custom application to collect and log the available statistics that are captured periodically (once in every 5 seconds) from OpenFlow (OF) switches. The statistics are collected through by means of </a:t>
-            </a:r>
-            <a:r>
-              <a:rPr lang="en-US" sz="1200" b="0" i="1" dirty="0" err="1">
+              <a:t>Git-based triggers to train and deploy models</a:t>
+            </a:r>
+          </a:p>
+          <a:p>
+            <a:pPr algn="l">
+              <a:buFont typeface="+mj-lt"/>
+              <a:buAutoNum type="arabicPeriod"/>
+            </a:pPr>
+            <a:r>
+              <a:rPr lang="en-US" b="0" i="0" dirty="0">
                 <a:solidFill>
                   <a:schemeClr val="bg2"/>
                 </a:solidFill>
                 <a:effectLst/>
-                <a:latin typeface="Lato" panose="020F0502020204030203" pitchFamily="34" charset="0"/>
+                <a:latin typeface="Proxima Nova" panose="020B0604020202020204" charset="0"/>
               </a:rPr>
-              <a:t>OFPPortStatsRequest</a:t>
-            </a:r>
-            <a:r>
-              <a:rPr lang="en-US" sz="1200" b="0" i="0" dirty="0">
+              <a:t>Deployment of Trained models on Managed Remote instances</a:t>
+            </a:r>
+          </a:p>
+          <a:p>
+            <a:pPr algn="l">
+              <a:buFont typeface="+mj-lt"/>
+              <a:buAutoNum type="arabicPeriod"/>
+            </a:pPr>
+            <a:r>
+              <a:rPr lang="en-US" b="0" i="0" dirty="0">
                 <a:solidFill>
                   <a:schemeClr val="bg2"/>
                 </a:solidFill>
                 <a:effectLst/>
-                <a:latin typeface="Lato" panose="020F0502020204030203" pitchFamily="34" charset="0"/>
+                <a:latin typeface="Proxima Nova" panose="020B0604020202020204" charset="0"/>
               </a:rPr>
-              <a:t> and </a:t>
-            </a:r>
-            <a:r>
-              <a:rPr lang="en-US" sz="1200" b="0" i="1" dirty="0" err="1">
+              <a:t>Monitoring and Logging of deployed models</a:t>
+            </a:r>
+          </a:p>
+          <a:p>
+            <a:pPr algn="l">
+              <a:buFont typeface="+mj-lt"/>
+              <a:buAutoNum type="arabicPeriod"/>
+            </a:pPr>
+            <a:r>
+              <a:rPr lang="en-US" b="0" i="0" dirty="0">
                 <a:solidFill>
                   <a:schemeClr val="bg2"/>
                 </a:solidFill>
                 <a:effectLst/>
-                <a:latin typeface="Lato" panose="020F0502020204030203" pitchFamily="34" charset="0"/>
+                <a:latin typeface="Proxima Nova" panose="020B0604020202020204" charset="0"/>
               </a:rPr>
-              <a:t>OFPPortStatsReply</a:t>
-            </a:r>
-            <a:r>
-              <a:rPr lang="en-US" sz="1200" b="0" i="1" dirty="0">
-                <a:solidFill>
-                  <a:schemeClr val="bg2"/>
-                </a:solidFill>
-                <a:effectLst/>
-                <a:latin typeface="Lato" panose="020F0502020204030203" pitchFamily="34" charset="0"/>
-              </a:rPr>
-              <a:t> </a:t>
-            </a:r>
-            <a:r>
-              <a:rPr lang="en-US" sz="1200" b="0" i="0" dirty="0">
-                <a:solidFill>
-                  <a:schemeClr val="bg2"/>
-                </a:solidFill>
-                <a:effectLst/>
-                <a:latin typeface="Lato" panose="020F0502020204030203" pitchFamily="34" charset="0"/>
-              </a:rPr>
-              <a:t>messages between controller and switches. </a:t>
-            </a:r>
-            <a:endParaRPr lang="en-US" sz="1400" dirty="0">
-              <a:solidFill>
-                <a:schemeClr val="bg2"/>
-              </a:solidFill>
-              <a:latin typeface="Proxima Nova" panose="020B0604020202020204" charset="0"/>
-            </a:endParaRPr>
-          </a:p>
-          <a:p>
-            <a:pPr>
-              <a:buFont typeface="Wingdings" panose="05000000000000000000" pitchFamily="2" charset="2"/>
-              <a:buChar char="§"/>
-            </a:pPr>
-            <a:endParaRPr lang="en-US" sz="1400" dirty="0">
-              <a:solidFill>
-                <a:schemeClr val="bg2"/>
-              </a:solidFill>
-              <a:latin typeface="Proxima Nova" panose="020B0604020202020204" charset="0"/>
-            </a:endParaRPr>
-          </a:p>
-          <a:p>
-            <a:pPr>
-              <a:buFont typeface="Wingdings" panose="05000000000000000000" pitchFamily="2" charset="2"/>
-              <a:buChar char="§"/>
-            </a:pPr>
-            <a:endParaRPr lang="en-US" sz="1400" dirty="0">
-              <a:solidFill>
-                <a:schemeClr val="bg2"/>
-              </a:solidFill>
-              <a:latin typeface="Proxima Nova" panose="020B0604020202020204" charset="0"/>
-            </a:endParaRPr>
-          </a:p>
-          <a:p>
-            <a:pPr marL="0" indent="0">
-              <a:buNone/>
-            </a:pPr>
-            <a:endParaRPr dirty="0"/>
-          </a:p>
-          <a:p>
-            <a:pPr marL="0" indent="0">
-              <a:buNone/>
-            </a:pPr>
-            <a:endParaRPr dirty="0"/>
+              <a:t>Integration of Deployed endpoints with API Gateway</a:t>
+            </a:r>
           </a:p>
         </p:txBody>
       </p:sp>
     </p:spTree>
     <p:extLst>
       <p:ext uri="{BB962C8B-B14F-4D97-AF65-F5344CB8AC3E}">
-        <p14:creationId xmlns:p14="http://schemas.microsoft.com/office/powerpoint/2010/main" val="2554354471"/>
+        <p14:creationId xmlns:p14="http://schemas.microsoft.com/office/powerpoint/2010/main" val="754426728"/>
       </p:ext>
     </p:extLst>
   </p:cSld>
@@ -17846,12 +17581,12 @@
 </p:sld>
 </file>
 
-<file path=ppt/slides/slide9.xml><?xml version="1.0" encoding="utf-8"?>
+<file path=ppt/slides/slide8.xml><?xml version="1.0" encoding="utf-8"?>
 <p:sld xmlns:a="http://schemas.openxmlformats.org/drawingml/2006/main" xmlns:r="http://schemas.openxmlformats.org/officeDocument/2006/relationships" xmlns:p="http://schemas.openxmlformats.org/presentationml/2006/main">
   <p:cSld>
     <p:spTree>
       <p:nvGrpSpPr>
-        <p:cNvPr id="1" name="Shape 126"/>
+        <p:cNvPr id="1" name="Shape 139"/>
         <p:cNvGrpSpPr/>
         <p:nvPr/>
       </p:nvGrpSpPr>
@@ -17865,7 +17600,7 @@
       </p:grpSpPr>
       <p:sp>
         <p:nvSpPr>
-          <p:cNvPr id="127" name="Google Shape;127;g133c1f20611_0_15"/>
+          <p:cNvPr id="140" name="Google Shape;140;g133c1f20611_0_26"/>
           <p:cNvSpPr txBox="1">
             <a:spLocks noGrp="1"/>
           </p:cNvSpPr>
@@ -17874,10 +17609,6 @@
           </p:nvPr>
         </p:nvSpPr>
         <p:spPr>
-          <a:xfrm>
-            <a:off x="311700" y="445025"/>
-            <a:ext cx="8520600" cy="572700"/>
-          </a:xfrm>
           <a:prstGeom prst="rect">
             <a:avLst/>
           </a:prstGeom>
@@ -17897,27 +17628,8 @@
                 <a:solidFill>
                   <a:srgbClr val="0070C0"/>
                 </a:solidFill>
-                <a:latin typeface="Proxima Nova" panose="020B0604020202020204" charset="0"/>
               </a:rPr>
-              <a:t>Information about the data (</a:t>
-            </a:r>
-            <a:r>
-              <a:rPr lang="en-US" i="0" dirty="0">
-                <a:solidFill>
-                  <a:srgbClr val="0070C0"/>
-                </a:solidFill>
-                <a:effectLst/>
-                <a:latin typeface="Proxima Nova" panose="020B0604020202020204" charset="0"/>
-              </a:rPr>
-              <a:t>Multi-class classification</a:t>
-            </a:r>
-            <a:r>
-              <a:rPr lang="en-US" dirty="0">
-                <a:solidFill>
-                  <a:srgbClr val="0070C0"/>
-                </a:solidFill>
-              </a:rPr>
-              <a:t>)</a:t>
+              <a:t>MLE Stack</a:t>
             </a:r>
             <a:endParaRPr dirty="0">
               <a:solidFill>
@@ -17927,12 +17639,53 @@
           </a:p>
         </p:txBody>
       </p:sp>
+      <p:sp>
+        <p:nvSpPr>
+          <p:cNvPr id="141" name="Google Shape;141;g133c1f20611_0_26"/>
+          <p:cNvSpPr txBox="1">
+            <a:spLocks noGrp="1"/>
+          </p:cNvSpPr>
+          <p:nvPr>
+            <p:ph type="body" idx="1"/>
+          </p:nvPr>
+        </p:nvSpPr>
+        <p:spPr>
+          <a:prstGeom prst="rect">
+            <a:avLst/>
+          </a:prstGeom>
+          <a:noFill/>
+          <a:ln>
+            <a:noFill/>
+          </a:ln>
+        </p:spPr>
+        <p:txBody>
+          <a:bodyPr spcFirstLastPara="1" wrap="square" lIns="91425" tIns="91425" rIns="91425" bIns="91425" anchor="t" anchorCtr="0">
+            <a:noAutofit/>
+          </a:bodyPr>
+          <a:lstStyle/>
+          <a:p>
+            <a:pPr marL="107948" indent="0" algn="l">
+              <a:buNone/>
+            </a:pPr>
+            <a:r>
+              <a:rPr lang="en-US" b="0" i="0" dirty="0">
+                <a:solidFill>
+                  <a:schemeClr val="bg2"/>
+                </a:solidFill>
+                <a:effectLst/>
+                <a:latin typeface="Proxima Nova" panose="020B0604020202020204" charset="0"/>
+              </a:rPr>
+              <a:t>EDA performed on dataset</a:t>
+            </a:r>
+          </a:p>
+        </p:txBody>
+      </p:sp>
       <p:pic>
         <p:nvPicPr>
-          <p:cNvPr id="2" name="Picture 1">
+          <p:cNvPr id="3" name="Picture 2">
             <a:extLst>
               <a:ext uri="{FF2B5EF4-FFF2-40B4-BE49-F238E27FC236}">
-                <a16:creationId xmlns:a16="http://schemas.microsoft.com/office/drawing/2014/main" id="{3E276E5C-2A4B-47C8-301F-52FEB674359B}"/>
+                <a16:creationId xmlns:a16="http://schemas.microsoft.com/office/drawing/2014/main" id="{34F0C217-91CA-F583-F3FD-0162C11FD66E}"/>
               </a:ext>
             </a:extLst>
           </p:cNvPr>
@@ -17949,8 +17702,38 @@
         </p:blipFill>
         <p:spPr>
           <a:xfrm>
-            <a:off x="685800" y="1415496"/>
-            <a:ext cx="7772400" cy="2794830"/>
+            <a:off x="311700" y="1656640"/>
+            <a:ext cx="4260300" cy="2700190"/>
+          </a:xfrm>
+          <a:prstGeom prst="rect">
+            <a:avLst/>
+          </a:prstGeom>
+        </p:spPr>
+      </p:pic>
+      <p:pic>
+        <p:nvPicPr>
+          <p:cNvPr id="5" name="Picture 4">
+            <a:extLst>
+              <a:ext uri="{FF2B5EF4-FFF2-40B4-BE49-F238E27FC236}">
+                <a16:creationId xmlns:a16="http://schemas.microsoft.com/office/drawing/2014/main" id="{E417F312-31B6-51E5-5BE5-296F816722F5}"/>
+              </a:ext>
+            </a:extLst>
+          </p:cNvPr>
+          <p:cNvPicPr>
+            <a:picLocks noChangeAspect="1"/>
+          </p:cNvPicPr>
+          <p:nvPr/>
+        </p:nvPicPr>
+        <p:blipFill>
+          <a:blip r:embed="rId4"/>
+          <a:stretch>
+            <a:fillRect/>
+          </a:stretch>
+        </p:blipFill>
+        <p:spPr>
+          <a:xfrm>
+            <a:off x="4964492" y="1932542"/>
+            <a:ext cx="3475315" cy="2525801"/>
           </a:xfrm>
           <a:prstGeom prst="rect">
             <a:avLst/>
@@ -17960,7 +17743,418 @@
     </p:spTree>
     <p:extLst>
       <p:ext uri="{BB962C8B-B14F-4D97-AF65-F5344CB8AC3E}">
-        <p14:creationId xmlns:p14="http://schemas.microsoft.com/office/powerpoint/2010/main" val="890716241"/>
+        <p14:creationId xmlns:p14="http://schemas.microsoft.com/office/powerpoint/2010/main" val="2105782506"/>
+      </p:ext>
+    </p:extLst>
+  </p:cSld>
+  <p:clrMapOvr>
+    <a:masterClrMapping/>
+  </p:clrMapOvr>
+</p:sld>
+</file>
+
+<file path=ppt/slides/slide9.xml><?xml version="1.0" encoding="utf-8"?>
+<p:sld xmlns:a="http://schemas.openxmlformats.org/drawingml/2006/main" xmlns:r="http://schemas.openxmlformats.org/officeDocument/2006/relationships" xmlns:p="http://schemas.openxmlformats.org/presentationml/2006/main">
+  <p:cSld>
+    <p:spTree>
+      <p:nvGrpSpPr>
+        <p:cNvPr id="1" name="Shape 139"/>
+        <p:cNvGrpSpPr/>
+        <p:nvPr/>
+      </p:nvGrpSpPr>
+      <p:grpSpPr>
+        <a:xfrm>
+          <a:off x="0" y="0"/>
+          <a:ext cx="0" cy="0"/>
+          <a:chOff x="0" y="0"/>
+          <a:chExt cx="0" cy="0"/>
+        </a:xfrm>
+      </p:grpSpPr>
+      <p:sp>
+        <p:nvSpPr>
+          <p:cNvPr id="140" name="Google Shape;140;g133c1f20611_0_26"/>
+          <p:cNvSpPr txBox="1">
+            <a:spLocks noGrp="1"/>
+          </p:cNvSpPr>
+          <p:nvPr>
+            <p:ph type="title"/>
+          </p:nvPr>
+        </p:nvSpPr>
+        <p:spPr>
+          <a:prstGeom prst="rect">
+            <a:avLst/>
+          </a:prstGeom>
+          <a:noFill/>
+          <a:ln>
+            <a:noFill/>
+          </a:ln>
+        </p:spPr>
+        <p:txBody>
+          <a:bodyPr spcFirstLastPara="1" wrap="square" lIns="91425" tIns="91425" rIns="91425" bIns="91425" anchor="t" anchorCtr="0">
+            <a:noAutofit/>
+          </a:bodyPr>
+          <a:lstStyle/>
+          <a:p>
+            <a:r>
+              <a:rPr lang="en-US" dirty="0">
+                <a:solidFill>
+                  <a:srgbClr val="0070C0"/>
+                </a:solidFill>
+              </a:rPr>
+              <a:t>MLE Stack</a:t>
+            </a:r>
+            <a:endParaRPr dirty="0">
+              <a:solidFill>
+                <a:srgbClr val="0070C0"/>
+              </a:solidFill>
+            </a:endParaRPr>
+          </a:p>
+        </p:txBody>
+      </p:sp>
+      <p:sp>
+        <p:nvSpPr>
+          <p:cNvPr id="6" name="Google Shape;122;g133c1f20611_0_10">
+            <a:extLst>
+              <a:ext uri="{FF2B5EF4-FFF2-40B4-BE49-F238E27FC236}">
+                <a16:creationId xmlns:a16="http://schemas.microsoft.com/office/drawing/2014/main" id="{5741AE49-7225-0B2A-3BF8-CCCD9479A6A4}"/>
+              </a:ext>
+            </a:extLst>
+          </p:cNvPr>
+          <p:cNvSpPr txBox="1">
+            <a:spLocks/>
+          </p:cNvSpPr>
+          <p:nvPr/>
+        </p:nvSpPr>
+        <p:spPr>
+          <a:xfrm>
+            <a:off x="318600" y="1162050"/>
+            <a:ext cx="8520600" cy="3390900"/>
+          </a:xfrm>
+          <a:prstGeom prst="rect">
+            <a:avLst/>
+          </a:prstGeom>
+          <a:noFill/>
+          <a:ln>
+            <a:noFill/>
+          </a:ln>
+        </p:spPr>
+        <p:txBody>
+          <a:bodyPr spcFirstLastPara="1" wrap="square" lIns="91425" tIns="91425" rIns="91425" bIns="91425" anchor="t" anchorCtr="0">
+            <a:noAutofit/>
+          </a:bodyPr>
+          <a:lstStyle>
+            <a:defPPr marR="0" lvl="0" algn="l" rtl="0">
+              <a:lnSpc>
+                <a:spcPct val="100000"/>
+              </a:lnSpc>
+              <a:spcBef>
+                <a:spcPts val="0"/>
+              </a:spcBef>
+              <a:spcAft>
+                <a:spcPts val="0"/>
+              </a:spcAft>
+            </a:defPPr>
+            <a:lvl1pPr marL="457189" marR="0" lvl="0" indent="-349241" algn="l" rtl="0">
+              <a:lnSpc>
+                <a:spcPct val="115000"/>
+              </a:lnSpc>
+              <a:spcBef>
+                <a:spcPts val="0"/>
+              </a:spcBef>
+              <a:spcAft>
+                <a:spcPts val="0"/>
+              </a:spcAft>
+              <a:buClr>
+                <a:schemeClr val="dk2"/>
+              </a:buClr>
+              <a:buSzPts val="1900"/>
+              <a:buFont typeface="Proxima Nova"/>
+              <a:buChar char="●"/>
+              <a:defRPr sz="1900" b="0" i="0" u="none" strike="noStrike" cap="none">
+                <a:solidFill>
+                  <a:schemeClr val="dk2"/>
+                </a:solidFill>
+                <a:latin typeface="Proxima Nova"/>
+                <a:ea typeface="Proxima Nova"/>
+                <a:cs typeface="Proxima Nova"/>
+                <a:sym typeface="Proxima Nova"/>
+              </a:defRPr>
+            </a:lvl1pPr>
+            <a:lvl2pPr marL="914378" marR="0" lvl="1" indent="-317492" algn="l" rtl="0">
+              <a:lnSpc>
+                <a:spcPct val="115000"/>
+              </a:lnSpc>
+              <a:spcBef>
+                <a:spcPts val="1600"/>
+              </a:spcBef>
+              <a:spcAft>
+                <a:spcPts val="0"/>
+              </a:spcAft>
+              <a:buClr>
+                <a:schemeClr val="dk2"/>
+              </a:buClr>
+              <a:buSzPts val="1400"/>
+              <a:buFont typeface="Proxima Nova"/>
+              <a:buChar char="○"/>
+              <a:defRPr sz="1400" b="0" i="0" u="none" strike="noStrike" cap="none">
+                <a:solidFill>
+                  <a:schemeClr val="dk2"/>
+                </a:solidFill>
+                <a:latin typeface="Proxima Nova"/>
+                <a:ea typeface="Proxima Nova"/>
+                <a:cs typeface="Proxima Nova"/>
+                <a:sym typeface="Proxima Nova"/>
+              </a:defRPr>
+            </a:lvl2pPr>
+            <a:lvl3pPr marL="1371566" marR="0" lvl="2" indent="-317492" algn="l" rtl="0">
+              <a:lnSpc>
+                <a:spcPct val="115000"/>
+              </a:lnSpc>
+              <a:spcBef>
+                <a:spcPts val="1600"/>
+              </a:spcBef>
+              <a:spcAft>
+                <a:spcPts val="0"/>
+              </a:spcAft>
+              <a:buClr>
+                <a:schemeClr val="dk2"/>
+              </a:buClr>
+              <a:buSzPts val="1400"/>
+              <a:buFont typeface="Proxima Nova"/>
+              <a:buChar char="■"/>
+              <a:defRPr sz="1400" b="0" i="0" u="none" strike="noStrike" cap="none">
+                <a:solidFill>
+                  <a:schemeClr val="dk2"/>
+                </a:solidFill>
+                <a:latin typeface="Proxima Nova"/>
+                <a:ea typeface="Proxima Nova"/>
+                <a:cs typeface="Proxima Nova"/>
+                <a:sym typeface="Proxima Nova"/>
+              </a:defRPr>
+            </a:lvl3pPr>
+            <a:lvl4pPr marL="1828754" marR="0" lvl="3" indent="-317492" algn="l" rtl="0">
+              <a:lnSpc>
+                <a:spcPct val="115000"/>
+              </a:lnSpc>
+              <a:spcBef>
+                <a:spcPts val="1600"/>
+              </a:spcBef>
+              <a:spcAft>
+                <a:spcPts val="0"/>
+              </a:spcAft>
+              <a:buClr>
+                <a:schemeClr val="dk2"/>
+              </a:buClr>
+              <a:buSzPts val="1400"/>
+              <a:buFont typeface="Proxima Nova"/>
+              <a:buChar char="●"/>
+              <a:defRPr sz="1400" b="0" i="0" u="none" strike="noStrike" cap="none">
+                <a:solidFill>
+                  <a:schemeClr val="dk2"/>
+                </a:solidFill>
+                <a:latin typeface="Proxima Nova"/>
+                <a:ea typeface="Proxima Nova"/>
+                <a:cs typeface="Proxima Nova"/>
+                <a:sym typeface="Proxima Nova"/>
+              </a:defRPr>
+            </a:lvl4pPr>
+            <a:lvl5pPr marL="2285943" marR="0" lvl="4" indent="-317492" algn="l" rtl="0">
+              <a:lnSpc>
+                <a:spcPct val="115000"/>
+              </a:lnSpc>
+              <a:spcBef>
+                <a:spcPts val="1600"/>
+              </a:spcBef>
+              <a:spcAft>
+                <a:spcPts val="0"/>
+              </a:spcAft>
+              <a:buClr>
+                <a:schemeClr val="dk2"/>
+              </a:buClr>
+              <a:buSzPts val="1400"/>
+              <a:buFont typeface="Proxima Nova"/>
+              <a:buChar char="○"/>
+              <a:defRPr sz="1400" b="0" i="0" u="none" strike="noStrike" cap="none">
+                <a:solidFill>
+                  <a:schemeClr val="dk2"/>
+                </a:solidFill>
+                <a:latin typeface="Proxima Nova"/>
+                <a:ea typeface="Proxima Nova"/>
+                <a:cs typeface="Proxima Nova"/>
+                <a:sym typeface="Proxima Nova"/>
+              </a:defRPr>
+            </a:lvl5pPr>
+            <a:lvl6pPr marL="2743132" marR="0" lvl="5" indent="-317492" algn="l" rtl="0">
+              <a:lnSpc>
+                <a:spcPct val="115000"/>
+              </a:lnSpc>
+              <a:spcBef>
+                <a:spcPts val="1600"/>
+              </a:spcBef>
+              <a:spcAft>
+                <a:spcPts val="0"/>
+              </a:spcAft>
+              <a:buClr>
+                <a:schemeClr val="dk2"/>
+              </a:buClr>
+              <a:buSzPts val="1400"/>
+              <a:buFont typeface="Proxima Nova"/>
+              <a:buChar char="■"/>
+              <a:defRPr sz="1400" b="0" i="0" u="none" strike="noStrike" cap="none">
+                <a:solidFill>
+                  <a:schemeClr val="dk2"/>
+                </a:solidFill>
+                <a:latin typeface="Proxima Nova"/>
+                <a:ea typeface="Proxima Nova"/>
+                <a:cs typeface="Proxima Nova"/>
+                <a:sym typeface="Proxima Nova"/>
+              </a:defRPr>
+            </a:lvl6pPr>
+            <a:lvl7pPr marL="3200320" marR="0" lvl="6" indent="-317492" algn="l" rtl="0">
+              <a:lnSpc>
+                <a:spcPct val="115000"/>
+              </a:lnSpc>
+              <a:spcBef>
+                <a:spcPts val="1600"/>
+              </a:spcBef>
+              <a:spcAft>
+                <a:spcPts val="0"/>
+              </a:spcAft>
+              <a:buClr>
+                <a:schemeClr val="dk2"/>
+              </a:buClr>
+              <a:buSzPts val="1400"/>
+              <a:buFont typeface="Proxima Nova"/>
+              <a:buChar char="●"/>
+              <a:defRPr sz="1400" b="0" i="0" u="none" strike="noStrike" cap="none">
+                <a:solidFill>
+                  <a:schemeClr val="dk2"/>
+                </a:solidFill>
+                <a:latin typeface="Proxima Nova"/>
+                <a:ea typeface="Proxima Nova"/>
+                <a:cs typeface="Proxima Nova"/>
+                <a:sym typeface="Proxima Nova"/>
+              </a:defRPr>
+            </a:lvl7pPr>
+            <a:lvl8pPr marL="3657509" marR="0" lvl="7" indent="-317492" algn="l" rtl="0">
+              <a:lnSpc>
+                <a:spcPct val="115000"/>
+              </a:lnSpc>
+              <a:spcBef>
+                <a:spcPts val="1600"/>
+              </a:spcBef>
+              <a:spcAft>
+                <a:spcPts val="0"/>
+              </a:spcAft>
+              <a:buClr>
+                <a:schemeClr val="dk2"/>
+              </a:buClr>
+              <a:buSzPts val="1400"/>
+              <a:buFont typeface="Proxima Nova"/>
+              <a:buChar char="○"/>
+              <a:defRPr sz="1400" b="0" i="0" u="none" strike="noStrike" cap="none">
+                <a:solidFill>
+                  <a:schemeClr val="dk2"/>
+                </a:solidFill>
+                <a:latin typeface="Proxima Nova"/>
+                <a:ea typeface="Proxima Nova"/>
+                <a:cs typeface="Proxima Nova"/>
+                <a:sym typeface="Proxima Nova"/>
+              </a:defRPr>
+            </a:lvl8pPr>
+            <a:lvl9pPr marL="4114697" marR="0" lvl="8" indent="-317492" algn="l" rtl="0">
+              <a:lnSpc>
+                <a:spcPct val="115000"/>
+              </a:lnSpc>
+              <a:spcBef>
+                <a:spcPts val="1600"/>
+              </a:spcBef>
+              <a:spcAft>
+                <a:spcPts val="1600"/>
+              </a:spcAft>
+              <a:buClr>
+                <a:schemeClr val="dk2"/>
+              </a:buClr>
+              <a:buSzPts val="1400"/>
+              <a:buFont typeface="Proxima Nova"/>
+              <a:buChar char="■"/>
+              <a:defRPr sz="1400" b="0" i="0" u="none" strike="noStrike" cap="none">
+                <a:solidFill>
+                  <a:schemeClr val="dk2"/>
+                </a:solidFill>
+                <a:latin typeface="Proxima Nova"/>
+                <a:ea typeface="Proxima Nova"/>
+                <a:cs typeface="Proxima Nova"/>
+                <a:sym typeface="Proxima Nova"/>
+              </a:defRPr>
+            </a:lvl9pPr>
+          </a:lstStyle>
+          <a:p>
+            <a:pPr>
+              <a:buFont typeface="Wingdings" panose="05000000000000000000" pitchFamily="2" charset="2"/>
+              <a:buChar char="§"/>
+            </a:pPr>
+            <a:r>
+              <a:rPr lang="en-US" sz="1400" dirty="0">
+                <a:solidFill>
+                  <a:schemeClr val="bg2"/>
+                </a:solidFill>
+                <a:latin typeface="Proxima Nova" panose="020B0604020202020204" charset="0"/>
+              </a:rPr>
+              <a:t>Used Logistic Regression to run simple predictions for binary  and for multi class classification.</a:t>
+            </a:r>
+          </a:p>
+          <a:p>
+            <a:pPr>
+              <a:buFont typeface="Wingdings" panose="05000000000000000000" pitchFamily="2" charset="2"/>
+              <a:buChar char="§"/>
+            </a:pPr>
+            <a:endParaRPr lang="en-US" sz="1400" dirty="0">
+              <a:solidFill>
+                <a:schemeClr val="bg2"/>
+              </a:solidFill>
+              <a:latin typeface="Proxima Nova" panose="020B0604020202020204" charset="0"/>
+            </a:endParaRPr>
+          </a:p>
+          <a:p>
+            <a:pPr>
+              <a:buFont typeface="Wingdings" panose="05000000000000000000" pitchFamily="2" charset="2"/>
+              <a:buChar char="§"/>
+            </a:pPr>
+            <a:r>
+              <a:rPr lang="en-US" sz="1400" dirty="0">
+                <a:solidFill>
+                  <a:schemeClr val="bg2"/>
+                </a:solidFill>
+                <a:latin typeface="Proxima Nova" panose="020B0604020202020204" charset="0"/>
+              </a:rPr>
+              <a:t>Used TPOT to determine best pipeline for a (multi-class) classifier: a gradient boosting classifier (</a:t>
+            </a:r>
+            <a:r>
+              <a:rPr lang="en-US" sz="1400" dirty="0" err="1">
+                <a:solidFill>
+                  <a:schemeClr val="bg2"/>
+                </a:solidFill>
+                <a:latin typeface="Proxima Nova" panose="020B0604020202020204" charset="0"/>
+              </a:rPr>
+              <a:t>XGBClassifier</a:t>
+            </a:r>
+            <a:r>
+              <a:rPr lang="en-US" sz="1400" dirty="0">
+                <a:solidFill>
+                  <a:schemeClr val="bg2"/>
+                </a:solidFill>
+                <a:latin typeface="Proxima Nova" panose="020B0604020202020204" charset="0"/>
+              </a:rPr>
+              <a:t>).  </a:t>
+            </a:r>
+          </a:p>
+        </p:txBody>
+      </p:sp>
+    </p:spTree>
+    <p:extLst>
+      <p:ext uri="{BB962C8B-B14F-4D97-AF65-F5344CB8AC3E}">
+        <p14:creationId xmlns:p14="http://schemas.microsoft.com/office/powerpoint/2010/main" val="2690444582"/>
       </p:ext>
     </p:extLst>
   </p:cSld>
